--- a/07-refactoring_to_attributes.pptx
+++ b/07-refactoring_to_attributes.pptx
@@ -6801,14 +6801,14 @@
           </a:ln>
           <a:extLst>
             <a:ext uri="{909E8E84-426E-40dd-AFC4-6F175D3DCCD1}">
-              <a14:hiddenFill xmlns="" xmlns:a14="http://schemas.microsoft.com/office/drawing/2010/main">
+              <a14:hiddenFill xmlns:a14="http://schemas.microsoft.com/office/drawing/2010/main" xmlns="">
                 <a:solidFill>
                   <a:srgbClr val="FFFFFF"/>
                 </a:solidFill>
               </a14:hiddenFill>
             </a:ext>
             <a:ext uri="{91240B29-F687-4f45-9708-019B960494DF}">
-              <a14:hiddenLine xmlns="" xmlns:a14="http://schemas.microsoft.com/office/drawing/2010/main" w="9525">
+              <a14:hiddenLine xmlns:a14="http://schemas.microsoft.com/office/drawing/2010/main" xmlns="" w="9525">
                 <a:solidFill>
                   <a:srgbClr val="000000"/>
                 </a:solidFill>
@@ -6956,14 +6956,14 @@
           </a:ln>
           <a:extLst>
             <a:ext uri="{909E8E84-426E-40dd-AFC4-6F175D3DCCD1}">
-              <a14:hiddenFill xmlns="" xmlns:a14="http://schemas.microsoft.com/office/drawing/2010/main">
+              <a14:hiddenFill xmlns:a14="http://schemas.microsoft.com/office/drawing/2010/main" xmlns="">
                 <a:solidFill>
                   <a:srgbClr val="FFFFFF"/>
                 </a:solidFill>
               </a14:hiddenFill>
             </a:ext>
             <a:ext uri="{91240B29-F687-4f45-9708-019B960494DF}">
-              <a14:hiddenLine xmlns="" xmlns:a14="http://schemas.microsoft.com/office/drawing/2010/main" w="9525">
+              <a14:hiddenLine xmlns:a14="http://schemas.microsoft.com/office/drawing/2010/main" xmlns="" w="9525">
                 <a:solidFill>
                   <a:srgbClr val="000000"/>
                 </a:solidFill>
@@ -7454,14 +7454,14 @@
           </a:ln>
           <a:extLst>
             <a:ext uri="{909E8E84-426E-40dd-AFC4-6F175D3DCCD1}">
-              <a14:hiddenFill xmlns="" xmlns:a14="http://schemas.microsoft.com/office/drawing/2010/main">
+              <a14:hiddenFill xmlns:a14="http://schemas.microsoft.com/office/drawing/2010/main" xmlns="">
                 <a:solidFill>
                   <a:srgbClr val="FFFFFF"/>
                 </a:solidFill>
               </a14:hiddenFill>
             </a:ext>
             <a:ext uri="{91240B29-F687-4f45-9708-019B960494DF}">
-              <a14:hiddenLine xmlns="" xmlns:a14="http://schemas.microsoft.com/office/drawing/2010/main" w="9525">
+              <a14:hiddenLine xmlns:a14="http://schemas.microsoft.com/office/drawing/2010/main" xmlns="" w="9525">
                 <a:solidFill>
                   <a:srgbClr val="000000"/>
                 </a:solidFill>
@@ -8910,14 +8910,14 @@
           </a:ln>
           <a:extLst>
             <a:ext uri="{909E8E84-426E-40dd-AFC4-6F175D3DCCD1}">
-              <a14:hiddenFill xmlns="" xmlns:a14="http://schemas.microsoft.com/office/drawing/2010/main">
+              <a14:hiddenFill xmlns:a14="http://schemas.microsoft.com/office/drawing/2010/main" xmlns="">
                 <a:solidFill>
                   <a:srgbClr val="FFFFFF"/>
                 </a:solidFill>
               </a14:hiddenFill>
             </a:ext>
             <a:ext uri="{91240B29-F687-4f45-9708-019B960494DF}">
-              <a14:hiddenLine xmlns="" xmlns:a14="http://schemas.microsoft.com/office/drawing/2010/main" w="9525">
+              <a14:hiddenLine xmlns:a14="http://schemas.microsoft.com/office/drawing/2010/main" xmlns="" w="9525">
                 <a:solidFill>
                   <a:srgbClr val="000000"/>
                 </a:solidFill>
@@ -10271,14 +10271,14 @@
           </a:ln>
           <a:extLst>
             <a:ext uri="{909E8E84-426E-40dd-AFC4-6F175D3DCCD1}">
-              <a14:hiddenFill xmlns="" xmlns:a14="http://schemas.microsoft.com/office/drawing/2010/main">
+              <a14:hiddenFill xmlns:a14="http://schemas.microsoft.com/office/drawing/2010/main" xmlns="">
                 <a:solidFill>
                   <a:srgbClr val="FFFFFF"/>
                 </a:solidFill>
               </a14:hiddenFill>
             </a:ext>
             <a:ext uri="{91240B29-F687-4f45-9708-019B960494DF}">
-              <a14:hiddenLine xmlns="" xmlns:a14="http://schemas.microsoft.com/office/drawing/2010/main" w="9525">
+              <a14:hiddenLine xmlns:a14="http://schemas.microsoft.com/office/drawing/2010/main" xmlns="" w="9525">
                 <a:solidFill>
                   <a:srgbClr val="000000"/>
                 </a:solidFill>
@@ -10836,14 +10836,14 @@
           </a:ln>
           <a:extLst>
             <a:ext uri="{909E8E84-426E-40dd-AFC4-6F175D3DCCD1}">
-              <a14:hiddenFill xmlns="" xmlns:a14="http://schemas.microsoft.com/office/drawing/2010/main">
+              <a14:hiddenFill xmlns:a14="http://schemas.microsoft.com/office/drawing/2010/main" xmlns="">
                 <a:solidFill>
                   <a:srgbClr val="FFFFFF"/>
                 </a:solidFill>
               </a14:hiddenFill>
             </a:ext>
             <a:ext uri="{91240B29-F687-4f45-9708-019B960494DF}">
-              <a14:hiddenLine xmlns="" xmlns:a14="http://schemas.microsoft.com/office/drawing/2010/main" w="9525">
+              <a14:hiddenLine xmlns:a14="http://schemas.microsoft.com/office/drawing/2010/main" xmlns="" w="9525">
                 <a:solidFill>
                   <a:srgbClr val="000000"/>
                 </a:solidFill>
@@ -11410,14 +11410,14 @@
           </a:ln>
           <a:extLst>
             <a:ext uri="{909E8E84-426E-40dd-AFC4-6F175D3DCCD1}">
-              <a14:hiddenFill xmlns="" xmlns:a14="http://schemas.microsoft.com/office/drawing/2010/main">
+              <a14:hiddenFill xmlns:a14="http://schemas.microsoft.com/office/drawing/2010/main" xmlns="">
                 <a:solidFill>
                   <a:srgbClr val="FFFFFF"/>
                 </a:solidFill>
               </a14:hiddenFill>
             </a:ext>
             <a:ext uri="{91240B29-F687-4f45-9708-019B960494DF}">
-              <a14:hiddenLine xmlns="" xmlns:a14="http://schemas.microsoft.com/office/drawing/2010/main" w="9525">
+              <a14:hiddenLine xmlns:a14="http://schemas.microsoft.com/office/drawing/2010/main" xmlns="" w="9525">
                 <a:solidFill>
                   <a:srgbClr val="000000"/>
                 </a:solidFill>
@@ -12357,14 +12357,14 @@
           </a:ln>
           <a:extLst>
             <a:ext uri="{909E8E84-426E-40dd-AFC4-6F175D3DCCD1}">
-              <a14:hiddenFill xmlns="" xmlns:a14="http://schemas.microsoft.com/office/drawing/2010/main">
+              <a14:hiddenFill xmlns:a14="http://schemas.microsoft.com/office/drawing/2010/main" xmlns="">
                 <a:solidFill>
                   <a:srgbClr val="FFFFFF"/>
                 </a:solidFill>
               </a14:hiddenFill>
             </a:ext>
             <a:ext uri="{91240B29-F687-4f45-9708-019B960494DF}">
-              <a14:hiddenLine xmlns="" xmlns:a14="http://schemas.microsoft.com/office/drawing/2010/main" w="9525">
+              <a14:hiddenLine xmlns:a14="http://schemas.microsoft.com/office/drawing/2010/main" xmlns="" w="9525">
                 <a:solidFill>
                   <a:srgbClr val="000000"/>
                 </a:solidFill>
@@ -13148,14 +13148,14 @@
           </a:ln>
           <a:extLst>
             <a:ext uri="{909E8E84-426E-40dd-AFC4-6F175D3DCCD1}">
-              <a14:hiddenFill xmlns="" xmlns:a14="http://schemas.microsoft.com/office/drawing/2010/main">
+              <a14:hiddenFill xmlns:a14="http://schemas.microsoft.com/office/drawing/2010/main" xmlns="">
                 <a:solidFill>
                   <a:srgbClr val="FFFFFF"/>
                 </a:solidFill>
               </a14:hiddenFill>
             </a:ext>
             <a:ext uri="{91240B29-F687-4f45-9708-019B960494DF}">
-              <a14:hiddenLine xmlns="" xmlns:a14="http://schemas.microsoft.com/office/drawing/2010/main" w="9525">
+              <a14:hiddenLine xmlns:a14="http://schemas.microsoft.com/office/drawing/2010/main" xmlns="" w="9525">
                 <a:solidFill>
                   <a:srgbClr val="000000"/>
                 </a:solidFill>
@@ -14593,7 +14593,7 @@
         </p:nvSpPr>
         <p:spPr>
           <a:xfrm>
-            <a:off x="1127883" y="4953598"/>
+            <a:off x="1127883" y="5440296"/>
             <a:ext cx="14420850" cy="557213"/>
           </a:xfrm>
         </p:spPr>
@@ -14862,15 +14862,7 @@
           <a:p>
             <a:r>
               <a:rPr lang="en-US" dirty="0" smtClean="0"/>
-              <a:t>default[</a:t>
-            </a:r>
-            <a:r>
-              <a:rPr lang="en-US" dirty="0" smtClean="0"/>
-              <a:t>'apache'][</a:t>
-            </a:r>
-            <a:r>
-              <a:rPr lang="en-US" dirty="0" smtClean="0"/>
-              <a:t>'</a:t>
+              <a:t>default['apache']['</a:t>
             </a:r>
             <a:r>
               <a:rPr lang="en-US" dirty="0" err="1" smtClean="0"/>
@@ -17584,11 +17576,7 @@
             </a:r>
             <a:r>
               <a:rPr lang="en-US" dirty="0" smtClean="0"/>
-              <a:t>&gt; node[</a:t>
-            </a:r>
-            <a:r>
-              <a:rPr lang="en-US" dirty="0" smtClean="0"/>
-              <a:t>'apache']</a:t>
+              <a:t>&gt; node['apache']</a:t>
             </a:r>
             <a:endParaRPr lang="en-US" dirty="0"/>
           </a:p>
@@ -18964,11 +18952,7 @@
             </a:r>
             <a:r>
               <a:rPr lang="en-US" dirty="0" smtClean="0"/>
-              <a:t>&gt; node[</a:t>
-            </a:r>
-            <a:r>
-              <a:rPr lang="en-US" dirty="0" smtClean="0"/>
-              <a:t>'</a:t>
+              <a:t>&gt; node['</a:t>
             </a:r>
             <a:r>
               <a:rPr lang="en-US" dirty="0" err="1" smtClean="0"/>
@@ -20292,7 +20276,15 @@
             </a:r>
             <a:r>
               <a:rPr lang="en-US" sz="2400" dirty="0"/>
-              <a:t>service When all attributes are default, on an unspecified platform converges successfully</a:t>
+              <a:t>service When all attributes are default, on an </a:t>
+            </a:r>
+            <a:r>
+              <a:rPr lang="en-US" sz="2400" dirty="0" smtClean="0"/>
+              <a:t>CentOS 6.7 </a:t>
+            </a:r>
+            <a:r>
+              <a:rPr lang="en-US" sz="2400" dirty="0"/>
+              <a:t>converges successfully</a:t>
             </a:r>
           </a:p>
           <a:p>
@@ -20551,15 +20543,7 @@
           <a:p>
             <a:r>
               <a:rPr lang="en-US" dirty="0" smtClean="0"/>
-              <a:t>default[</a:t>
-            </a:r>
-            <a:r>
-              <a:rPr lang="en-US" dirty="0" smtClean="0"/>
-              <a:t>'apache'][</a:t>
-            </a:r>
-            <a:r>
-              <a:rPr lang="en-US" dirty="0" smtClean="0"/>
-              <a:t>'</a:t>
+              <a:t>default['apache']['</a:t>
             </a:r>
             <a:r>
               <a:rPr lang="en-US" dirty="0" err="1" smtClean="0"/>
@@ -20585,11 +20569,7 @@
             </a:r>
             <a:r>
               <a:rPr lang="en-US" dirty="0" smtClean="0"/>
-              <a:t>'apache'][</a:t>
-            </a:r>
-            <a:r>
-              <a:rPr lang="en-US" dirty="0" smtClean="0"/>
-              <a:t>'</a:t>
+              <a:t>'apache']['</a:t>
             </a:r>
             <a:r>
               <a:rPr lang="en-US" dirty="0" err="1" smtClean="0"/>
@@ -24154,15 +24134,7 @@
           <a:p>
             <a:r>
               <a:rPr lang="en-US" dirty="0" smtClean="0"/>
-              <a:t>package node[</a:t>
-            </a:r>
-            <a:r>
-              <a:rPr lang="en-US" dirty="0" smtClean="0"/>
-              <a:t>'apache'][</a:t>
-            </a:r>
-            <a:r>
-              <a:rPr lang="en-US" dirty="0" smtClean="0"/>
-              <a:t>'</a:t>
+              <a:t>package node['apache']['</a:t>
             </a:r>
             <a:r>
               <a:rPr lang="en-US" dirty="0" err="1" smtClean="0"/>
@@ -24458,7 +24430,15 @@
             </a:r>
             <a:r>
               <a:rPr lang="en-US" dirty="0"/>
-              <a:t>default When all attributes are default, on an unspecified platform converges successfully</a:t>
+              <a:t>default When all attributes are default, on an </a:t>
+            </a:r>
+            <a:r>
+              <a:rPr lang="en-US" dirty="0" smtClean="0"/>
+              <a:t>CentOS 6.7 </a:t>
+            </a:r>
+            <a:r>
+              <a:rPr lang="en-US" dirty="0"/>
+              <a:t>converges successfully</a:t>
             </a:r>
           </a:p>
           <a:p>

--- a/07-refactoring_to_attributes.pptx
+++ b/07-refactoring_to_attributes.pptx
@@ -6,10 +6,10 @@
     <p:sldMasterId id="2147483847" r:id="rId6"/>
   </p:sldMasterIdLst>
   <p:notesMasterIdLst>
-    <p:notesMasterId r:id="rId52"/>
+    <p:notesMasterId r:id="rId56"/>
   </p:notesMasterIdLst>
   <p:handoutMasterIdLst>
-    <p:handoutMasterId r:id="rId53"/>
+    <p:handoutMasterId r:id="rId57"/>
   </p:handoutMasterIdLst>
   <p:sldIdLst>
     <p:sldId id="256" r:id="rId7"/>
@@ -52,11 +52,15 @@
     <p:sldId id="303" r:id="rId44"/>
     <p:sldId id="304" r:id="rId45"/>
     <p:sldId id="305" r:id="rId46"/>
-    <p:sldId id="317" r:id="rId47"/>
-    <p:sldId id="275" r:id="rId48"/>
-    <p:sldId id="276" r:id="rId49"/>
-    <p:sldId id="318" r:id="rId50"/>
-    <p:sldId id="267" r:id="rId51"/>
+    <p:sldId id="320" r:id="rId47"/>
+    <p:sldId id="319" r:id="rId48"/>
+    <p:sldId id="321" r:id="rId49"/>
+    <p:sldId id="322" r:id="rId50"/>
+    <p:sldId id="317" r:id="rId51"/>
+    <p:sldId id="275" r:id="rId52"/>
+    <p:sldId id="276" r:id="rId53"/>
+    <p:sldId id="318" r:id="rId54"/>
+    <p:sldId id="267" r:id="rId55"/>
   </p:sldIdLst>
   <p:sldSz cx="16256000" cy="9144000"/>
   <p:notesSz cx="6858000" cy="9144000"/>
@@ -270,10 +274,9 @@
               <a:defRPr/>
             </a:pPr>
             <a:r>
-              <a:rPr lang="en-US" smtClean="0"/>
+              <a:rPr lang="en-US"/>
               <a:t>Chef Intermediate</a:t>
             </a:r>
-            <a:endParaRPr lang="en-US"/>
           </a:p>
         </p:txBody>
       </p:sp>
@@ -318,7 +321,7 @@
               <a:defRPr/>
             </a:pPr>
             <a:r>
-              <a:rPr lang="en-US" smtClean="0"/>
+              <a:rPr lang="en-US"/>
               <a:t>Chef Software, Inc.</a:t>
             </a:r>
             <a:endParaRPr lang="en-US" dirty="0"/>
@@ -498,7 +501,7 @@
               <a:defRPr/>
             </a:pPr>
             <a:r>
-              <a:rPr lang="en-US" smtClean="0"/>
+              <a:rPr lang="en-US"/>
               <a:t>Chef Software, Inc.</a:t>
             </a:r>
             <a:endParaRPr lang="en-US" dirty="0"/>
@@ -566,38 +569,37 @@
           <a:p>
             <a:pPr lvl="0"/>
             <a:r>
-              <a:rPr lang="en-US" noProof="0" dirty="0" smtClean="0"/>
+              <a:rPr lang="en-US" noProof="0" dirty="0"/>
               <a:t>Click to edit Master text styles</a:t>
             </a:r>
           </a:p>
           <a:p>
             <a:pPr lvl="1"/>
             <a:r>
-              <a:rPr lang="en-US" noProof="0" dirty="0" smtClean="0"/>
+              <a:rPr lang="en-US" noProof="0" dirty="0"/>
               <a:t>Second level</a:t>
             </a:r>
           </a:p>
           <a:p>
             <a:pPr lvl="2"/>
             <a:r>
-              <a:rPr lang="en-US" noProof="0" dirty="0" smtClean="0"/>
+              <a:rPr lang="en-US" noProof="0" dirty="0"/>
               <a:t>Third level</a:t>
             </a:r>
           </a:p>
           <a:p>
             <a:pPr lvl="3"/>
             <a:r>
-              <a:rPr lang="en-US" noProof="0" dirty="0" smtClean="0"/>
+              <a:rPr lang="en-US" noProof="0" dirty="0"/>
               <a:t>Fourth level</a:t>
             </a:r>
           </a:p>
           <a:p>
             <a:pPr lvl="4"/>
             <a:r>
-              <a:rPr lang="en-US" noProof="0" dirty="0" smtClean="0"/>
+              <a:rPr lang="en-US" noProof="0" dirty="0"/>
               <a:t>Fifth level</a:t>
             </a:r>
-            <a:endParaRPr lang="en-US" noProof="0" dirty="0"/>
           </a:p>
         </p:txBody>
       </p:sp>
@@ -642,10 +644,9 @@
               <a:defRPr/>
             </a:pPr>
             <a:r>
-              <a:rPr lang="en-US" smtClean="0"/>
+              <a:rPr lang="en-US"/>
               <a:t>Chef Intermediate</a:t>
             </a:r>
-            <a:endParaRPr lang="en-US"/>
           </a:p>
         </p:txBody>
       </p:sp>
@@ -851,11 +852,11 @@
           <a:lstStyle/>
           <a:p>
             <a:r>
-              <a:rPr lang="en-US" dirty="0" smtClean="0"/>
+              <a:rPr lang="en-US" dirty="0"/>
               <a:t>We</a:t>
             </a:r>
             <a:r>
-              <a:rPr lang="en-US" baseline="0" dirty="0" smtClean="0"/>
+              <a:rPr lang="en-US" baseline="0" dirty="0"/>
               <a:t> now have the fastest feedback open source software can buy us! And right on time because it is time to refactor the cookbook again.</a:t>
             </a:r>
             <a:endParaRPr lang="en-US" dirty="0"/>
@@ -906,7 +907,7 @@
               <a:defRPr/>
             </a:pPr>
             <a:r>
-              <a:rPr lang="en-US" smtClean="0"/>
+              <a:rPr lang="en-US"/>
               <a:t>Chef Software, Inc.</a:t>
             </a:r>
             <a:endParaRPr lang="en-US" dirty="0"/>
@@ -971,11 +972,11 @@
           <a:lstStyle/>
           <a:p>
             <a:r>
-              <a:rPr lang="en-US" dirty="0" smtClean="0"/>
+              <a:rPr lang="en-US" dirty="0"/>
               <a:t>Now</a:t>
             </a:r>
             <a:r>
-              <a:rPr lang="en-US" baseline="0" dirty="0" smtClean="0"/>
+              <a:rPr lang="en-US" baseline="0" dirty="0"/>
               <a:t> it is time to create the attributes file and define the necessary attribute.</a:t>
             </a:r>
             <a:endParaRPr lang="en-US" dirty="0"/>
@@ -1001,10 +1002,9 @@
               <a:defRPr/>
             </a:pPr>
             <a:r>
-              <a:rPr lang="en-US" smtClean="0"/>
+              <a:rPr lang="en-US"/>
               <a:t>Chef Intermediate</a:t>
             </a:r>
-            <a:endParaRPr lang="en-US"/>
           </a:p>
         </p:txBody>
       </p:sp>
@@ -1027,7 +1027,7 @@
               <a:defRPr/>
             </a:pPr>
             <a:r>
-              <a:rPr lang="en-US" smtClean="0"/>
+              <a:rPr lang="en-US"/>
               <a:t>Chef Software, Inc.</a:t>
             </a:r>
             <a:endParaRPr lang="en-US" dirty="0"/>
@@ -1092,11 +1092,11 @@
           <a:lstStyle/>
           <a:p>
             <a:r>
-              <a:rPr lang="en-US" dirty="0" smtClean="0"/>
+              <a:rPr lang="en-US" dirty="0"/>
               <a:t>The</a:t>
             </a:r>
             <a:r>
-              <a:rPr lang="en-US" baseline="0" dirty="0" smtClean="0"/>
+              <a:rPr lang="en-US" baseline="0" dirty="0"/>
               <a:t> 'chef' tool is able to generate attributes. All it requires is the name of the file when you are inside the cookbook. We are currently inside the cookbook directory so now we need to give it a name.</a:t>
             </a:r>
             <a:endParaRPr lang="en-US" dirty="0"/>
@@ -1122,10 +1122,9 @@
               <a:defRPr/>
             </a:pPr>
             <a:r>
-              <a:rPr lang="en-US" smtClean="0"/>
+              <a:rPr lang="en-US"/>
               <a:t>Chef Intermediate</a:t>
             </a:r>
-            <a:endParaRPr lang="en-US"/>
           </a:p>
         </p:txBody>
       </p:sp>
@@ -1148,7 +1147,7 @@
               <a:defRPr/>
             </a:pPr>
             <a:r>
-              <a:rPr lang="en-US" smtClean="0"/>
+              <a:rPr lang="en-US"/>
               <a:t>Chef Software, Inc.</a:t>
             </a:r>
             <a:endParaRPr lang="en-US" dirty="0"/>
@@ -1213,19 +1212,19 @@
           <a:lstStyle/>
           <a:p>
             <a:r>
-              <a:rPr lang="en-US" dirty="0" smtClean="0"/>
+              <a:rPr lang="en-US" dirty="0"/>
               <a:t>The</a:t>
             </a:r>
             <a:r>
-              <a:rPr lang="en-US" baseline="0" dirty="0" smtClean="0"/>
+              <a:rPr lang="en-US" baseline="0" dirty="0"/>
               <a:t> standard name for the attributes file is 'default'. This command will generate an attributes file named '</a:t>
             </a:r>
             <a:r>
-              <a:rPr lang="en-US" baseline="0" dirty="0" err="1" smtClean="0"/>
+              <a:rPr lang="en-US" baseline="0" dirty="0" err="1"/>
               <a:t>default.rb</a:t>
             </a:r>
             <a:r>
-              <a:rPr lang="en-US" baseline="0" dirty="0" smtClean="0"/>
+              <a:rPr lang="en-US" baseline="0" dirty="0"/>
               <a:t>' in the attributes directory.</a:t>
             </a:r>
             <a:endParaRPr lang="en-US" dirty="0"/>
@@ -1251,10 +1250,9 @@
               <a:defRPr/>
             </a:pPr>
             <a:r>
-              <a:rPr lang="en-US" smtClean="0"/>
+              <a:rPr lang="en-US"/>
               <a:t>Chef Intermediate</a:t>
             </a:r>
-            <a:endParaRPr lang="en-US"/>
           </a:p>
         </p:txBody>
       </p:sp>
@@ -1277,7 +1275,7 @@
               <a:defRPr/>
             </a:pPr>
             <a:r>
-              <a:rPr lang="en-US" smtClean="0"/>
+              <a:rPr lang="en-US"/>
               <a:t>Chef Software, Inc.</a:t>
             </a:r>
             <a:endParaRPr lang="en-US" dirty="0"/>
@@ -1342,11 +1340,11 @@
           <a:lstStyle/>
           <a:p>
             <a:r>
-              <a:rPr lang="en-US" dirty="0" smtClean="0"/>
+              <a:rPr lang="en-US" dirty="0"/>
               <a:t>We can verify that by looking</a:t>
             </a:r>
             <a:r>
-              <a:rPr lang="en-US" baseline="0" dirty="0" smtClean="0"/>
+              <a:rPr lang="en-US" baseline="0" dirty="0"/>
               <a:t> in the attributes directory to see the file has been generated.</a:t>
             </a:r>
             <a:endParaRPr lang="en-US" dirty="0"/>
@@ -1372,10 +1370,9 @@
               <a:defRPr/>
             </a:pPr>
             <a:r>
-              <a:rPr lang="en-US" smtClean="0"/>
+              <a:rPr lang="en-US"/>
               <a:t>Chef Intermediate</a:t>
             </a:r>
-            <a:endParaRPr lang="en-US"/>
           </a:p>
         </p:txBody>
       </p:sp>
@@ -1398,7 +1395,7 @@
               <a:defRPr/>
             </a:pPr>
             <a:r>
-              <a:rPr lang="en-US" smtClean="0"/>
+              <a:rPr lang="en-US"/>
               <a:t>Chef Software, Inc.</a:t>
             </a:r>
             <a:endParaRPr lang="en-US" dirty="0"/>
@@ -1463,11 +1460,11 @@
           <a:lstStyle/>
           <a:p>
             <a:r>
-              <a:rPr lang="en-US" dirty="0" smtClean="0"/>
+              <a:rPr lang="en-US" dirty="0"/>
               <a:t>Now it</a:t>
             </a:r>
             <a:r>
-              <a:rPr lang="en-US" baseline="0" dirty="0" smtClean="0"/>
+              <a:rPr lang="en-US" baseline="0" dirty="0"/>
               <a:t> is time to edit the attributes file and define the node attribute. Here we are defining the node attribute at the default level. Setting it to default will allow other cookbooks to override it if necessary.</a:t>
             </a:r>
             <a:endParaRPr lang="en-US" dirty="0"/>
@@ -1493,10 +1490,9 @@
               <a:defRPr/>
             </a:pPr>
             <a:r>
-              <a:rPr lang="en-US" smtClean="0"/>
+              <a:rPr lang="en-US"/>
               <a:t>Chef Intermediate</a:t>
             </a:r>
-            <a:endParaRPr lang="en-US"/>
           </a:p>
         </p:txBody>
       </p:sp>
@@ -1519,7 +1515,7 @@
               <a:defRPr/>
             </a:pPr>
             <a:r>
-              <a:rPr lang="en-US" smtClean="0"/>
+              <a:rPr lang="en-US"/>
               <a:t>Chef Software, Inc.</a:t>
             </a:r>
             <a:endParaRPr lang="en-US" dirty="0"/>
@@ -1584,11 +1580,11 @@
           <a:lstStyle/>
           <a:p>
             <a:r>
-              <a:rPr lang="en-US" dirty="0" smtClean="0"/>
+              <a:rPr lang="en-US" dirty="0"/>
               <a:t>This change should fix</a:t>
             </a:r>
             <a:r>
-              <a:rPr lang="en-US" baseline="0" dirty="0" smtClean="0"/>
+              <a:rPr lang="en-US" baseline="0" dirty="0"/>
               <a:t> all the examples that we broke when we used the node attribute without having defined it.</a:t>
             </a:r>
             <a:endParaRPr lang="en-US" dirty="0"/>
@@ -1614,10 +1610,9 @@
               <a:defRPr/>
             </a:pPr>
             <a:r>
-              <a:rPr lang="en-US" smtClean="0"/>
+              <a:rPr lang="en-US"/>
               <a:t>Chef Intermediate</a:t>
             </a:r>
-            <a:endParaRPr lang="en-US"/>
           </a:p>
         </p:txBody>
       </p:sp>
@@ -1640,7 +1635,7 @@
               <a:defRPr/>
             </a:pPr>
             <a:r>
-              <a:rPr lang="en-US" smtClean="0"/>
+              <a:rPr lang="en-US"/>
               <a:t>Chef Software, Inc.</a:t>
             </a:r>
             <a:endParaRPr lang="en-US" dirty="0"/>
@@ -1705,11 +1700,11 @@
           <a:lstStyle/>
           <a:p>
             <a:r>
-              <a:rPr lang="en-US" dirty="0" smtClean="0"/>
+              <a:rPr lang="en-US" dirty="0"/>
               <a:t>The</a:t>
             </a:r>
             <a:r>
-              <a:rPr lang="en-US" baseline="0" dirty="0" smtClean="0"/>
+              <a:rPr lang="en-US" baseline="0" dirty="0"/>
               <a:t> results here show all the examples pass.</a:t>
             </a:r>
             <a:endParaRPr lang="en-US" dirty="0"/>
@@ -1735,10 +1730,9 @@
               <a:defRPr/>
             </a:pPr>
             <a:r>
-              <a:rPr lang="en-US" smtClean="0"/>
+              <a:rPr lang="en-US"/>
               <a:t>Chef Intermediate</a:t>
             </a:r>
-            <a:endParaRPr lang="en-US"/>
           </a:p>
         </p:txBody>
       </p:sp>
@@ -1761,7 +1755,7 @@
               <a:defRPr/>
             </a:pPr>
             <a:r>
-              <a:rPr lang="en-US" smtClean="0"/>
+              <a:rPr lang="en-US"/>
               <a:t>Chef Software, Inc.</a:t>
             </a:r>
             <a:endParaRPr lang="en-US" dirty="0"/>
@@ -1826,11 +1820,11 @@
           <a:lstStyle/>
           <a:p>
             <a:r>
-              <a:rPr lang="en-US" dirty="0" smtClean="0"/>
+              <a:rPr lang="en-US" dirty="0"/>
               <a:t>With all</a:t>
             </a:r>
             <a:r>
-              <a:rPr lang="en-US" baseline="0" dirty="0" smtClean="0"/>
+              <a:rPr lang="en-US" baseline="0" dirty="0"/>
               <a:t> the expectations having been met we can confidently say that the cookbook has been refactored successfully.</a:t>
             </a:r>
             <a:endParaRPr lang="en-US" dirty="0"/>
@@ -1856,10 +1850,9 @@
               <a:defRPr/>
             </a:pPr>
             <a:r>
-              <a:rPr lang="en-US" smtClean="0"/>
+              <a:rPr lang="en-US"/>
               <a:t>Chef Intermediate</a:t>
             </a:r>
-            <a:endParaRPr lang="en-US"/>
           </a:p>
         </p:txBody>
       </p:sp>
@@ -1882,7 +1875,7 @@
               <a:defRPr/>
             </a:pPr>
             <a:r>
-              <a:rPr lang="en-US" smtClean="0"/>
+              <a:rPr lang="en-US"/>
               <a:t>Chef Software, Inc.</a:t>
             </a:r>
             <a:endParaRPr lang="en-US" dirty="0"/>
@@ -1947,20 +1940,20 @@
           <a:lstStyle/>
           <a:p>
             <a:r>
-              <a:rPr lang="en-US" dirty="0" smtClean="0"/>
+              <a:rPr lang="en-US" dirty="0"/>
               <a:t>In the process of</a:t>
             </a:r>
             <a:r>
-              <a:rPr lang="en-US" baseline="0" dirty="0" smtClean="0"/>
+              <a:rPr lang="en-US" baseline="0" dirty="0"/>
               <a:t> implementing the use of the node attribute in the recipe or in the attributes file we could have made a mistake. We proved that the examples would have caught the error. </a:t>
             </a:r>
           </a:p>
           <a:p>
-            <a:endParaRPr lang="en-US" baseline="0" dirty="0" smtClean="0"/>
-          </a:p>
-          <a:p>
-            <a:r>
-              <a:rPr lang="en-US" baseline="0" dirty="0" smtClean="0"/>
+            <a:endParaRPr lang="en-US" baseline="0" dirty="0"/>
+          </a:p>
+          <a:p>
+            <a:r>
+              <a:rPr lang="en-US" baseline="0" dirty="0"/>
               <a:t>What if an error occurred and we were unable to find it? Occasionally you will implement a change wrong and then find yourself staring at the failing expectations wondering what is wrong.</a:t>
             </a:r>
             <a:endParaRPr lang="en-US" dirty="0"/>
@@ -1986,10 +1979,9 @@
               <a:defRPr/>
             </a:pPr>
             <a:r>
-              <a:rPr lang="en-US" smtClean="0"/>
+              <a:rPr lang="en-US"/>
               <a:t>Chef Intermediate</a:t>
             </a:r>
-            <a:endParaRPr lang="en-US"/>
           </a:p>
         </p:txBody>
       </p:sp>
@@ -2012,7 +2004,7 @@
               <a:defRPr/>
             </a:pPr>
             <a:r>
-              <a:rPr lang="en-US" smtClean="0"/>
+              <a:rPr lang="en-US"/>
               <a:t>Chef Software, Inc.</a:t>
             </a:r>
             <a:endParaRPr lang="en-US" dirty="0"/>
@@ -2077,11 +2069,11 @@
           <a:lstStyle/>
           <a:p>
             <a:r>
-              <a:rPr lang="en-US" dirty="0" smtClean="0"/>
+              <a:rPr lang="en-US" dirty="0"/>
               <a:t>This is a simple typo that</a:t>
             </a:r>
             <a:r>
-              <a:rPr lang="en-US" baseline="0" dirty="0" smtClean="0"/>
+              <a:rPr lang="en-US" baseline="0" dirty="0"/>
               <a:t> the examples would catch but when it comes time to find and fix the issue, our eyes may not immediately catch it. We may think the error lies somewhere in the recipe. If we cannot find it we keep running the tests and wondering what is going wrong.</a:t>
             </a:r>
           </a:p>
@@ -2106,10 +2098,9 @@
               <a:defRPr/>
             </a:pPr>
             <a:r>
-              <a:rPr lang="en-US" smtClean="0"/>
+              <a:rPr lang="en-US"/>
               <a:t>Chef Intermediate</a:t>
             </a:r>
-            <a:endParaRPr lang="en-US"/>
           </a:p>
         </p:txBody>
       </p:sp>
@@ -2132,7 +2123,7 @@
               <a:defRPr/>
             </a:pPr>
             <a:r>
-              <a:rPr lang="en-US" smtClean="0"/>
+              <a:rPr lang="en-US"/>
               <a:t>Chef Software, Inc.</a:t>
             </a:r>
             <a:endParaRPr lang="en-US" dirty="0"/>
@@ -2197,11 +2188,11 @@
           <a:lstStyle/>
           <a:p>
             <a:r>
-              <a:rPr lang="en-US" dirty="0" smtClean="0"/>
+              <a:rPr lang="en-US" dirty="0"/>
               <a:t>In this module you will learn</a:t>
             </a:r>
             <a:r>
-              <a:rPr lang="en-US" baseline="0" dirty="0" smtClean="0"/>
+              <a:rPr lang="en-US" baseline="0" dirty="0"/>
               <a:t> how to refactor a cookbook to use node attributes, employ pry to set up break points in your code, and make changes with confidence.</a:t>
             </a:r>
             <a:endParaRPr lang="en-US" dirty="0"/>
@@ -2227,10 +2218,9 @@
               <a:defRPr/>
             </a:pPr>
             <a:r>
-              <a:rPr lang="en-US" smtClean="0"/>
+              <a:rPr lang="en-US"/>
               <a:t>Chef Intermediate</a:t>
             </a:r>
-            <a:endParaRPr lang="en-US"/>
           </a:p>
         </p:txBody>
       </p:sp>
@@ -2253,7 +2243,7 @@
               <a:defRPr/>
             </a:pPr>
             <a:r>
-              <a:rPr lang="en-US" smtClean="0"/>
+              <a:rPr lang="en-US"/>
               <a:t>Chef Software, Inc.</a:t>
             </a:r>
             <a:endParaRPr lang="en-US" dirty="0"/>
@@ -2318,32 +2308,31 @@
           <a:lstStyle/>
           <a:p>
             <a:r>
-              <a:rPr lang="en-US" baseline="0" dirty="0" smtClean="0"/>
+              <a:rPr lang="en-US" baseline="0" dirty="0"/>
               <a:t>This is a situation where our mental model of the state of things is different than the actual model of execution. The benefit of tests is that it allows us to express the expectations about the model of how the execution should run. Testing is like a experiment: </a:t>
             </a:r>
             <a:r>
-              <a:rPr lang="en-US" dirty="0" smtClean="0"/>
+              <a:rPr lang="en-US" dirty="0"/>
               <a:t>setup; execute; verify.</a:t>
             </a:r>
           </a:p>
           <a:p>
-            <a:endParaRPr lang="en-US" baseline="0" dirty="0" smtClean="0"/>
-          </a:p>
-          <a:p>
-            <a:r>
-              <a:rPr lang="en-US" baseline="0" dirty="0" smtClean="0"/>
+            <a:endParaRPr lang="en-US" baseline="0" dirty="0"/>
+          </a:p>
+          <a:p>
+            <a:r>
+              <a:rPr lang="en-US" baseline="0" dirty="0"/>
               <a:t>That feedback is not very interactive. There are moments where you want to be to stop the execution at a particular point and ask some questions.</a:t>
             </a:r>
           </a:p>
           <a:p>
-            <a:endParaRPr lang="en-US" dirty="0" smtClean="0"/>
-          </a:p>
-          <a:p>
-            <a:r>
-              <a:rPr lang="en-US" dirty="0" smtClean="0"/>
+            <a:endParaRPr lang="en-US" dirty="0"/>
+          </a:p>
+          <a:p>
+            <a:r>
+              <a:rPr lang="en-US" dirty="0"/>
               <a:t> </a:t>
             </a:r>
-            <a:endParaRPr lang="en-US" dirty="0"/>
           </a:p>
         </p:txBody>
       </p:sp>
@@ -2366,10 +2355,9 @@
               <a:defRPr/>
             </a:pPr>
             <a:r>
-              <a:rPr lang="en-US" smtClean="0"/>
+              <a:rPr lang="en-US"/>
               <a:t>Chef Intermediate</a:t>
             </a:r>
-            <a:endParaRPr lang="en-US"/>
           </a:p>
         </p:txBody>
       </p:sp>
@@ -2392,7 +2380,7 @@
               <a:defRPr/>
             </a:pPr>
             <a:r>
-              <a:rPr lang="en-US" smtClean="0"/>
+              <a:rPr lang="en-US"/>
               <a:t>Chef Software, Inc.</a:t>
             </a:r>
             <a:endParaRPr lang="en-US" dirty="0"/>
@@ -2457,20 +2445,20 @@
           <a:lstStyle/>
           <a:p>
             <a:r>
-              <a:rPr lang="en-US" dirty="0" smtClean="0"/>
+              <a:rPr lang="en-US" dirty="0"/>
               <a:t>This</a:t>
             </a:r>
             <a:r>
-              <a:rPr lang="en-US" baseline="0" dirty="0" smtClean="0"/>
+              <a:rPr lang="en-US" baseline="0" dirty="0"/>
               <a:t> situation is one in which we want to use a tool called a debugger. Debuggers allow us to set up points where the execution flow will pause and allow us, the user, to interact with the system within the current context of where the execution paused.</a:t>
             </a:r>
           </a:p>
           <a:p>
-            <a:endParaRPr lang="en-US" baseline="0" dirty="0" smtClean="0"/>
-          </a:p>
-          <a:p>
-            <a:r>
-              <a:rPr lang="en-US" baseline="0" dirty="0" smtClean="0"/>
+            <a:endParaRPr lang="en-US" baseline="0" dirty="0"/>
+          </a:p>
+          <a:p>
+            <a:r>
+              <a:rPr lang="en-US" baseline="0" dirty="0"/>
               <a:t>Ruby has a well supported debugger project named 'Pry'. 'Pry' is a Ruby gem that is already installed in the Chef Development Kit (Chef DK).</a:t>
             </a:r>
             <a:endParaRPr lang="en-US" dirty="0"/>
@@ -2496,10 +2484,9 @@
               <a:defRPr/>
             </a:pPr>
             <a:r>
-              <a:rPr lang="en-US" smtClean="0"/>
+              <a:rPr lang="en-US"/>
               <a:t>Chef Intermediate</a:t>
             </a:r>
-            <a:endParaRPr lang="en-US"/>
           </a:p>
         </p:txBody>
       </p:sp>
@@ -2522,7 +2509,7 @@
               <a:defRPr/>
             </a:pPr>
             <a:r>
-              <a:rPr lang="en-US" smtClean="0"/>
+              <a:rPr lang="en-US"/>
               <a:t>Chef Software, Inc.</a:t>
             </a:r>
             <a:endParaRPr lang="en-US" dirty="0"/>
@@ -2587,11 +2574,11 @@
           <a:lstStyle/>
           <a:p>
             <a:r>
-              <a:rPr lang="en-US" dirty="0" smtClean="0"/>
+              <a:rPr lang="en-US" dirty="0"/>
               <a:t>To explore using</a:t>
             </a:r>
             <a:r>
-              <a:rPr lang="en-US" baseline="0" dirty="0" smtClean="0"/>
+              <a:rPr lang="en-US" baseline="0" dirty="0"/>
               <a:t> Pry we need to create an issue for ourselves to troubleshoot. Doing so will allow us to see some of the power of Pry.</a:t>
             </a:r>
             <a:endParaRPr lang="en-US" dirty="0"/>
@@ -2617,10 +2604,9 @@
               <a:defRPr/>
             </a:pPr>
             <a:r>
-              <a:rPr lang="en-US" smtClean="0"/>
+              <a:rPr lang="en-US"/>
               <a:t>Chef Intermediate</a:t>
             </a:r>
-            <a:endParaRPr lang="en-US"/>
           </a:p>
         </p:txBody>
       </p:sp>
@@ -2643,7 +2629,7 @@
               <a:defRPr/>
             </a:pPr>
             <a:r>
-              <a:rPr lang="en-US" smtClean="0"/>
+              <a:rPr lang="en-US"/>
               <a:t>Chef Software, Inc.</a:t>
             </a:r>
             <a:endParaRPr lang="en-US" dirty="0"/>
@@ -2708,11 +2694,11 @@
           <a:lstStyle/>
           <a:p>
             <a:r>
-              <a:rPr lang="en-US" dirty="0" smtClean="0"/>
+              <a:rPr lang="en-US" dirty="0"/>
               <a:t>This is a simple typo that</a:t>
             </a:r>
             <a:r>
-              <a:rPr lang="en-US" baseline="0" dirty="0" smtClean="0"/>
+              <a:rPr lang="en-US" baseline="0" dirty="0"/>
               <a:t> the examples would catch but when it comes time to find and fix the issue, our eyes may not immediately catch it. We may think the error lies somewhere in the recipe. If we cannot find it we keep running the tests and wondering what is going wrong.</a:t>
             </a:r>
           </a:p>
@@ -2737,10 +2723,9 @@
               <a:defRPr/>
             </a:pPr>
             <a:r>
-              <a:rPr lang="en-US" smtClean="0"/>
+              <a:rPr lang="en-US"/>
               <a:t>Chef Intermediate</a:t>
             </a:r>
-            <a:endParaRPr lang="en-US"/>
           </a:p>
         </p:txBody>
       </p:sp>
@@ -2763,7 +2748,7 @@
               <a:defRPr/>
             </a:pPr>
             <a:r>
-              <a:rPr lang="en-US" smtClean="0"/>
+              <a:rPr lang="en-US"/>
               <a:t>Chef Software, Inc.</a:t>
             </a:r>
             <a:endParaRPr lang="en-US" dirty="0"/>
@@ -2828,29 +2813,29 @@
           <a:lstStyle/>
           <a:p>
             <a:r>
-              <a:rPr lang="en-US" dirty="0" smtClean="0"/>
+              <a:rPr lang="en-US" dirty="0"/>
               <a:t>To use Pry</a:t>
             </a:r>
             <a:r>
-              <a:rPr lang="en-US" baseline="0" dirty="0" smtClean="0"/>
+              <a:rPr lang="en-US" baseline="0" dirty="0"/>
               <a:t> you first have to specify a require statement. The require here will look for a file name 'pry' give up on finding it locally and then look for the file inside all of the installed gems.</a:t>
             </a:r>
           </a:p>
           <a:p>
-            <a:endParaRPr lang="en-US" baseline="0" dirty="0" smtClean="0"/>
-          </a:p>
-          <a:p>
-            <a:r>
-              <a:rPr lang="en-US" baseline="0" dirty="0" smtClean="0"/>
+            <a:endParaRPr lang="en-US" baseline="0" dirty="0"/>
+          </a:p>
+          <a:p>
+            <a:r>
+              <a:rPr lang="en-US" baseline="0" dirty="0"/>
               <a:t>After the Pry code is loaded we access a method named 'binding' and then ask it to run 'pry'. 'binding' is a special method in Ruby that is like gaining access to the DNA of the current context. Pry, after it is loaded, will add the 'pry' method to the binding object to allow us the ability to setup a break point.</a:t>
             </a:r>
           </a:p>
           <a:p>
-            <a:endParaRPr lang="en-US" baseline="0" dirty="0" smtClean="0"/>
-          </a:p>
-          <a:p>
-            <a:r>
-              <a:rPr lang="en-US" baseline="0" dirty="0" smtClean="0"/>
+            <a:endParaRPr lang="en-US" baseline="0" dirty="0"/>
+          </a:p>
+          <a:p>
+            <a:r>
+              <a:rPr lang="en-US" baseline="0" dirty="0"/>
               <a:t>Wherever we want to set a breakpoint we can place these two lines.</a:t>
             </a:r>
           </a:p>
@@ -2875,10 +2860,9 @@
               <a:defRPr/>
             </a:pPr>
             <a:r>
-              <a:rPr lang="en-US" smtClean="0"/>
+              <a:rPr lang="en-US"/>
               <a:t>Chef Intermediate</a:t>
             </a:r>
-            <a:endParaRPr lang="en-US"/>
           </a:p>
         </p:txBody>
       </p:sp>
@@ -2901,7 +2885,7 @@
               <a:defRPr/>
             </a:pPr>
             <a:r>
-              <a:rPr lang="en-US" smtClean="0"/>
+              <a:rPr lang="en-US"/>
               <a:t>Chef Software, Inc.</a:t>
             </a:r>
             <a:endParaRPr lang="en-US" dirty="0"/>
@@ -2966,11 +2950,11 @@
           <a:lstStyle/>
           <a:p>
             <a:r>
-              <a:rPr lang="en-US" dirty="0" smtClean="0"/>
+              <a:rPr lang="en-US" dirty="0"/>
               <a:t>The</a:t>
             </a:r>
             <a:r>
-              <a:rPr lang="en-US" baseline="0" dirty="0" smtClean="0"/>
+              <a:rPr lang="en-US" baseline="0" dirty="0"/>
               <a:t> breakpoint cannot break itself. We need to execute the code to cause the execution to pause. The best way to do that is execute the tests that we have defined.</a:t>
             </a:r>
             <a:endParaRPr lang="en-US" dirty="0"/>
@@ -2996,10 +2980,9 @@
               <a:defRPr/>
             </a:pPr>
             <a:r>
-              <a:rPr lang="en-US" smtClean="0"/>
+              <a:rPr lang="en-US"/>
               <a:t>Chef Intermediate</a:t>
             </a:r>
-            <a:endParaRPr lang="en-US"/>
           </a:p>
         </p:txBody>
       </p:sp>
@@ -3022,7 +3005,7 @@
               <a:defRPr/>
             </a:pPr>
             <a:r>
-              <a:rPr lang="en-US" smtClean="0"/>
+              <a:rPr lang="en-US"/>
               <a:t>Chef Software, Inc.</a:t>
             </a:r>
             <a:endParaRPr lang="en-US" dirty="0"/>
@@ -3087,11 +3070,11 @@
           <a:lstStyle/>
           <a:p>
             <a:r>
-              <a:rPr lang="en-US" dirty="0" smtClean="0"/>
+              <a:rPr lang="en-US" dirty="0"/>
               <a:t>We</a:t>
             </a:r>
             <a:r>
-              <a:rPr lang="en-US" baseline="0" dirty="0" smtClean="0"/>
+              <a:rPr lang="en-US" baseline="0" dirty="0"/>
               <a:t> can execute the tests for the install specification so that it will process that recipe. After a moment of normal execution the flow will pause and you will be shown where in the code the execution has paused. Along the top is the name of the file with the line number where it is paused. Below is a source code listing line-by-line before and after the breakpoint.</a:t>
             </a:r>
             <a:endParaRPr lang="en-US" dirty="0"/>
@@ -3117,10 +3100,9 @@
               <a:defRPr/>
             </a:pPr>
             <a:r>
-              <a:rPr lang="en-US" smtClean="0"/>
+              <a:rPr lang="en-US"/>
               <a:t>Chef Intermediate</a:t>
             </a:r>
-            <a:endParaRPr lang="en-US"/>
           </a:p>
         </p:txBody>
       </p:sp>
@@ -3143,7 +3125,7 @@
               <a:defRPr/>
             </a:pPr>
             <a:r>
-              <a:rPr lang="en-US" smtClean="0"/>
+              <a:rPr lang="en-US"/>
               <a:t>Chef Software, Inc.</a:t>
             </a:r>
             <a:endParaRPr lang="en-US" dirty="0"/>
@@ -3208,19 +3190,19 @@
           <a:lstStyle/>
           <a:p>
             <a:r>
-              <a:rPr lang="en-US" dirty="0" smtClean="0"/>
+              <a:rPr lang="en-US" dirty="0"/>
               <a:t>Below</a:t>
             </a:r>
             <a:r>
-              <a:rPr lang="en-US" baseline="0" dirty="0" smtClean="0"/>
+              <a:rPr lang="en-US" baseline="0" dirty="0"/>
               <a:t> the summary of the code around the breakpoint is a prompt. Pry launches a Read-</a:t>
             </a:r>
             <a:r>
-              <a:rPr lang="en-US" baseline="0" dirty="0" err="1" smtClean="0"/>
+              <a:rPr lang="en-US" baseline="0" dirty="0" err="1"/>
               <a:t>Eval</a:t>
             </a:r>
             <a:r>
-              <a:rPr lang="en-US" baseline="0" dirty="0" smtClean="0"/>
+              <a:rPr lang="en-US" baseline="0" dirty="0"/>
               <a:t>-Print-Loop (REPL). At this prompt we can type in a number of commands and any Ruby code.</a:t>
             </a:r>
             <a:endParaRPr lang="en-US" dirty="0"/>
@@ -3246,10 +3228,9 @@
               <a:defRPr/>
             </a:pPr>
             <a:r>
-              <a:rPr lang="en-US" smtClean="0"/>
+              <a:rPr lang="en-US"/>
               <a:t>Chef Intermediate</a:t>
             </a:r>
-            <a:endParaRPr lang="en-US"/>
           </a:p>
         </p:txBody>
       </p:sp>
@@ -3272,7 +3253,7 @@
               <a:defRPr/>
             </a:pPr>
             <a:r>
-              <a:rPr lang="en-US" smtClean="0"/>
+              <a:rPr lang="en-US"/>
               <a:t>Chef Software, Inc.</a:t>
             </a:r>
             <a:endParaRPr lang="en-US" dirty="0"/>
@@ -3337,20 +3318,20 @@
           <a:lstStyle/>
           <a:p>
             <a:r>
-              <a:rPr lang="en-US" dirty="0" smtClean="0"/>
+              <a:rPr lang="en-US" dirty="0"/>
               <a:t>The most important provided by Pry is probably the 'help' command. Within the results of this you will see all the</a:t>
             </a:r>
             <a:r>
-              <a:rPr lang="en-US" baseline="0" dirty="0" smtClean="0"/>
+              <a:rPr lang="en-US" baseline="0" dirty="0"/>
               <a:t> commands available. The help will display in a scrolling page like a Linux man page. To escape out of the help output and return to being able to type in commands you will need to enter the keystrokes ':q'</a:t>
             </a:r>
           </a:p>
           <a:p>
-            <a:endParaRPr lang="en-US" baseline="0" dirty="0" smtClean="0"/>
-          </a:p>
-          <a:p>
-            <a:r>
-              <a:rPr lang="en-US" baseline="0" dirty="0" smtClean="0"/>
+            <a:endParaRPr lang="en-US" baseline="0" dirty="0"/>
+          </a:p>
+          <a:p>
+            <a:r>
+              <a:rPr lang="en-US" baseline="0" dirty="0"/>
               <a:t>Instructor Note: This content introduces Pry but will not go into explaining all of the different features.</a:t>
             </a:r>
             <a:endParaRPr lang="en-US" dirty="0"/>
@@ -3376,10 +3357,9 @@
               <a:defRPr/>
             </a:pPr>
             <a:r>
-              <a:rPr lang="en-US" smtClean="0"/>
+              <a:rPr lang="en-US"/>
               <a:t>Chef Intermediate</a:t>
             </a:r>
-            <a:endParaRPr lang="en-US"/>
           </a:p>
         </p:txBody>
       </p:sp>
@@ -3402,7 +3382,7 @@
               <a:defRPr/>
             </a:pPr>
             <a:r>
-              <a:rPr lang="en-US" smtClean="0"/>
+              <a:rPr lang="en-US"/>
               <a:t>Chef Software, Inc.</a:t>
             </a:r>
             <a:endParaRPr lang="en-US" dirty="0"/>
@@ -3467,11 +3447,11 @@
           <a:lstStyle/>
           <a:p>
             <a:r>
-              <a:rPr lang="en-US" dirty="0" smtClean="0"/>
+              <a:rPr lang="en-US" dirty="0"/>
               <a:t>Back</a:t>
             </a:r>
             <a:r>
-              <a:rPr lang="en-US" baseline="0" dirty="0" smtClean="0"/>
+              <a:rPr lang="en-US" baseline="0" dirty="0"/>
               <a:t> at the prompt you can enter in any code that you would normally write within the recipe. In this case we can start to examine the node object to see that the node object does not have the top-level attribute set as we expected.</a:t>
             </a:r>
             <a:endParaRPr lang="en-US" dirty="0"/>
@@ -3497,10 +3477,9 @@
               <a:defRPr/>
             </a:pPr>
             <a:r>
-              <a:rPr lang="en-US" smtClean="0"/>
+              <a:rPr lang="en-US"/>
               <a:t>Chef Intermediate</a:t>
             </a:r>
-            <a:endParaRPr lang="en-US"/>
           </a:p>
         </p:txBody>
       </p:sp>
@@ -3523,7 +3502,7 @@
               <a:defRPr/>
             </a:pPr>
             <a:r>
-              <a:rPr lang="en-US" smtClean="0"/>
+              <a:rPr lang="en-US"/>
               <a:t>Chef Software, Inc.</a:t>
             </a:r>
             <a:endParaRPr lang="en-US" dirty="0"/>
@@ -3588,20 +3567,20 @@
           <a:lstStyle/>
           <a:p>
             <a:r>
-              <a:rPr lang="en-US" dirty="0" smtClean="0"/>
+              <a:rPr lang="en-US" dirty="0"/>
               <a:t>When we initially</a:t>
             </a:r>
             <a:r>
-              <a:rPr lang="en-US" baseline="0" dirty="0" smtClean="0"/>
+              <a:rPr lang="en-US" baseline="0" dirty="0"/>
               <a:t> set out to create a cookbook that was more modular we broke the concerns of the webserver into three different recipes. This would allow an opportunity for cookbook authors within our organization re-use components of the cookbook by including only the recipes that they want.</a:t>
             </a:r>
           </a:p>
           <a:p>
-            <a:endParaRPr lang="en-US" baseline="0" dirty="0" smtClean="0"/>
-          </a:p>
-          <a:p>
-            <a:r>
-              <a:rPr lang="en-US" baseline="0" dirty="0" smtClean="0"/>
+            <a:endParaRPr lang="en-US" baseline="0" dirty="0"/>
+          </a:p>
+          <a:p>
+            <a:r>
+              <a:rPr lang="en-US" baseline="0" dirty="0"/>
               <a:t>Sometimes you do not want to re-define an entire new recipe and simply want to provide a different name or version for the package; a single file path for the configuration file.</a:t>
             </a:r>
           </a:p>
@@ -3626,10 +3605,9 @@
               <a:defRPr/>
             </a:pPr>
             <a:r>
-              <a:rPr lang="en-US" smtClean="0"/>
+              <a:rPr lang="en-US"/>
               <a:t>Chef Intermediate</a:t>
             </a:r>
-            <a:endParaRPr lang="en-US"/>
           </a:p>
         </p:txBody>
       </p:sp>
@@ -3652,7 +3630,7 @@
               <a:defRPr/>
             </a:pPr>
             <a:r>
-              <a:rPr lang="en-US" smtClean="0"/>
+              <a:rPr lang="en-US"/>
               <a:t>Chef Software, Inc.</a:t>
             </a:r>
             <a:endParaRPr lang="en-US" dirty="0"/>
@@ -3717,16 +3695,16 @@
           <a:lstStyle/>
           <a:p>
             <a:r>
-              <a:rPr lang="en-US" baseline="0" dirty="0" smtClean="0"/>
+              <a:rPr lang="en-US" baseline="0" dirty="0"/>
               <a:t>This interactive session allows us to verify the actual state quickly. When it does not match our mental model we can try multiple hypothesizes quickly. Here we may return back to the attribute file and copy the text within the attribute and attempt this again and see what is actually going on.</a:t>
             </a:r>
           </a:p>
           <a:p>
-            <a:endParaRPr lang="en-US" baseline="0" dirty="0" smtClean="0"/>
-          </a:p>
-          <a:p>
-            <a:r>
-              <a:rPr lang="en-US" baseline="0" dirty="0" smtClean="0"/>
+            <a:endParaRPr lang="en-US" baseline="0" dirty="0"/>
+          </a:p>
+          <a:p>
+            <a:r>
+              <a:rPr lang="en-US" baseline="0" dirty="0"/>
               <a:t>We see in this example that</a:t>
             </a:r>
             <a:endParaRPr lang="en-US" dirty="0"/>
@@ -3752,10 +3730,9 @@
               <a:defRPr/>
             </a:pPr>
             <a:r>
-              <a:rPr lang="en-US" smtClean="0"/>
+              <a:rPr lang="en-US"/>
               <a:t>Chef Intermediate</a:t>
             </a:r>
-            <a:endParaRPr lang="en-US"/>
           </a:p>
         </p:txBody>
       </p:sp>
@@ -3778,7 +3755,7 @@
               <a:defRPr/>
             </a:pPr>
             <a:r>
-              <a:rPr lang="en-US" smtClean="0"/>
+              <a:rPr lang="en-US"/>
               <a:t>Chef Software, Inc.</a:t>
             </a:r>
             <a:endParaRPr lang="en-US" dirty="0"/>
@@ -3843,35 +3820,35 @@
           <a:lstStyle/>
           <a:p>
             <a:r>
-              <a:rPr lang="en-US" dirty="0" smtClean="0"/>
+              <a:rPr lang="en-US" dirty="0"/>
               <a:t>When you</a:t>
             </a:r>
             <a:r>
-              <a:rPr lang="en-US" baseline="0" dirty="0" smtClean="0"/>
+              <a:rPr lang="en-US" baseline="0" dirty="0"/>
               <a:t> are satisfied with what you have discovered it is time to exit. Pry provides two versions of exit:</a:t>
             </a:r>
           </a:p>
           <a:p>
-            <a:endParaRPr lang="en-US" baseline="0" dirty="0" smtClean="0"/>
-          </a:p>
-          <a:p>
-            <a:r>
-              <a:rPr lang="en-US" baseline="0" dirty="0" smtClean="0"/>
+            <a:endParaRPr lang="en-US" baseline="0" dirty="0"/>
+          </a:p>
+          <a:p>
+            <a:r>
+              <a:rPr lang="en-US" baseline="0" dirty="0"/>
               <a:t>'exit' which will resume the execution and stop at any other breakpoints along the way.</a:t>
             </a:r>
           </a:p>
           <a:p>
             <a:r>
-              <a:rPr lang="en-US" baseline="0" dirty="0" smtClean="0"/>
+              <a:rPr lang="en-US" baseline="0" dirty="0"/>
               <a:t>'exit!' which halts the execution immediately and returns you to your shell.</a:t>
             </a:r>
           </a:p>
           <a:p>
-            <a:endParaRPr lang="en-US" baseline="0" dirty="0" smtClean="0"/>
-          </a:p>
-          <a:p>
-            <a:r>
-              <a:rPr lang="en-US" baseline="0" dirty="0" smtClean="0"/>
+            <a:endParaRPr lang="en-US" baseline="0" dirty="0"/>
+          </a:p>
+          <a:p>
+            <a:r>
+              <a:rPr lang="en-US" baseline="0" dirty="0"/>
               <a:t>In this situation we want to halt the execution immediately as we have discovered the issue.</a:t>
             </a:r>
             <a:endParaRPr lang="en-US" dirty="0"/>
@@ -3897,10 +3874,9 @@
               <a:defRPr/>
             </a:pPr>
             <a:r>
-              <a:rPr lang="en-US" smtClean="0"/>
+              <a:rPr lang="en-US"/>
               <a:t>Chef Intermediate</a:t>
             </a:r>
-            <a:endParaRPr lang="en-US"/>
           </a:p>
         </p:txBody>
       </p:sp>
@@ -3923,7 +3899,7 @@
               <a:defRPr/>
             </a:pPr>
             <a:r>
-              <a:rPr lang="en-US" smtClean="0"/>
+              <a:rPr lang="en-US"/>
               <a:t>Chef Software, Inc.</a:t>
             </a:r>
             <a:endParaRPr lang="en-US" dirty="0"/>
@@ -3988,11 +3964,11 @@
           <a:lstStyle/>
           <a:p>
             <a:r>
-              <a:rPr lang="en-US" dirty="0" smtClean="0"/>
+              <a:rPr lang="en-US" dirty="0"/>
               <a:t>Now that we have</a:t>
             </a:r>
             <a:r>
-              <a:rPr lang="en-US" baseline="0" dirty="0" smtClean="0"/>
+              <a:rPr lang="en-US" baseline="0" dirty="0"/>
               <a:t> discovered the issue in this scenario it is time to remove the breakpoint and restore the attributes code back to its correct state.</a:t>
             </a:r>
             <a:endParaRPr lang="en-US" dirty="0"/>
@@ -4018,10 +3994,9 @@
               <a:defRPr/>
             </a:pPr>
             <a:r>
-              <a:rPr lang="en-US" smtClean="0"/>
+              <a:rPr lang="en-US"/>
               <a:t>Chef Intermediate</a:t>
             </a:r>
-            <a:endParaRPr lang="en-US"/>
           </a:p>
         </p:txBody>
       </p:sp>
@@ -4044,7 +4019,7 @@
               <a:defRPr/>
             </a:pPr>
             <a:r>
-              <a:rPr lang="en-US" smtClean="0"/>
+              <a:rPr lang="en-US"/>
               <a:t>Chef Software, Inc.</a:t>
             </a:r>
             <a:endParaRPr lang="en-US" dirty="0"/>
@@ -4109,11 +4084,11 @@
           <a:lstStyle/>
           <a:p>
             <a:r>
-              <a:rPr lang="en-US" dirty="0" smtClean="0"/>
+              <a:rPr lang="en-US" dirty="0"/>
               <a:t>This is a simple typo that</a:t>
             </a:r>
             <a:r>
-              <a:rPr lang="en-US" baseline="0" dirty="0" smtClean="0"/>
+              <a:rPr lang="en-US" baseline="0" dirty="0"/>
               <a:t> the examples would catch but when it comes time to find and fix the issue, our eyes may not immediately catch it. We may think the error lies somewhere in the recipe. If we cannot find it we keep running the tests and wondering what is going wrong.</a:t>
             </a:r>
           </a:p>
@@ -4138,10 +4113,9 @@
               <a:defRPr/>
             </a:pPr>
             <a:r>
-              <a:rPr lang="en-US" smtClean="0"/>
+              <a:rPr lang="en-US"/>
               <a:t>Chef Intermediate</a:t>
             </a:r>
-            <a:endParaRPr lang="en-US"/>
           </a:p>
         </p:txBody>
       </p:sp>
@@ -4164,7 +4138,7 @@
               <a:defRPr/>
             </a:pPr>
             <a:r>
-              <a:rPr lang="en-US" smtClean="0"/>
+              <a:rPr lang="en-US"/>
               <a:t>Chef Software, Inc.</a:t>
             </a:r>
             <a:endParaRPr lang="en-US" dirty="0"/>
@@ -4229,11 +4203,11 @@
           <a:lstStyle/>
           <a:p>
             <a:r>
-              <a:rPr lang="en-US" dirty="0" smtClean="0"/>
+              <a:rPr lang="en-US" dirty="0"/>
               <a:t>This small exercise</a:t>
             </a:r>
             <a:r>
-              <a:rPr lang="en-US" baseline="0" dirty="0" smtClean="0"/>
+              <a:rPr lang="en-US" baseline="0" dirty="0"/>
               <a:t> focused on a small subset of what is possible with Pry. It is a powerful tool that will aid you in understand the execution of the system much faster than tests alone.</a:t>
             </a:r>
             <a:endParaRPr lang="en-US" dirty="0"/>
@@ -4259,10 +4233,9 @@
               <a:defRPr/>
             </a:pPr>
             <a:r>
-              <a:rPr lang="en-US" smtClean="0"/>
+              <a:rPr lang="en-US"/>
               <a:t>Chef Intermediate</a:t>
             </a:r>
-            <a:endParaRPr lang="en-US"/>
           </a:p>
         </p:txBody>
       </p:sp>
@@ -4285,7 +4258,7 @@
               <a:defRPr/>
             </a:pPr>
             <a:r>
-              <a:rPr lang="en-US" smtClean="0"/>
+              <a:rPr lang="en-US"/>
               <a:t>Chef Software, Inc.</a:t>
             </a:r>
             <a:endParaRPr lang="en-US" dirty="0"/>
@@ -4350,24 +4323,23 @@
           <a:lstStyle/>
           <a:p>
             <a:r>
-              <a:rPr lang="en-US" dirty="0" smtClean="0"/>
+              <a:rPr lang="en-US" dirty="0"/>
               <a:t>Now it is</a:t>
             </a:r>
             <a:r>
-              <a:rPr lang="en-US" baseline="0" dirty="0" smtClean="0"/>
+              <a:rPr lang="en-US" baseline="0" dirty="0"/>
               <a:t> your turn. Two recipes remain that I want you to refactor to use attributes. Follow the same workflow you used here. As a bonus try using Pry again to reinforce setting it up and navigating through the execution flow with it.</a:t>
             </a:r>
-            <a:endParaRPr lang="en-US" dirty="0" smtClean="0"/>
-          </a:p>
-          <a:p>
-            <a:endParaRPr lang="en-US" dirty="0" smtClean="0"/>
-          </a:p>
-          <a:p>
-            <a:r>
-              <a:rPr lang="en-US" dirty="0" smtClean="0"/>
+            <a:endParaRPr lang="en-US" dirty="0"/>
+          </a:p>
+          <a:p>
+            <a:endParaRPr lang="en-US" dirty="0"/>
+          </a:p>
+          <a:p>
+            <a:r>
+              <a:rPr lang="en-US" dirty="0"/>
               <a:t>Instructor Note: Allow 10 minutes to complete this exercise</a:t>
             </a:r>
-            <a:endParaRPr lang="en-US" dirty="0"/>
           </a:p>
         </p:txBody>
       </p:sp>
@@ -4390,10 +4362,9 @@
               <a:defRPr/>
             </a:pPr>
             <a:r>
-              <a:rPr lang="en-US" smtClean="0"/>
+              <a:rPr lang="en-US"/>
               <a:t>Chef Intermediate</a:t>
             </a:r>
-            <a:endParaRPr lang="en-US"/>
           </a:p>
         </p:txBody>
       </p:sp>
@@ -4416,7 +4387,7 @@
               <a:defRPr/>
             </a:pPr>
             <a:r>
-              <a:rPr lang="en-US" smtClean="0"/>
+              <a:rPr lang="en-US"/>
               <a:t>Chef Software, Inc.</a:t>
             </a:r>
             <a:endParaRPr lang="en-US" dirty="0"/>
@@ -4481,11 +4452,11 @@
           <a:lstStyle/>
           <a:p>
             <a:r>
-              <a:rPr lang="en-US" dirty="0" smtClean="0"/>
+              <a:rPr lang="en-US" dirty="0"/>
               <a:t>Let's</a:t>
             </a:r>
             <a:r>
-              <a:rPr lang="en-US" baseline="0" dirty="0" smtClean="0"/>
+              <a:rPr lang="en-US" baseline="0" dirty="0"/>
               <a:t> review the refactoring of the service resource. You returned first to the service resource in the service recipe and specify a node attribute that will give you the service name.</a:t>
             </a:r>
             <a:endParaRPr lang="en-US" dirty="0"/>
@@ -4511,10 +4482,9 @@
               <a:defRPr/>
             </a:pPr>
             <a:r>
-              <a:rPr lang="en-US" smtClean="0"/>
+              <a:rPr lang="en-US"/>
               <a:t>Chef Intermediate</a:t>
             </a:r>
-            <a:endParaRPr lang="en-US"/>
           </a:p>
         </p:txBody>
       </p:sp>
@@ -4537,7 +4507,7 @@
               <a:defRPr/>
             </a:pPr>
             <a:r>
-              <a:rPr lang="en-US" smtClean="0"/>
+              <a:rPr lang="en-US"/>
               <a:t>Chef Software, Inc.</a:t>
             </a:r>
             <a:endParaRPr lang="en-US" dirty="0"/>
@@ -4602,11 +4572,11 @@
           <a:lstStyle/>
           <a:p>
             <a:r>
-              <a:rPr lang="en-US" dirty="0" smtClean="0"/>
+              <a:rPr lang="en-US" dirty="0"/>
               <a:t>You</a:t>
             </a:r>
             <a:r>
-              <a:rPr lang="en-US" baseline="0" dirty="0" smtClean="0"/>
+              <a:rPr lang="en-US" baseline="0" dirty="0"/>
               <a:t> executed the tests against all the recipes or the specific service recipe. A large set of errors appear as we saw last time. The error is telling us to define the node attribute.</a:t>
             </a:r>
             <a:endParaRPr lang="en-US" dirty="0"/>
@@ -4632,10 +4602,9 @@
               <a:defRPr/>
             </a:pPr>
             <a:r>
-              <a:rPr lang="en-US" smtClean="0"/>
+              <a:rPr lang="en-US"/>
               <a:t>Chef Intermediate</a:t>
             </a:r>
-            <a:endParaRPr lang="en-US"/>
           </a:p>
         </p:txBody>
       </p:sp>
@@ -4658,7 +4627,7 @@
               <a:defRPr/>
             </a:pPr>
             <a:r>
-              <a:rPr lang="en-US" smtClean="0"/>
+              <a:rPr lang="en-US"/>
               <a:t>Chef Software, Inc.</a:t>
             </a:r>
             <a:endParaRPr lang="en-US" dirty="0"/>
@@ -4723,11 +4692,11 @@
           <a:lstStyle/>
           <a:p>
             <a:r>
-              <a:rPr lang="en-US" dirty="0" smtClean="0"/>
+              <a:rPr lang="en-US" dirty="0"/>
               <a:t>You</a:t>
             </a:r>
             <a:r>
-              <a:rPr lang="en-US" baseline="0" dirty="0" smtClean="0"/>
+              <a:rPr lang="en-US" baseline="0" dirty="0"/>
               <a:t> opened the default attributes file up and defined the new node attribute at the default level.</a:t>
             </a:r>
             <a:endParaRPr lang="en-US" dirty="0"/>
@@ -4753,10 +4722,9 @@
               <a:defRPr/>
             </a:pPr>
             <a:r>
-              <a:rPr lang="en-US" smtClean="0"/>
+              <a:rPr lang="en-US"/>
               <a:t>Chef Intermediate</a:t>
             </a:r>
-            <a:endParaRPr lang="en-US"/>
           </a:p>
         </p:txBody>
       </p:sp>
@@ -4779,7 +4747,7 @@
               <a:defRPr/>
             </a:pPr>
             <a:r>
-              <a:rPr lang="en-US" smtClean="0"/>
+              <a:rPr lang="en-US"/>
               <a:t>Chef Software, Inc.</a:t>
             </a:r>
             <a:endParaRPr lang="en-US" dirty="0"/>
@@ -4844,11 +4812,11 @@
           <a:lstStyle/>
           <a:p>
             <a:r>
-              <a:rPr lang="en-US" dirty="0" smtClean="0"/>
+              <a:rPr lang="en-US" dirty="0"/>
               <a:t>You</a:t>
             </a:r>
             <a:r>
-              <a:rPr lang="en-US" baseline="0" dirty="0" smtClean="0"/>
+              <a:rPr lang="en-US" baseline="0" dirty="0"/>
               <a:t> executed the tests again and saw all the expectation have been met successfully.</a:t>
             </a:r>
             <a:endParaRPr lang="en-US" dirty="0"/>
@@ -4874,10 +4842,9 @@
               <a:defRPr/>
             </a:pPr>
             <a:r>
-              <a:rPr lang="en-US" smtClean="0"/>
+              <a:rPr lang="en-US"/>
               <a:t>Chef Intermediate</a:t>
             </a:r>
-            <a:endParaRPr lang="en-US"/>
           </a:p>
         </p:txBody>
       </p:sp>
@@ -4900,7 +4867,7 @@
               <a:defRPr/>
             </a:pPr>
             <a:r>
-              <a:rPr lang="en-US" smtClean="0"/>
+              <a:rPr lang="en-US"/>
               <a:t>Chef Software, Inc.</a:t>
             </a:r>
             <a:endParaRPr lang="en-US" dirty="0"/>
@@ -4965,16 +4932,16 @@
           <a:lstStyle/>
           <a:p>
             <a:r>
-              <a:rPr lang="en-US" baseline="0" dirty="0" smtClean="0"/>
+              <a:rPr lang="en-US" baseline="0" dirty="0"/>
               <a:t>Within each recipe we defined the resources  necessary to bring the webserver into the desired state. When we expressed these resources we did so with values that worked for this platform and version of the Operating System (OS).</a:t>
             </a:r>
           </a:p>
           <a:p>
-            <a:endParaRPr lang="en-US" baseline="0" dirty="0" smtClean="0"/>
-          </a:p>
-          <a:p>
-            <a:r>
-              <a:rPr lang="en-US" baseline="0" dirty="0" smtClean="0"/>
+            <a:endParaRPr lang="en-US" baseline="0" dirty="0"/>
+          </a:p>
+          <a:p>
+            <a:r>
+              <a:rPr lang="en-US" baseline="0" dirty="0"/>
               <a:t>The configuration recipe defined a file resource with a path to the location for the default HTML page. This path is hard-coded for this particular platform. If we had a situation where another cookbook or environment or role wanted to use this recipe but provide a custom value we could not do that unless we talk about making the file path a node attribute.</a:t>
             </a:r>
           </a:p>
@@ -4999,10 +4966,9 @@
               <a:defRPr/>
             </a:pPr>
             <a:r>
-              <a:rPr lang="en-US" smtClean="0"/>
+              <a:rPr lang="en-US"/>
               <a:t>Chef Intermediate</a:t>
             </a:r>
-            <a:endParaRPr lang="en-US"/>
           </a:p>
         </p:txBody>
       </p:sp>
@@ -5025,7 +4991,7 @@
               <a:defRPr/>
             </a:pPr>
             <a:r>
-              <a:rPr lang="en-US" smtClean="0"/>
+              <a:rPr lang="en-US"/>
               <a:t>Chef Software, Inc.</a:t>
             </a:r>
             <a:endParaRPr lang="en-US" dirty="0"/>
@@ -5090,30 +5056,12 @@
           <a:lstStyle/>
           <a:p>
             <a:r>
-              <a:rPr lang="en-US" dirty="0" smtClean="0"/>
-              <a:t>Congratulations. Now you have</a:t>
-            </a:r>
-            <a:r>
-              <a:rPr lang="en-US" baseline="0" dirty="0" smtClean="0"/>
-              <a:t> completely refactored the resources in the cookbook to use node attributes.</a:t>
-            </a:r>
-          </a:p>
-          <a:p>
-            <a:endParaRPr lang="en-US" baseline="0" dirty="0" smtClean="0"/>
-          </a:p>
-          <a:p>
-            <a:r>
-              <a:rPr lang="en-US" baseline="0" dirty="0" smtClean="0"/>
-              <a:t>Let's have a discussion.</a:t>
-            </a:r>
-          </a:p>
-          <a:p>
-            <a:endParaRPr lang="en-US" baseline="0" dirty="0" smtClean="0"/>
-          </a:p>
-          <a:p>
-            <a:r>
-              <a:rPr lang="en-US" baseline="0" dirty="0" smtClean="0"/>
-              <a:t>Instructor Note: We did not review the configuration recipe</a:t>
+              <a:rPr lang="en-US" dirty="0"/>
+              <a:t>Let's</a:t>
+            </a:r>
+            <a:r>
+              <a:rPr lang="en-US" baseline="0" dirty="0"/>
+              <a:t> review the refactoring of the service resource. You returned first to the service resource in the service recipe and specify a node attribute that will give you the service name.</a:t>
             </a:r>
             <a:endParaRPr lang="en-US" dirty="0"/>
           </a:p>
@@ -5138,10 +5086,9 @@
               <a:defRPr/>
             </a:pPr>
             <a:r>
-              <a:rPr lang="en-US" smtClean="0"/>
+              <a:rPr lang="en-US"/>
               <a:t>Chef Intermediate</a:t>
             </a:r>
-            <a:endParaRPr lang="en-US"/>
           </a:p>
         </p:txBody>
       </p:sp>
@@ -5164,7 +5111,7 @@
               <a:defRPr/>
             </a:pPr>
             <a:r>
-              <a:rPr lang="en-US" smtClean="0"/>
+              <a:rPr lang="en-US"/>
               <a:t>Chef Software, Inc.</a:t>
             </a:r>
             <a:endParaRPr lang="en-US" dirty="0"/>
@@ -5174,7 +5121,7 @@
     </p:spTree>
     <p:extLst>
       <p:ext uri="{BB962C8B-B14F-4D97-AF65-F5344CB8AC3E}">
-        <p14:creationId xmlns:p14="http://schemas.microsoft.com/office/powerpoint/2010/main" val="1793639062"/>
+        <p14:creationId xmlns:p14="http://schemas.microsoft.com/office/powerpoint/2010/main" val="711873053"/>
       </p:ext>
     </p:extLst>
   </p:cSld>
@@ -5228,28 +5175,15 @@
           <a:bodyPr/>
           <a:lstStyle/>
           <a:p>
-            <a:pPr marL="0" marR="0" indent="0" algn="l" defTabSz="1217613" rtl="0" eaLnBrk="1" fontAlgn="base" latinLnBrk="0" hangingPunct="1">
-              <a:lnSpc>
-                <a:spcPct val="90000"/>
-              </a:lnSpc>
-              <a:spcBef>
-                <a:spcPct val="30000"/>
-              </a:spcBef>
-              <a:spcAft>
-                <a:spcPts val="450"/>
-              </a:spcAft>
-              <a:buClrTx/>
-              <a:buSzTx/>
-              <a:buFontTx/>
-              <a:buNone/>
-              <a:tabLst/>
-              <a:defRPr/>
-            </a:pPr>
-            <a:r>
-              <a:rPr lang="en-US" baseline="0" dirty="0" smtClean="0"/>
-              <a:t>Instructor Note: With large groups I often find it better to have individuals turn to the individuals around them, form groups of whatever size they feel comfortable, and have them take turns asking and answering the questions. When all the groups are done I then open the discussion up to the entire group allowing each group or individuals to share their answers.</a:t>
-            </a:r>
-            <a:endParaRPr lang="en-US" dirty="0" smtClean="0"/>
+            <a:r>
+              <a:rPr lang="en-US" dirty="0"/>
+              <a:t>You</a:t>
+            </a:r>
+            <a:r>
+              <a:rPr lang="en-US" baseline="0" dirty="0"/>
+              <a:t> executed the tests against all the recipes or the specific service recipe. A large set of errors appear as we saw last time. The error is telling us to define the node attribute.</a:t>
+            </a:r>
+            <a:endParaRPr lang="en-US" dirty="0"/>
           </a:p>
         </p:txBody>
       </p:sp>
@@ -5272,10 +5206,9 @@
               <a:defRPr/>
             </a:pPr>
             <a:r>
-              <a:rPr lang="en-US" smtClean="0"/>
+              <a:rPr lang="en-US"/>
               <a:t>Chef Intermediate</a:t>
             </a:r>
-            <a:endParaRPr lang="en-US"/>
           </a:p>
         </p:txBody>
       </p:sp>
@@ -5298,7 +5231,7 @@
               <a:defRPr/>
             </a:pPr>
             <a:r>
-              <a:rPr lang="en-US" smtClean="0"/>
+              <a:rPr lang="en-US"/>
               <a:t>Chef Software, Inc.</a:t>
             </a:r>
             <a:endParaRPr lang="en-US" dirty="0"/>
@@ -5308,7 +5241,7 @@
     </p:spTree>
     <p:extLst>
       <p:ext uri="{BB962C8B-B14F-4D97-AF65-F5344CB8AC3E}">
-        <p14:creationId xmlns:p14="http://schemas.microsoft.com/office/powerpoint/2010/main" val="842419852"/>
+        <p14:creationId xmlns:p14="http://schemas.microsoft.com/office/powerpoint/2010/main" val="1261799335"/>
       </p:ext>
     </p:extLst>
   </p:cSld>
@@ -5362,34 +5295,14 @@
           <a:bodyPr/>
           <a:lstStyle/>
           <a:p>
-            <a:pPr marL="0" marR="0" indent="0" algn="l" defTabSz="1217613" rtl="0" eaLnBrk="1" fontAlgn="base" latinLnBrk="0" hangingPunct="1">
-              <a:lnSpc>
-                <a:spcPct val="90000"/>
-              </a:lnSpc>
-              <a:spcBef>
-                <a:spcPct val="30000"/>
-              </a:spcBef>
-              <a:spcAft>
-                <a:spcPts val="450"/>
-              </a:spcAft>
-              <a:buClrTx/>
-              <a:buSzTx/>
-              <a:buFontTx/>
-              <a:buNone/>
-              <a:tabLst/>
-              <a:defRPr/>
-            </a:pPr>
-            <a:r>
-              <a:rPr lang="en-US" dirty="0" smtClean="0"/>
-              <a:t>Before</a:t>
-            </a:r>
-            <a:r>
-              <a:rPr lang="en-US" baseline="0" dirty="0" smtClean="0"/>
-              <a:t> we complete this section, let us pause for questions.</a:t>
-            </a:r>
-            <a:endParaRPr lang="en-US" dirty="0" smtClean="0"/>
-          </a:p>
-          <a:p>
+            <a:r>
+              <a:rPr lang="en-US" dirty="0"/>
+              <a:t>You</a:t>
+            </a:r>
+            <a:r>
+              <a:rPr lang="en-US" baseline="0" dirty="0"/>
+              <a:t> opened the default attributes file up and defined the new node attribute at the default level.</a:t>
+            </a:r>
             <a:endParaRPr lang="en-US" dirty="0"/>
           </a:p>
         </p:txBody>
@@ -5413,10 +5326,9 @@
               <a:defRPr/>
             </a:pPr>
             <a:r>
-              <a:rPr lang="en-US" smtClean="0"/>
+              <a:rPr lang="en-US"/>
               <a:t>Chef Intermediate</a:t>
             </a:r>
-            <a:endParaRPr lang="en-US"/>
           </a:p>
         </p:txBody>
       </p:sp>
@@ -5439,7 +5351,7 @@
               <a:defRPr/>
             </a:pPr>
             <a:r>
-              <a:rPr lang="en-US" smtClean="0"/>
+              <a:rPr lang="en-US"/>
               <a:t>Chef Software, Inc.</a:t>
             </a:r>
             <a:endParaRPr lang="en-US" dirty="0"/>
@@ -5449,7 +5361,7 @@
     </p:spTree>
     <p:extLst>
       <p:ext uri="{BB962C8B-B14F-4D97-AF65-F5344CB8AC3E}">
-        <p14:creationId xmlns:p14="http://schemas.microsoft.com/office/powerpoint/2010/main" val="670511298"/>
+        <p14:creationId xmlns:p14="http://schemas.microsoft.com/office/powerpoint/2010/main" val="1177039036"/>
       </p:ext>
     </p:extLst>
   </p:cSld>
@@ -5503,6 +5415,264 @@
           <a:bodyPr/>
           <a:lstStyle/>
           <a:p>
+            <a:r>
+              <a:rPr lang="en-US" dirty="0"/>
+              <a:t>You</a:t>
+            </a:r>
+            <a:r>
+              <a:rPr lang="en-US" baseline="0" dirty="0"/>
+              <a:t> executed the tests again and saw all the expectation have been met successfully.</a:t>
+            </a:r>
+            <a:endParaRPr lang="en-US" dirty="0"/>
+          </a:p>
+        </p:txBody>
+      </p:sp>
+      <p:sp>
+        <p:nvSpPr>
+          <p:cNvPr id="5" name="Header Placeholder 4"/>
+          <p:cNvSpPr>
+            <a:spLocks noGrp="1"/>
+          </p:cNvSpPr>
+          <p:nvPr>
+            <p:ph type="hdr" sz="quarter" idx="11"/>
+          </p:nvPr>
+        </p:nvSpPr>
+        <p:spPr/>
+        <p:txBody>
+          <a:bodyPr/>
+          <a:lstStyle/>
+          <a:p>
+            <a:pPr>
+              <a:defRPr/>
+            </a:pPr>
+            <a:r>
+              <a:rPr lang="en-US"/>
+              <a:t>Chef Intermediate</a:t>
+            </a:r>
+          </a:p>
+        </p:txBody>
+      </p:sp>
+      <p:sp>
+        <p:nvSpPr>
+          <p:cNvPr id="7" name="Date Placeholder 6"/>
+          <p:cNvSpPr>
+            <a:spLocks noGrp="1"/>
+          </p:cNvSpPr>
+          <p:nvPr>
+            <p:ph type="dt" idx="13"/>
+          </p:nvPr>
+        </p:nvSpPr>
+        <p:spPr/>
+        <p:txBody>
+          <a:bodyPr/>
+          <a:lstStyle/>
+          <a:p>
+            <a:pPr>
+              <a:defRPr/>
+            </a:pPr>
+            <a:r>
+              <a:rPr lang="en-US"/>
+              <a:t>Chef Software, Inc.</a:t>
+            </a:r>
+            <a:endParaRPr lang="en-US" dirty="0"/>
+          </a:p>
+        </p:txBody>
+      </p:sp>
+    </p:spTree>
+    <p:extLst>
+      <p:ext uri="{BB962C8B-B14F-4D97-AF65-F5344CB8AC3E}">
+        <p14:creationId xmlns:p14="http://schemas.microsoft.com/office/powerpoint/2010/main" val="1240184419"/>
+      </p:ext>
+    </p:extLst>
+  </p:cSld>
+  <p:clrMapOvr>
+    <a:masterClrMapping/>
+  </p:clrMapOvr>
+</p:notes>
+</file>
+
+<file path=ppt/notesSlides/notesSlide44.xml><?xml version="1.0" encoding="utf-8"?>
+<p:notes xmlns:a="http://schemas.openxmlformats.org/drawingml/2006/main" xmlns:r="http://schemas.openxmlformats.org/officeDocument/2006/relationships" xmlns:p="http://schemas.openxmlformats.org/presentationml/2006/main">
+  <p:cSld>
+    <p:spTree>
+      <p:nvGrpSpPr>
+        <p:cNvPr id="1" name=""/>
+        <p:cNvGrpSpPr/>
+        <p:nvPr/>
+      </p:nvGrpSpPr>
+      <p:grpSpPr>
+        <a:xfrm>
+          <a:off x="0" y="0"/>
+          <a:ext cx="0" cy="0"/>
+          <a:chOff x="0" y="0"/>
+          <a:chExt cx="0" cy="0"/>
+        </a:xfrm>
+      </p:grpSpPr>
+      <p:sp>
+        <p:nvSpPr>
+          <p:cNvPr id="2" name="Slide Image Placeholder 1"/>
+          <p:cNvSpPr>
+            <a:spLocks noGrp="1" noRot="1" noChangeAspect="1"/>
+          </p:cNvSpPr>
+          <p:nvPr>
+            <p:ph type="sldImg"/>
+          </p:nvPr>
+        </p:nvSpPr>
+        <p:spPr/>
+      </p:sp>
+      <p:sp>
+        <p:nvSpPr>
+          <p:cNvPr id="3" name="Notes Placeholder 2"/>
+          <p:cNvSpPr>
+            <a:spLocks noGrp="1"/>
+          </p:cNvSpPr>
+          <p:nvPr>
+            <p:ph type="body" idx="1"/>
+          </p:nvPr>
+        </p:nvSpPr>
+        <p:spPr/>
+        <p:txBody>
+          <a:bodyPr/>
+          <a:lstStyle/>
+          <a:p>
+            <a:r>
+              <a:rPr lang="en-US" dirty="0"/>
+              <a:t>Congratulations. Now you have</a:t>
+            </a:r>
+            <a:r>
+              <a:rPr lang="en-US" baseline="0" dirty="0"/>
+              <a:t> completely refactored the resources in the cookbook to use node attributes.</a:t>
+            </a:r>
+          </a:p>
+          <a:p>
+            <a:endParaRPr lang="en-US" baseline="0" dirty="0"/>
+          </a:p>
+          <a:p>
+            <a:r>
+              <a:rPr lang="en-US" baseline="0" dirty="0"/>
+              <a:t>Let's have a discussion.</a:t>
+            </a:r>
+          </a:p>
+          <a:p>
+            <a:endParaRPr lang="en-US" baseline="0" dirty="0"/>
+          </a:p>
+          <a:p>
+            <a:r>
+              <a:rPr lang="en-US" baseline="0" dirty="0"/>
+              <a:t>Instructor Note: We did not review the configuration recipe</a:t>
+            </a:r>
+            <a:endParaRPr lang="en-US" dirty="0"/>
+          </a:p>
+        </p:txBody>
+      </p:sp>
+      <p:sp>
+        <p:nvSpPr>
+          <p:cNvPr id="5" name="Header Placeholder 4"/>
+          <p:cNvSpPr>
+            <a:spLocks noGrp="1"/>
+          </p:cNvSpPr>
+          <p:nvPr>
+            <p:ph type="hdr" sz="quarter" idx="11"/>
+          </p:nvPr>
+        </p:nvSpPr>
+        <p:spPr/>
+        <p:txBody>
+          <a:bodyPr/>
+          <a:lstStyle/>
+          <a:p>
+            <a:pPr>
+              <a:defRPr/>
+            </a:pPr>
+            <a:r>
+              <a:rPr lang="en-US"/>
+              <a:t>Chef Intermediate</a:t>
+            </a:r>
+          </a:p>
+        </p:txBody>
+      </p:sp>
+      <p:sp>
+        <p:nvSpPr>
+          <p:cNvPr id="7" name="Date Placeholder 6"/>
+          <p:cNvSpPr>
+            <a:spLocks noGrp="1"/>
+          </p:cNvSpPr>
+          <p:nvPr>
+            <p:ph type="dt" idx="13"/>
+          </p:nvPr>
+        </p:nvSpPr>
+        <p:spPr/>
+        <p:txBody>
+          <a:bodyPr/>
+          <a:lstStyle/>
+          <a:p>
+            <a:pPr>
+              <a:defRPr/>
+            </a:pPr>
+            <a:r>
+              <a:rPr lang="en-US"/>
+              <a:t>Chef Software, Inc.</a:t>
+            </a:r>
+            <a:endParaRPr lang="en-US" dirty="0"/>
+          </a:p>
+        </p:txBody>
+      </p:sp>
+    </p:spTree>
+    <p:extLst>
+      <p:ext uri="{BB962C8B-B14F-4D97-AF65-F5344CB8AC3E}">
+        <p14:creationId xmlns:p14="http://schemas.microsoft.com/office/powerpoint/2010/main" val="1793639062"/>
+      </p:ext>
+    </p:extLst>
+  </p:cSld>
+  <p:clrMapOvr>
+    <a:masterClrMapping/>
+  </p:clrMapOvr>
+</p:notes>
+</file>
+
+<file path=ppt/notesSlides/notesSlide45.xml><?xml version="1.0" encoding="utf-8"?>
+<p:notes xmlns:a="http://schemas.openxmlformats.org/drawingml/2006/main" xmlns:r="http://schemas.openxmlformats.org/officeDocument/2006/relationships" xmlns:p="http://schemas.openxmlformats.org/presentationml/2006/main">
+  <p:cSld>
+    <p:spTree>
+      <p:nvGrpSpPr>
+        <p:cNvPr id="1" name=""/>
+        <p:cNvGrpSpPr/>
+        <p:nvPr/>
+      </p:nvGrpSpPr>
+      <p:grpSpPr>
+        <a:xfrm>
+          <a:off x="0" y="0"/>
+          <a:ext cx="0" cy="0"/>
+          <a:chOff x="0" y="0"/>
+          <a:chExt cx="0" cy="0"/>
+        </a:xfrm>
+      </p:grpSpPr>
+      <p:sp>
+        <p:nvSpPr>
+          <p:cNvPr id="2" name="Slide Image Placeholder 1"/>
+          <p:cNvSpPr>
+            <a:spLocks noGrp="1" noRot="1" noChangeAspect="1"/>
+          </p:cNvSpPr>
+          <p:nvPr>
+            <p:ph type="sldImg"/>
+          </p:nvPr>
+        </p:nvSpPr>
+        <p:spPr/>
+      </p:sp>
+      <p:sp>
+        <p:nvSpPr>
+          <p:cNvPr id="3" name="Notes Placeholder 2"/>
+          <p:cNvSpPr>
+            <a:spLocks noGrp="1"/>
+          </p:cNvSpPr>
+          <p:nvPr>
+            <p:ph type="body" idx="1"/>
+          </p:nvPr>
+        </p:nvSpPr>
+        <p:spPr/>
+        <p:txBody>
+          <a:bodyPr/>
+          <a:lstStyle/>
+          <a:p>
             <a:pPr marL="0" marR="0" indent="0" algn="l" defTabSz="1217613" rtl="0" eaLnBrk="1" fontAlgn="base" latinLnBrk="0" hangingPunct="1">
               <a:lnSpc>
                 <a:spcPct val="90000"/>
@@ -5521,9 +5691,10 @@
               <a:defRPr/>
             </a:pPr>
             <a:r>
-              <a:rPr lang="en-US" baseline="0" dirty="0" smtClean="0"/>
-              <a:t>With the resources now using node attributes we are ready to explore the last section which will challenge us to expand the scope of this cookbook to support multiple platforms.</a:t>
-            </a:r>
+              <a:rPr lang="en-US" baseline="0" dirty="0"/>
+              <a:t>Instructor Note: With large groups I often find it better to have individuals turn to the individuals around them, form groups of whatever size they feel comfortable, and have them take turns asking and answering the questions. When all the groups are done I then open the discussion up to the entire group allowing each group or individuals to share their answers.</a:t>
+            </a:r>
+            <a:endParaRPr lang="en-US" dirty="0"/>
           </a:p>
         </p:txBody>
       </p:sp>
@@ -5546,10 +5717,9 @@
               <a:defRPr/>
             </a:pPr>
             <a:r>
-              <a:rPr lang="en-US" smtClean="0"/>
+              <a:rPr lang="en-US"/>
               <a:t>Chef Intermediate</a:t>
             </a:r>
-            <a:endParaRPr lang="en-US"/>
           </a:p>
         </p:txBody>
       </p:sp>
@@ -5572,7 +5742,279 @@
               <a:defRPr/>
             </a:pPr>
             <a:r>
-              <a:rPr lang="en-US" smtClean="0"/>
+              <a:rPr lang="en-US"/>
+              <a:t>Chef Software, Inc.</a:t>
+            </a:r>
+            <a:endParaRPr lang="en-US" dirty="0"/>
+          </a:p>
+        </p:txBody>
+      </p:sp>
+    </p:spTree>
+    <p:extLst>
+      <p:ext uri="{BB962C8B-B14F-4D97-AF65-F5344CB8AC3E}">
+        <p14:creationId xmlns:p14="http://schemas.microsoft.com/office/powerpoint/2010/main" val="842419852"/>
+      </p:ext>
+    </p:extLst>
+  </p:cSld>
+  <p:clrMapOvr>
+    <a:masterClrMapping/>
+  </p:clrMapOvr>
+</p:notes>
+</file>
+
+<file path=ppt/notesSlides/notesSlide46.xml><?xml version="1.0" encoding="utf-8"?>
+<p:notes xmlns:a="http://schemas.openxmlformats.org/drawingml/2006/main" xmlns:r="http://schemas.openxmlformats.org/officeDocument/2006/relationships" xmlns:p="http://schemas.openxmlformats.org/presentationml/2006/main">
+  <p:cSld>
+    <p:spTree>
+      <p:nvGrpSpPr>
+        <p:cNvPr id="1" name=""/>
+        <p:cNvGrpSpPr/>
+        <p:nvPr/>
+      </p:nvGrpSpPr>
+      <p:grpSpPr>
+        <a:xfrm>
+          <a:off x="0" y="0"/>
+          <a:ext cx="0" cy="0"/>
+          <a:chOff x="0" y="0"/>
+          <a:chExt cx="0" cy="0"/>
+        </a:xfrm>
+      </p:grpSpPr>
+      <p:sp>
+        <p:nvSpPr>
+          <p:cNvPr id="2" name="Slide Image Placeholder 1"/>
+          <p:cNvSpPr>
+            <a:spLocks noGrp="1" noRot="1" noChangeAspect="1"/>
+          </p:cNvSpPr>
+          <p:nvPr>
+            <p:ph type="sldImg"/>
+          </p:nvPr>
+        </p:nvSpPr>
+        <p:spPr/>
+      </p:sp>
+      <p:sp>
+        <p:nvSpPr>
+          <p:cNvPr id="3" name="Notes Placeholder 2"/>
+          <p:cNvSpPr>
+            <a:spLocks noGrp="1"/>
+          </p:cNvSpPr>
+          <p:nvPr>
+            <p:ph type="body" idx="1"/>
+          </p:nvPr>
+        </p:nvSpPr>
+        <p:spPr/>
+        <p:txBody>
+          <a:bodyPr/>
+          <a:lstStyle/>
+          <a:p>
+            <a:pPr marL="0" marR="0" indent="0" algn="l" defTabSz="1217613" rtl="0" eaLnBrk="1" fontAlgn="base" latinLnBrk="0" hangingPunct="1">
+              <a:lnSpc>
+                <a:spcPct val="90000"/>
+              </a:lnSpc>
+              <a:spcBef>
+                <a:spcPct val="30000"/>
+              </a:spcBef>
+              <a:spcAft>
+                <a:spcPts val="450"/>
+              </a:spcAft>
+              <a:buClrTx/>
+              <a:buSzTx/>
+              <a:buFontTx/>
+              <a:buNone/>
+              <a:tabLst/>
+              <a:defRPr/>
+            </a:pPr>
+            <a:r>
+              <a:rPr lang="en-US" dirty="0"/>
+              <a:t>Before</a:t>
+            </a:r>
+            <a:r>
+              <a:rPr lang="en-US" baseline="0" dirty="0"/>
+              <a:t> we complete this section, let us pause for questions.</a:t>
+            </a:r>
+            <a:endParaRPr lang="en-US" dirty="0"/>
+          </a:p>
+          <a:p>
+            <a:endParaRPr lang="en-US" dirty="0"/>
+          </a:p>
+        </p:txBody>
+      </p:sp>
+      <p:sp>
+        <p:nvSpPr>
+          <p:cNvPr id="5" name="Header Placeholder 4"/>
+          <p:cNvSpPr>
+            <a:spLocks noGrp="1"/>
+          </p:cNvSpPr>
+          <p:nvPr>
+            <p:ph type="hdr" sz="quarter" idx="11"/>
+          </p:nvPr>
+        </p:nvSpPr>
+        <p:spPr/>
+        <p:txBody>
+          <a:bodyPr/>
+          <a:lstStyle/>
+          <a:p>
+            <a:pPr>
+              <a:defRPr/>
+            </a:pPr>
+            <a:r>
+              <a:rPr lang="en-US"/>
+              <a:t>Chef Intermediate</a:t>
+            </a:r>
+          </a:p>
+        </p:txBody>
+      </p:sp>
+      <p:sp>
+        <p:nvSpPr>
+          <p:cNvPr id="7" name="Date Placeholder 6"/>
+          <p:cNvSpPr>
+            <a:spLocks noGrp="1"/>
+          </p:cNvSpPr>
+          <p:nvPr>
+            <p:ph type="dt" idx="13"/>
+          </p:nvPr>
+        </p:nvSpPr>
+        <p:spPr/>
+        <p:txBody>
+          <a:bodyPr/>
+          <a:lstStyle/>
+          <a:p>
+            <a:pPr>
+              <a:defRPr/>
+            </a:pPr>
+            <a:r>
+              <a:rPr lang="en-US"/>
+              <a:t>Chef Software, Inc.</a:t>
+            </a:r>
+            <a:endParaRPr lang="en-US" dirty="0"/>
+          </a:p>
+        </p:txBody>
+      </p:sp>
+    </p:spTree>
+    <p:extLst>
+      <p:ext uri="{BB962C8B-B14F-4D97-AF65-F5344CB8AC3E}">
+        <p14:creationId xmlns:p14="http://schemas.microsoft.com/office/powerpoint/2010/main" val="670511298"/>
+      </p:ext>
+    </p:extLst>
+  </p:cSld>
+  <p:clrMapOvr>
+    <a:masterClrMapping/>
+  </p:clrMapOvr>
+</p:notes>
+</file>
+
+<file path=ppt/notesSlides/notesSlide47.xml><?xml version="1.0" encoding="utf-8"?>
+<p:notes xmlns:a="http://schemas.openxmlformats.org/drawingml/2006/main" xmlns:r="http://schemas.openxmlformats.org/officeDocument/2006/relationships" xmlns:p="http://schemas.openxmlformats.org/presentationml/2006/main">
+  <p:cSld>
+    <p:spTree>
+      <p:nvGrpSpPr>
+        <p:cNvPr id="1" name=""/>
+        <p:cNvGrpSpPr/>
+        <p:nvPr/>
+      </p:nvGrpSpPr>
+      <p:grpSpPr>
+        <a:xfrm>
+          <a:off x="0" y="0"/>
+          <a:ext cx="0" cy="0"/>
+          <a:chOff x="0" y="0"/>
+          <a:chExt cx="0" cy="0"/>
+        </a:xfrm>
+      </p:grpSpPr>
+      <p:sp>
+        <p:nvSpPr>
+          <p:cNvPr id="2" name="Slide Image Placeholder 1"/>
+          <p:cNvSpPr>
+            <a:spLocks noGrp="1" noRot="1" noChangeAspect="1"/>
+          </p:cNvSpPr>
+          <p:nvPr>
+            <p:ph type="sldImg"/>
+          </p:nvPr>
+        </p:nvSpPr>
+        <p:spPr/>
+      </p:sp>
+      <p:sp>
+        <p:nvSpPr>
+          <p:cNvPr id="3" name="Notes Placeholder 2"/>
+          <p:cNvSpPr>
+            <a:spLocks noGrp="1"/>
+          </p:cNvSpPr>
+          <p:nvPr>
+            <p:ph type="body" idx="1"/>
+          </p:nvPr>
+        </p:nvSpPr>
+        <p:spPr/>
+        <p:txBody>
+          <a:bodyPr/>
+          <a:lstStyle/>
+          <a:p>
+            <a:pPr marL="0" marR="0" indent="0" algn="l" defTabSz="1217613" rtl="0" eaLnBrk="1" fontAlgn="base" latinLnBrk="0" hangingPunct="1">
+              <a:lnSpc>
+                <a:spcPct val="90000"/>
+              </a:lnSpc>
+              <a:spcBef>
+                <a:spcPct val="30000"/>
+              </a:spcBef>
+              <a:spcAft>
+                <a:spcPts val="450"/>
+              </a:spcAft>
+              <a:buClrTx/>
+              <a:buSzTx/>
+              <a:buFontTx/>
+              <a:buNone/>
+              <a:tabLst/>
+              <a:defRPr/>
+            </a:pPr>
+            <a:r>
+              <a:rPr lang="en-US" baseline="0" dirty="0"/>
+              <a:t>With the resources now using node attributes we are ready to explore the last section which will challenge us to expand the scope of this cookbook to support multiple platforms.</a:t>
+            </a:r>
+          </a:p>
+        </p:txBody>
+      </p:sp>
+      <p:sp>
+        <p:nvSpPr>
+          <p:cNvPr id="5" name="Header Placeholder 4"/>
+          <p:cNvSpPr>
+            <a:spLocks noGrp="1"/>
+          </p:cNvSpPr>
+          <p:nvPr>
+            <p:ph type="hdr" sz="quarter" idx="11"/>
+          </p:nvPr>
+        </p:nvSpPr>
+        <p:spPr/>
+        <p:txBody>
+          <a:bodyPr/>
+          <a:lstStyle/>
+          <a:p>
+            <a:pPr>
+              <a:defRPr/>
+            </a:pPr>
+            <a:r>
+              <a:rPr lang="en-US"/>
+              <a:t>Chef Intermediate</a:t>
+            </a:r>
+          </a:p>
+        </p:txBody>
+      </p:sp>
+      <p:sp>
+        <p:nvSpPr>
+          <p:cNvPr id="7" name="Date Placeholder 6"/>
+          <p:cNvSpPr>
+            <a:spLocks noGrp="1"/>
+          </p:cNvSpPr>
+          <p:nvPr>
+            <p:ph type="dt" idx="13"/>
+          </p:nvPr>
+        </p:nvSpPr>
+        <p:spPr/>
+        <p:txBody>
+          <a:bodyPr/>
+          <a:lstStyle/>
+          <a:p>
+            <a:pPr>
+              <a:defRPr/>
+            </a:pPr>
+            <a:r>
+              <a:rPr lang="en-US"/>
               <a:t>Chef Software, Inc.</a:t>
             </a:r>
             <a:endParaRPr lang="en-US" dirty="0"/>
@@ -5637,36 +6079,36 @@
           <a:lstStyle/>
           <a:p>
             <a:r>
-              <a:rPr lang="en-US" dirty="0" smtClean="0"/>
+              <a:rPr lang="en-US" dirty="0"/>
               <a:t>Cookbooks</a:t>
             </a:r>
             <a:r>
-              <a:rPr lang="en-US" baseline="0" dirty="0" smtClean="0"/>
+              <a:rPr lang="en-US" baseline="0" dirty="0"/>
               <a:t> can define node attributes which are added to the node object after the initial discovery is done by </a:t>
             </a:r>
             <a:r>
-              <a:rPr lang="en-US" baseline="0" dirty="0" err="1" smtClean="0"/>
+              <a:rPr lang="en-US" baseline="0" dirty="0" err="1"/>
               <a:t>Ohai</a:t>
             </a:r>
             <a:r>
-              <a:rPr lang="en-US" baseline="0" dirty="0" smtClean="0"/>
+              <a:rPr lang="en-US" baseline="0" dirty="0"/>
               <a:t>. </a:t>
             </a:r>
             <a:r>
-              <a:rPr lang="en-US" baseline="0" dirty="0" err="1" smtClean="0"/>
+              <a:rPr lang="en-US" baseline="0" dirty="0" err="1"/>
               <a:t>Ohai</a:t>
             </a:r>
             <a:r>
-              <a:rPr lang="en-US" baseline="0" dirty="0" smtClean="0"/>
+              <a:rPr lang="en-US" baseline="0" dirty="0"/>
               <a:t> attributes are considered automatic and cannot be overwritten. However, the attributes defined in a cookbook can come in variety of levels. This allows for cookbooks to define a base value which another cookbook can replace when needed.</a:t>
             </a:r>
           </a:p>
           <a:p>
-            <a:endParaRPr lang="en-US" baseline="0" dirty="0" smtClean="0"/>
-          </a:p>
-          <a:p>
-            <a:r>
-              <a:rPr lang="en-US" baseline="0" dirty="0" smtClean="0"/>
+            <a:endParaRPr lang="en-US" baseline="0" dirty="0"/>
+          </a:p>
+          <a:p>
+            <a:r>
+              <a:rPr lang="en-US" baseline="0" dirty="0"/>
               <a:t>That is the kind of flexibility that we want to implement in our cookbook.</a:t>
             </a:r>
           </a:p>
@@ -5691,10 +6133,9 @@
               <a:defRPr/>
             </a:pPr>
             <a:r>
-              <a:rPr lang="en-US" smtClean="0"/>
+              <a:rPr lang="en-US"/>
               <a:t>Chef Intermediate</a:t>
             </a:r>
-            <a:endParaRPr lang="en-US"/>
           </a:p>
         </p:txBody>
       </p:sp>
@@ -5717,7 +6158,7 @@
               <a:defRPr/>
             </a:pPr>
             <a:r>
-              <a:rPr lang="en-US" smtClean="0"/>
+              <a:rPr lang="en-US"/>
               <a:t>Chef Software, Inc.</a:t>
             </a:r>
             <a:endParaRPr lang="en-US" dirty="0"/>
@@ -5782,11 +6223,11 @@
           <a:lstStyle/>
           <a:p>
             <a:r>
-              <a:rPr lang="en-US" dirty="0" smtClean="0"/>
+              <a:rPr lang="en-US" dirty="0"/>
               <a:t>Together</a:t>
             </a:r>
             <a:r>
-              <a:rPr lang="en-US" baseline="0" dirty="0" smtClean="0"/>
+              <a:rPr lang="en-US" baseline="0" dirty="0"/>
               <a:t> we will walk through refactoring the install recipe continuing to use our tests to prove that we have not caused a regression in recipes.</a:t>
             </a:r>
             <a:endParaRPr lang="en-US" dirty="0"/>
@@ -5812,10 +6253,9 @@
               <a:defRPr/>
             </a:pPr>
             <a:r>
-              <a:rPr lang="en-US" smtClean="0"/>
+              <a:rPr lang="en-US"/>
               <a:t>Chef Intermediate</a:t>
             </a:r>
-            <a:endParaRPr lang="en-US"/>
           </a:p>
         </p:txBody>
       </p:sp>
@@ -5838,7 +6278,7 @@
               <a:defRPr/>
             </a:pPr>
             <a:r>
-              <a:rPr lang="en-US" smtClean="0"/>
+              <a:rPr lang="en-US"/>
               <a:t>Chef Software, Inc.</a:t>
             </a:r>
             <a:endParaRPr lang="en-US" dirty="0"/>
@@ -5903,11 +6343,11 @@
           <a:lstStyle/>
           <a:p>
             <a:r>
-              <a:rPr lang="en-US" dirty="0" smtClean="0"/>
+              <a:rPr lang="en-US" dirty="0"/>
               <a:t>Because</a:t>
             </a:r>
             <a:r>
-              <a:rPr lang="en-US" baseline="0" dirty="0" smtClean="0"/>
+              <a:rPr lang="en-US" baseline="0" dirty="0"/>
               <a:t> we have expectations in place we can start with a change to the install recipe. Here we are replacing the package name with a node attribute that we have yet to define in the attributes file.</a:t>
             </a:r>
           </a:p>
@@ -5932,10 +6372,9 @@
               <a:defRPr/>
             </a:pPr>
             <a:r>
-              <a:rPr lang="en-US" smtClean="0"/>
+              <a:rPr lang="en-US"/>
               <a:t>Chef Intermediate</a:t>
             </a:r>
-            <a:endParaRPr lang="en-US"/>
           </a:p>
         </p:txBody>
       </p:sp>
@@ -5958,7 +6397,7 @@
               <a:defRPr/>
             </a:pPr>
             <a:r>
-              <a:rPr lang="en-US" smtClean="0"/>
+              <a:rPr lang="en-US"/>
               <a:t>Chef Software, Inc.</a:t>
             </a:r>
             <a:endParaRPr lang="en-US" dirty="0"/>
@@ -6023,19 +6462,19 @@
           <a:lstStyle/>
           <a:p>
             <a:r>
-              <a:rPr lang="en-US" dirty="0" smtClean="0"/>
+              <a:rPr lang="en-US" dirty="0"/>
               <a:t>We</a:t>
             </a:r>
             <a:r>
-              <a:rPr lang="en-US" baseline="0" dirty="0" smtClean="0"/>
+              <a:rPr lang="en-US" baseline="0" dirty="0"/>
               <a:t> made a change. </a:t>
             </a:r>
             <a:r>
-              <a:rPr lang="en-US" dirty="0" smtClean="0"/>
+              <a:rPr lang="en-US" dirty="0"/>
               <a:t>Before</a:t>
             </a:r>
             <a:r>
-              <a:rPr lang="en-US" baseline="0" dirty="0" smtClean="0"/>
+              <a:rPr lang="en-US" baseline="0" dirty="0"/>
               <a:t> we define the node attribute we should run the tests.</a:t>
             </a:r>
             <a:endParaRPr lang="en-US" dirty="0"/>
@@ -6061,10 +6500,9 @@
               <a:defRPr/>
             </a:pPr>
             <a:r>
-              <a:rPr lang="en-US" smtClean="0"/>
+              <a:rPr lang="en-US"/>
               <a:t>Chef Intermediate</a:t>
             </a:r>
-            <a:endParaRPr lang="en-US"/>
           </a:p>
         </p:txBody>
       </p:sp>
@@ -6087,7 +6525,7 @@
               <a:defRPr/>
             </a:pPr>
             <a:r>
-              <a:rPr lang="en-US" smtClean="0"/>
+              <a:rPr lang="en-US"/>
               <a:t>Chef Software, Inc.</a:t>
             </a:r>
             <a:endParaRPr lang="en-US" dirty="0"/>
@@ -6152,19 +6590,19 @@
           <a:lstStyle/>
           <a:p>
             <a:r>
-              <a:rPr lang="en-US" dirty="0" smtClean="0"/>
+              <a:rPr lang="en-US" dirty="0"/>
               <a:t>When executin</a:t>
             </a:r>
             <a:r>
-              <a:rPr lang="en-US" baseline="0" dirty="0" smtClean="0"/>
+              <a:rPr lang="en-US" baseline="0" dirty="0"/>
               <a:t>g '</a:t>
             </a:r>
             <a:r>
-              <a:rPr lang="en-US" baseline="0" dirty="0" err="1" smtClean="0"/>
+              <a:rPr lang="en-US" baseline="0" dirty="0" err="1"/>
               <a:t>rspec</a:t>
             </a:r>
             <a:r>
-              <a:rPr lang="en-US" baseline="0" dirty="0" smtClean="0"/>
+              <a:rPr lang="en-US" baseline="0" dirty="0"/>
               <a:t>' against all the examples that we have defined we see a large number of failures. The failure summary will show us that the chef run failed with an error. This error is informing us that we attempted to retrieve an attribute from the node object that does not exist. All of the failures should be the same.</a:t>
             </a:r>
             <a:endParaRPr lang="en-US" dirty="0"/>
@@ -6190,10 +6628,9 @@
               <a:defRPr/>
             </a:pPr>
             <a:r>
-              <a:rPr lang="en-US" smtClean="0"/>
+              <a:rPr lang="en-US"/>
               <a:t>Chef Intermediate</a:t>
             </a:r>
-            <a:endParaRPr lang="en-US"/>
           </a:p>
         </p:txBody>
       </p:sp>
@@ -6216,7 +6653,7 @@
               <a:defRPr/>
             </a:pPr>
             <a:r>
-              <a:rPr lang="en-US" smtClean="0"/>
+              <a:rPr lang="en-US"/>
               <a:t>Chef Software, Inc.</a:t>
             </a:r>
             <a:endParaRPr lang="en-US" dirty="0"/>
@@ -6299,7 +6736,7 @@
           </a:lstStyle>
           <a:p>
             <a:r>
-              <a:rPr lang="en-US" smtClean="0"/>
+              <a:rPr lang="en-US"/>
               <a:t>Click to edit Master title style</a:t>
             </a:r>
             <a:endParaRPr lang="en-US" dirty="0"/>
@@ -6357,7 +6794,7 @@
           <a:p>
             <a:pPr lvl="0"/>
             <a:r>
-              <a:rPr lang="en-US" smtClean="0"/>
+              <a:rPr lang="en-US"/>
               <a:t>Click to edit Master text styles</a:t>
             </a:r>
           </a:p>
@@ -6439,7 +6876,7 @@
           </a:lstStyle>
           <a:p>
             <a:r>
-              <a:rPr lang="en-US" smtClean="0"/>
+              <a:rPr lang="en-US"/>
               <a:t>Click to edit Master title style</a:t>
             </a:r>
             <a:endParaRPr lang="en-US" dirty="0"/>
@@ -6497,7 +6934,7 @@
           <a:p>
             <a:pPr lvl="0"/>
             <a:r>
-              <a:rPr lang="en-US" dirty="0" smtClean="0"/>
+              <a:rPr lang="en-US" dirty="0"/>
               <a:t>source code</a:t>
             </a:r>
           </a:p>
@@ -6543,28 +6980,28 @@
           <a:p>
             <a:pPr lvl="0"/>
             <a:r>
-              <a:rPr lang="en-US" smtClean="0"/>
+              <a:rPr lang="en-US"/>
               <a:t>Click to edit Master text styles</a:t>
             </a:r>
           </a:p>
           <a:p>
             <a:pPr lvl="1"/>
             <a:r>
-              <a:rPr lang="en-US" smtClean="0"/>
+              <a:rPr lang="en-US"/>
               <a:t>Second level</a:t>
             </a:r>
           </a:p>
           <a:p>
             <a:pPr lvl="2"/>
             <a:r>
-              <a:rPr lang="en-US" smtClean="0"/>
+              <a:rPr lang="en-US"/>
               <a:t>Third level</a:t>
             </a:r>
           </a:p>
           <a:p>
             <a:pPr lvl="3"/>
             <a:r>
-              <a:rPr lang="en-US" smtClean="0"/>
+              <a:rPr lang="en-US"/>
               <a:t>Fourth level</a:t>
             </a:r>
           </a:p>
@@ -6608,7 +7045,7 @@
           <a:p>
             <a:pPr lvl="0"/>
             <a:r>
-              <a:rPr lang="en-US" dirty="0" smtClean="0"/>
+              <a:rPr lang="en-US" dirty="0"/>
               <a:t>-</a:t>
             </a:r>
           </a:p>
@@ -6652,7 +7089,7 @@
           <a:p>
             <a:pPr lvl="0"/>
             <a:r>
-              <a:rPr lang="en-US" dirty="0" smtClean="0"/>
+              <a:rPr lang="en-US" dirty="0"/>
               <a:t>+</a:t>
             </a:r>
           </a:p>
@@ -6801,14 +7238,14 @@
           </a:ln>
           <a:extLst>
             <a:ext uri="{909E8E84-426E-40dd-AFC4-6F175D3DCCD1}">
-              <a14:hiddenFill xmlns:a14="http://schemas.microsoft.com/office/drawing/2010/main" xmlns="">
+              <a14:hiddenFill xmlns="" xmlns:a14="http://schemas.microsoft.com/office/drawing/2010/main">
                 <a:solidFill>
                   <a:srgbClr val="FFFFFF"/>
                 </a:solidFill>
               </a14:hiddenFill>
             </a:ext>
             <a:ext uri="{91240B29-F687-4f45-9708-019B960494DF}">
-              <a14:hiddenLine xmlns:a14="http://schemas.microsoft.com/office/drawing/2010/main" xmlns="" w="9525">
+              <a14:hiddenLine xmlns="" xmlns:a14="http://schemas.microsoft.com/office/drawing/2010/main" w="9525">
                 <a:solidFill>
                   <a:srgbClr val="000000"/>
                 </a:solidFill>
@@ -6956,14 +7393,14 @@
           </a:ln>
           <a:extLst>
             <a:ext uri="{909E8E84-426E-40dd-AFC4-6F175D3DCCD1}">
-              <a14:hiddenFill xmlns:a14="http://schemas.microsoft.com/office/drawing/2010/main" xmlns="">
+              <a14:hiddenFill xmlns="" xmlns:a14="http://schemas.microsoft.com/office/drawing/2010/main">
                 <a:solidFill>
                   <a:srgbClr val="FFFFFF"/>
                 </a:solidFill>
               </a14:hiddenFill>
             </a:ext>
             <a:ext uri="{91240B29-F687-4f45-9708-019B960494DF}">
-              <a14:hiddenLine xmlns:a14="http://schemas.microsoft.com/office/drawing/2010/main" xmlns="" w="9525">
+              <a14:hiddenLine xmlns="" xmlns:a14="http://schemas.microsoft.com/office/drawing/2010/main" w="9525">
                 <a:solidFill>
                   <a:srgbClr val="000000"/>
                 </a:solidFill>
@@ -7191,21 +7628,21 @@
           <a:p>
             <a:pPr lvl="0"/>
             <a:r>
-              <a:rPr lang="en-US" smtClean="0"/>
+              <a:rPr lang="en-US"/>
               <a:t>Click to edit Master text styles</a:t>
             </a:r>
           </a:p>
           <a:p>
             <a:pPr lvl="1"/>
             <a:r>
-              <a:rPr lang="en-US" smtClean="0"/>
+              <a:rPr lang="en-US"/>
               <a:t>Second level</a:t>
             </a:r>
           </a:p>
           <a:p>
             <a:pPr lvl="2"/>
             <a:r>
-              <a:rPr lang="en-US" smtClean="0"/>
+              <a:rPr lang="en-US"/>
               <a:t>Third level</a:t>
             </a:r>
           </a:p>
@@ -7251,21 +7688,21 @@
           <a:p>
             <a:pPr lvl="0"/>
             <a:r>
-              <a:rPr lang="en-US" smtClean="0"/>
+              <a:rPr lang="en-US"/>
               <a:t>Click to edit Master text styles</a:t>
             </a:r>
           </a:p>
           <a:p>
             <a:pPr lvl="1"/>
             <a:r>
-              <a:rPr lang="en-US" smtClean="0"/>
+              <a:rPr lang="en-US"/>
               <a:t>Second level</a:t>
             </a:r>
           </a:p>
           <a:p>
             <a:pPr lvl="2"/>
             <a:r>
-              <a:rPr lang="en-US" smtClean="0"/>
+              <a:rPr lang="en-US"/>
               <a:t>Third level</a:t>
             </a:r>
           </a:p>
@@ -7305,7 +7742,7 @@
           <a:p>
             <a:pPr lvl="0"/>
             <a:r>
-              <a:rPr lang="en-US" dirty="0" smtClean="0"/>
+              <a:rPr lang="en-US" dirty="0"/>
               <a:t>A</a:t>
             </a:r>
           </a:p>
@@ -7345,7 +7782,7 @@
           <a:p>
             <a:pPr lvl="0"/>
             <a:r>
-              <a:rPr lang="en-US" dirty="0" smtClean="0"/>
+              <a:rPr lang="en-US" dirty="0"/>
               <a:t>B</a:t>
             </a:r>
           </a:p>
@@ -7454,14 +7891,14 @@
           </a:ln>
           <a:extLst>
             <a:ext uri="{909E8E84-426E-40dd-AFC4-6F175D3DCCD1}">
-              <a14:hiddenFill xmlns:a14="http://schemas.microsoft.com/office/drawing/2010/main" xmlns="">
+              <a14:hiddenFill xmlns="" xmlns:a14="http://schemas.microsoft.com/office/drawing/2010/main">
                 <a:solidFill>
                   <a:srgbClr val="FFFFFF"/>
                 </a:solidFill>
               </a14:hiddenFill>
             </a:ext>
             <a:ext uri="{91240B29-F687-4f45-9708-019B960494DF}">
-              <a14:hiddenLine xmlns:a14="http://schemas.microsoft.com/office/drawing/2010/main" xmlns="" w="9525">
+              <a14:hiddenLine xmlns="" xmlns:a14="http://schemas.microsoft.com/office/drawing/2010/main" w="9525">
                 <a:solidFill>
                   <a:srgbClr val="000000"/>
                 </a:solidFill>
@@ -7624,10 +8061,9 @@
           </a:lstStyle>
           <a:p>
             <a:r>
-              <a:rPr lang="en-US" dirty="0" smtClean="0"/>
+              <a:rPr lang="en-US" dirty="0"/>
               <a:t>Motivation</a:t>
             </a:r>
-            <a:endParaRPr lang="en-US" dirty="0"/>
           </a:p>
         </p:txBody>
       </p:sp>
@@ -7754,7 +8190,7 @@
           </a:lstStyle>
           <a:p>
             <a:r>
-              <a:rPr lang="en-US" dirty="0" smtClean="0"/>
+              <a:rPr lang="en-US" dirty="0"/>
               <a:t>Click to edit Master subtitle style</a:t>
             </a:r>
           </a:p>
@@ -7911,10 +8347,9 @@
           </a:lstStyle>
           <a:p>
             <a:r>
-              <a:rPr lang="en-US" dirty="0" smtClean="0"/>
+              <a:rPr lang="en-US" dirty="0"/>
               <a:t>Problem</a:t>
             </a:r>
-            <a:endParaRPr lang="en-US" dirty="0"/>
           </a:p>
         </p:txBody>
       </p:sp>
@@ -8041,7 +8476,7 @@
           </a:lstStyle>
           <a:p>
             <a:r>
-              <a:rPr lang="en-US" dirty="0" smtClean="0"/>
+              <a:rPr lang="en-US" dirty="0"/>
               <a:t>Click to edit Master subtitle style</a:t>
             </a:r>
           </a:p>
@@ -8114,7 +8549,7 @@
               <a:defRPr/>
             </a:pPr>
             <a:r>
-              <a:rPr lang="en-US" sz="16933" dirty="0" smtClean="0">
+              <a:rPr lang="en-US" sz="16933" dirty="0">
                 <a:ln w="18415" cmpd="sng">
                   <a:solidFill>
                     <a:srgbClr val="FFFFFF"/>
@@ -8133,23 +8568,6 @@
               </a:rPr>
               <a:t>REFERENCE</a:t>
             </a:r>
-            <a:endParaRPr lang="en-US" sz="16933" dirty="0">
-              <a:ln w="18415" cmpd="sng">
-                <a:solidFill>
-                  <a:srgbClr val="FFFFFF"/>
-                </a:solidFill>
-                <a:prstDash val="solid"/>
-              </a:ln>
-              <a:solidFill>
-                <a:schemeClr val="bg2">
-                  <a:lumMod val="95000"/>
-                  <a:alpha val="50000"/>
-                </a:schemeClr>
-              </a:solidFill>
-              <a:latin typeface="+mn-lt"/>
-              <a:ea typeface="+mn-ea"/>
-              <a:cs typeface="+mn-cs"/>
-            </a:endParaRPr>
           </a:p>
         </p:txBody>
       </p:sp>
@@ -8215,10 +8633,9 @@
           </a:lstStyle>
           <a:p>
             <a:r>
-              <a:rPr lang="en-US" dirty="0" smtClean="0"/>
+              <a:rPr lang="en-US" dirty="0"/>
               <a:t>Documentation</a:t>
             </a:r>
-            <a:endParaRPr lang="en-US" dirty="0"/>
           </a:p>
         </p:txBody>
       </p:sp>
@@ -8345,7 +8762,7 @@
           </a:lstStyle>
           <a:p>
             <a:r>
-              <a:rPr lang="en-US" dirty="0" smtClean="0"/>
+              <a:rPr lang="en-US" dirty="0"/>
               <a:t>Click to edit Master subtitle style</a:t>
             </a:r>
           </a:p>
@@ -8385,14 +8802,14 @@
           <a:p>
             <a:pPr lvl="0"/>
             <a:r>
-              <a:rPr lang="en-US" dirty="0" smtClean="0"/>
+              <a:rPr lang="en-US" dirty="0"/>
               <a:t>http://</a:t>
             </a:r>
             <a:r>
-              <a:rPr lang="en-US" dirty="0" err="1" smtClean="0"/>
+              <a:rPr lang="en-US" dirty="0" err="1"/>
               <a:t>docs.chef.io</a:t>
             </a:r>
-            <a:endParaRPr lang="en-US" dirty="0" smtClean="0"/>
+            <a:endParaRPr lang="en-US" dirty="0"/>
           </a:p>
         </p:txBody>
       </p:sp>
@@ -8547,10 +8964,9 @@
           </a:lstStyle>
           <a:p>
             <a:r>
-              <a:rPr lang="en-US" dirty="0" smtClean="0"/>
+              <a:rPr lang="en-US" dirty="0"/>
               <a:t>Concept</a:t>
             </a:r>
-            <a:endParaRPr lang="en-US" dirty="0"/>
           </a:p>
         </p:txBody>
       </p:sp>
@@ -8677,7 +9093,7 @@
           </a:lstStyle>
           <a:p>
             <a:r>
-              <a:rPr lang="en-US" dirty="0" smtClean="0"/>
+              <a:rPr lang="en-US" dirty="0"/>
               <a:t>Click to edit Master subtitle style</a:t>
             </a:r>
           </a:p>
@@ -8834,10 +9250,9 @@
           </a:lstStyle>
           <a:p>
             <a:r>
-              <a:rPr lang="en-US" dirty="0" smtClean="0"/>
+              <a:rPr lang="en-US" dirty="0"/>
               <a:t>Group Exercise</a:t>
             </a:r>
-            <a:endParaRPr lang="en-US" dirty="0"/>
           </a:p>
         </p:txBody>
       </p:sp>
@@ -8882,7 +9297,7 @@
           <a:p>
             <a:pPr lvl="0"/>
             <a:r>
-              <a:rPr lang="en-US" dirty="0" smtClean="0"/>
+              <a:rPr lang="en-US" dirty="0"/>
               <a:t>Click to edit Master text styles</a:t>
             </a:r>
           </a:p>
@@ -8910,14 +9325,14 @@
           </a:ln>
           <a:extLst>
             <a:ext uri="{909E8E84-426E-40dd-AFC4-6F175D3DCCD1}">
-              <a14:hiddenFill xmlns:a14="http://schemas.microsoft.com/office/drawing/2010/main" xmlns="">
+              <a14:hiddenFill xmlns="" xmlns:a14="http://schemas.microsoft.com/office/drawing/2010/main">
                 <a:solidFill>
                   <a:srgbClr val="FFFFFF"/>
                 </a:solidFill>
               </a14:hiddenFill>
             </a:ext>
             <a:ext uri="{91240B29-F687-4f45-9708-019B960494DF}">
-              <a14:hiddenLine xmlns:a14="http://schemas.microsoft.com/office/drawing/2010/main" xmlns="" w="9525">
+              <a14:hiddenLine xmlns="" xmlns:a14="http://schemas.microsoft.com/office/drawing/2010/main" w="9525">
                 <a:solidFill>
                   <a:srgbClr val="000000"/>
                 </a:solidFill>
@@ -9077,28 +9492,28 @@
           <a:p>
             <a:pPr lvl="0"/>
             <a:r>
-              <a:rPr lang="en-US" dirty="0" smtClean="0"/>
+              <a:rPr lang="en-US" dirty="0"/>
               <a:t>Click to edit Master text styles</a:t>
             </a:r>
           </a:p>
           <a:p>
             <a:pPr lvl="1"/>
             <a:r>
-              <a:rPr lang="en-US" dirty="0" smtClean="0"/>
+              <a:rPr lang="en-US" dirty="0"/>
               <a:t>Second level</a:t>
             </a:r>
           </a:p>
           <a:p>
             <a:pPr lvl="2"/>
             <a:r>
-              <a:rPr lang="en-US" dirty="0" smtClean="0"/>
+              <a:rPr lang="en-US" dirty="0"/>
               <a:t>Third level</a:t>
             </a:r>
           </a:p>
           <a:p>
             <a:pPr lvl="3"/>
             <a:r>
-              <a:rPr lang="en-US" dirty="0" smtClean="0"/>
+              <a:rPr lang="en-US" dirty="0"/>
               <a:t>Fourth level</a:t>
             </a:r>
           </a:p>
@@ -9255,10 +9670,9 @@
           </a:lstStyle>
           <a:p>
             <a:r>
-              <a:rPr lang="en-US" dirty="0" smtClean="0"/>
+              <a:rPr lang="en-US" dirty="0"/>
               <a:t>Lab</a:t>
             </a:r>
-            <a:endParaRPr lang="en-US" dirty="0"/>
           </a:p>
         </p:txBody>
       </p:sp>
@@ -9386,7 +9800,7 @@
           </a:lstStyle>
           <a:p>
             <a:r>
-              <a:rPr lang="en-US" dirty="0" smtClean="0"/>
+              <a:rPr lang="en-US" dirty="0"/>
               <a:t>Click to edit Master subtitle style</a:t>
             </a:r>
           </a:p>
@@ -9543,10 +9957,9 @@
           </a:lstStyle>
           <a:p>
             <a:r>
-              <a:rPr lang="en-US" dirty="0" smtClean="0"/>
+              <a:rPr lang="en-US" dirty="0"/>
               <a:t>Commit</a:t>
             </a:r>
-            <a:endParaRPr lang="en-US" dirty="0"/>
           </a:p>
         </p:txBody>
       </p:sp>
@@ -9675,30 +10088,30 @@
           </a:lstStyle>
           <a:p>
             <a:r>
-              <a:rPr lang="en-US" dirty="0" smtClean="0"/>
+              <a:rPr lang="en-US" dirty="0"/>
               <a:t>$ cd repo</a:t>
             </a:r>
           </a:p>
           <a:p>
             <a:r>
-              <a:rPr lang="en-US" dirty="0" smtClean="0"/>
+              <a:rPr lang="en-US" dirty="0"/>
               <a:t>$ git </a:t>
             </a:r>
             <a:r>
-              <a:rPr lang="en-US" dirty="0" err="1" smtClean="0"/>
+              <a:rPr lang="en-US" dirty="0" err="1"/>
               <a:t>init</a:t>
             </a:r>
-            <a:endParaRPr lang="en-US" dirty="0" smtClean="0"/>
-          </a:p>
-          <a:p>
-            <a:r>
-              <a:rPr lang="en-US" dirty="0" smtClean="0"/>
+            <a:endParaRPr lang="en-US" dirty="0"/>
+          </a:p>
+          <a:p>
+            <a:r>
+              <a:rPr lang="en-US" dirty="0"/>
               <a:t>$ git add .</a:t>
             </a:r>
           </a:p>
           <a:p>
             <a:r>
-              <a:rPr lang="en-US" dirty="0" smtClean="0"/>
+              <a:rPr lang="en-US" dirty="0"/>
               <a:t>$ git commit -m "Work Complete"</a:t>
             </a:r>
           </a:p>
@@ -9769,7 +10182,7 @@
           <a:lstStyle/>
           <a:p>
             <a:r>
-              <a:rPr lang="en-US" smtClean="0"/>
+              <a:rPr lang="en-US"/>
               <a:t>Click to edit Master title style</a:t>
             </a:r>
             <a:endParaRPr lang="en-US" dirty="0"/>
@@ -9861,21 +10274,21 @@
           <a:p>
             <a:pPr lvl="0"/>
             <a:r>
-              <a:rPr lang="en-US" smtClean="0"/>
+              <a:rPr lang="en-US"/>
               <a:t>Click to edit Master text styles</a:t>
             </a:r>
           </a:p>
           <a:p>
             <a:pPr lvl="1"/>
             <a:r>
-              <a:rPr lang="en-US" smtClean="0"/>
+              <a:rPr lang="en-US"/>
               <a:t>Second level</a:t>
             </a:r>
           </a:p>
           <a:p>
             <a:pPr lvl="2"/>
             <a:r>
-              <a:rPr lang="en-US" smtClean="0"/>
+              <a:rPr lang="en-US"/>
               <a:t>Third level</a:t>
             </a:r>
           </a:p>
@@ -9948,7 +10361,7 @@
               <a:defRPr/>
             </a:pPr>
             <a:r>
-              <a:rPr lang="en-US" sz="16933" dirty="0" smtClean="0">
+              <a:rPr lang="en-US" sz="16933" dirty="0">
                 <a:ln w="18415" cmpd="sng">
                   <a:solidFill>
                     <a:srgbClr val="FFFFFF"/>
@@ -9967,23 +10380,6 @@
               </a:rPr>
               <a:t>DISCUSSION</a:t>
             </a:r>
-            <a:endParaRPr lang="en-US" sz="16933" dirty="0">
-              <a:ln w="18415" cmpd="sng">
-                <a:solidFill>
-                  <a:srgbClr val="FFFFFF"/>
-                </a:solidFill>
-                <a:prstDash val="solid"/>
-              </a:ln>
-              <a:solidFill>
-                <a:schemeClr val="bg2">
-                  <a:lumMod val="95000"/>
-                  <a:alpha val="50000"/>
-                </a:schemeClr>
-              </a:solidFill>
-              <a:latin typeface="+mn-lt"/>
-              <a:ea typeface="+mn-ea"/>
-              <a:cs typeface="+mn-cs"/>
-            </a:endParaRPr>
           </a:p>
         </p:txBody>
       </p:sp>
@@ -10049,10 +10445,9 @@
           </a:lstStyle>
           <a:p>
             <a:r>
-              <a:rPr lang="en-US" dirty="0" smtClean="0"/>
+              <a:rPr lang="en-US" dirty="0"/>
               <a:t>Discussion</a:t>
             </a:r>
-            <a:endParaRPr lang="en-US" dirty="0"/>
           </a:p>
         </p:txBody>
       </p:sp>
@@ -10179,7 +10574,7 @@
           </a:lstStyle>
           <a:p>
             <a:r>
-              <a:rPr lang="en-US" dirty="0" smtClean="0"/>
+              <a:rPr lang="en-US" dirty="0"/>
               <a:t>Questions</a:t>
             </a:r>
           </a:p>
@@ -10271,14 +10666,14 @@
           </a:ln>
           <a:extLst>
             <a:ext uri="{909E8E84-426E-40dd-AFC4-6F175D3DCCD1}">
-              <a14:hiddenFill xmlns:a14="http://schemas.microsoft.com/office/drawing/2010/main" xmlns="">
+              <a14:hiddenFill xmlns="" xmlns:a14="http://schemas.microsoft.com/office/drawing/2010/main">
                 <a:solidFill>
                   <a:srgbClr val="FFFFFF"/>
                 </a:solidFill>
               </a14:hiddenFill>
             </a:ext>
             <a:ext uri="{91240B29-F687-4f45-9708-019B960494DF}">
-              <a14:hiddenLine xmlns:a14="http://schemas.microsoft.com/office/drawing/2010/main" xmlns="" w="9525">
+              <a14:hiddenLine xmlns="" xmlns:a14="http://schemas.microsoft.com/office/drawing/2010/main" w="9525">
                 <a:solidFill>
                   <a:srgbClr val="000000"/>
                 </a:solidFill>
@@ -10410,7 +10805,7 @@
           <a:p>
             <a:pPr lvl="0"/>
             <a:r>
-              <a:rPr lang="en-US" dirty="0" smtClean="0"/>
+              <a:rPr lang="en-US" dirty="0"/>
               <a:t>RESULT</a:t>
             </a:r>
           </a:p>
@@ -10457,7 +10852,7 @@
           <a:p>
             <a:pPr lvl="0"/>
             <a:r>
-              <a:rPr lang="en-US" dirty="0" smtClean="0"/>
+              <a:rPr lang="en-US" dirty="0"/>
               <a:t>&gt; command</a:t>
             </a:r>
           </a:p>
@@ -10509,7 +10904,7 @@
           <a:p>
             <a:pPr lvl="0"/>
             <a:r>
-              <a:rPr lang="en-US" dirty="0" smtClean="0"/>
+              <a:rPr lang="en-US" dirty="0"/>
               <a:t> </a:t>
             </a:r>
           </a:p>
@@ -10537,7 +10932,7 @@
           </a:lstStyle>
           <a:p>
             <a:r>
-              <a:rPr lang="en-US" smtClean="0"/>
+              <a:rPr lang="en-US"/>
               <a:t>Click to edit Master title style</a:t>
             </a:r>
             <a:endParaRPr lang="en-US" dirty="0"/>
@@ -10620,7 +11015,7 @@
           </a:lstStyle>
           <a:p>
             <a:r>
-              <a:rPr lang="en-US" smtClean="0"/>
+              <a:rPr lang="en-US"/>
               <a:t>Click to edit Master title style</a:t>
             </a:r>
             <a:endParaRPr lang="en-US" dirty="0"/>
@@ -10684,7 +11079,7 @@
           <a:p>
             <a:pPr lvl="0"/>
             <a:r>
-              <a:rPr lang="en-US" dirty="0" smtClean="0"/>
+              <a:rPr lang="en-US" dirty="0"/>
               <a:t>command or result</a:t>
             </a:r>
           </a:p>
@@ -10730,21 +11125,21 @@
           <a:p>
             <a:pPr lvl="0"/>
             <a:r>
-              <a:rPr lang="en-US" smtClean="0"/>
+              <a:rPr lang="en-US"/>
               <a:t>Click to edit Master text styles</a:t>
             </a:r>
           </a:p>
           <a:p>
             <a:pPr lvl="1"/>
             <a:r>
-              <a:rPr lang="en-US" smtClean="0"/>
+              <a:rPr lang="en-US"/>
               <a:t>Second level</a:t>
             </a:r>
           </a:p>
           <a:p>
             <a:pPr lvl="2"/>
             <a:r>
-              <a:rPr lang="en-US" smtClean="0"/>
+              <a:rPr lang="en-US"/>
               <a:t>Third level</a:t>
             </a:r>
           </a:p>
@@ -10836,14 +11231,14 @@
           </a:ln>
           <a:extLst>
             <a:ext uri="{909E8E84-426E-40dd-AFC4-6F175D3DCCD1}">
-              <a14:hiddenFill xmlns:a14="http://schemas.microsoft.com/office/drawing/2010/main" xmlns="">
+              <a14:hiddenFill xmlns="" xmlns:a14="http://schemas.microsoft.com/office/drawing/2010/main">
                 <a:solidFill>
                   <a:srgbClr val="FFFFFF"/>
                 </a:solidFill>
               </a14:hiddenFill>
             </a:ext>
             <a:ext uri="{91240B29-F687-4f45-9708-019B960494DF}">
-              <a14:hiddenLine xmlns:a14="http://schemas.microsoft.com/office/drawing/2010/main" xmlns="" w="9525">
+              <a14:hiddenLine xmlns="" xmlns:a14="http://schemas.microsoft.com/office/drawing/2010/main" w="9525">
                 <a:solidFill>
                   <a:srgbClr val="000000"/>
                 </a:solidFill>
@@ -10915,7 +11310,7 @@
           </a:lstStyle>
           <a:p>
             <a:r>
-              <a:rPr lang="en-US" smtClean="0"/>
+              <a:rPr lang="en-US"/>
               <a:t>Click to edit Master title style</a:t>
             </a:r>
             <a:endParaRPr lang="en-US" dirty="0"/>
@@ -11009,7 +11404,7 @@
           <a:p>
             <a:pPr lvl="0"/>
             <a:r>
-              <a:rPr lang="en-US" dirty="0" smtClean="0"/>
+              <a:rPr lang="en-US" dirty="0"/>
               <a:t>RESULT</a:t>
             </a:r>
           </a:p>
@@ -11058,7 +11453,7 @@
           <a:p>
             <a:pPr lvl="0"/>
             <a:r>
-              <a:rPr lang="en-US" dirty="0" smtClean="0"/>
+              <a:rPr lang="en-US" dirty="0"/>
               <a:t>&gt; command</a:t>
             </a:r>
           </a:p>
@@ -11110,7 +11505,7 @@
           <a:p>
             <a:pPr lvl="0"/>
             <a:r>
-              <a:rPr lang="en-US" dirty="0" smtClean="0"/>
+              <a:rPr lang="en-US" dirty="0"/>
               <a:t> </a:t>
             </a:r>
           </a:p>
@@ -11192,7 +11587,7 @@
           </a:lstStyle>
           <a:p>
             <a:r>
-              <a:rPr lang="en-US" smtClean="0"/>
+              <a:rPr lang="en-US"/>
               <a:t>Click to edit Master title style</a:t>
             </a:r>
             <a:endParaRPr lang="en-US" dirty="0"/>
@@ -11258,7 +11653,7 @@
           <a:p>
             <a:pPr lvl="0"/>
             <a:r>
-              <a:rPr lang="en-US" dirty="0" smtClean="0"/>
+              <a:rPr lang="en-US" dirty="0"/>
               <a:t>command or result</a:t>
             </a:r>
           </a:p>
@@ -11304,21 +11699,21 @@
           <a:p>
             <a:pPr lvl="0"/>
             <a:r>
-              <a:rPr lang="en-US" smtClean="0"/>
+              <a:rPr lang="en-US"/>
               <a:t>Click to edit Master text styles</a:t>
             </a:r>
           </a:p>
           <a:p>
             <a:pPr lvl="1"/>
             <a:r>
-              <a:rPr lang="en-US" smtClean="0"/>
+              <a:rPr lang="en-US"/>
               <a:t>Second level</a:t>
             </a:r>
           </a:p>
           <a:p>
             <a:pPr lvl="2"/>
             <a:r>
-              <a:rPr lang="en-US" smtClean="0"/>
+              <a:rPr lang="en-US"/>
               <a:t>Third level</a:t>
             </a:r>
           </a:p>
@@ -11410,14 +11805,14 @@
           </a:ln>
           <a:extLst>
             <a:ext uri="{909E8E84-426E-40dd-AFC4-6F175D3DCCD1}">
-              <a14:hiddenFill xmlns:a14="http://schemas.microsoft.com/office/drawing/2010/main" xmlns="">
+              <a14:hiddenFill xmlns="" xmlns:a14="http://schemas.microsoft.com/office/drawing/2010/main">
                 <a:solidFill>
                   <a:srgbClr val="FFFFFF"/>
                 </a:solidFill>
               </a14:hiddenFill>
             </a:ext>
             <a:ext uri="{91240B29-F687-4f45-9708-019B960494DF}">
-              <a14:hiddenLine xmlns:a14="http://schemas.microsoft.com/office/drawing/2010/main" xmlns="" w="9525">
+              <a14:hiddenLine xmlns="" xmlns:a14="http://schemas.microsoft.com/office/drawing/2010/main" w="9525">
                 <a:solidFill>
                   <a:srgbClr val="000000"/>
                 </a:solidFill>
@@ -11454,7 +11849,7 @@
           </a:lstStyle>
           <a:p>
             <a:r>
-              <a:rPr lang="en-US" smtClean="0"/>
+              <a:rPr lang="en-US"/>
               <a:t>Click to edit Master title style</a:t>
             </a:r>
             <a:endParaRPr lang="en-US" dirty="0"/>
@@ -11524,7 +11919,7 @@
           <a:p>
             <a:pPr lvl="0"/>
             <a:r>
-              <a:rPr lang="en-US" dirty="0" smtClean="0"/>
+              <a:rPr lang="en-US" dirty="0"/>
               <a:t>SOURCE</a:t>
             </a:r>
           </a:p>
@@ -11568,22 +11963,22 @@
           <a:p>
             <a:pPr lvl="0"/>
             <a:r>
-              <a:rPr lang="en-US" dirty="0" smtClean="0"/>
+              <a:rPr lang="en-US" dirty="0"/>
               <a:t>/</a:t>
             </a:r>
             <a:r>
-              <a:rPr lang="en-US" dirty="0" err="1" smtClean="0"/>
+              <a:rPr lang="en-US" dirty="0" err="1"/>
               <a:t>filepath</a:t>
             </a:r>
             <a:r>
-              <a:rPr lang="en-US" dirty="0" smtClean="0"/>
+              <a:rPr lang="en-US" dirty="0"/>
               <a:t>/</a:t>
             </a:r>
             <a:r>
-              <a:rPr lang="en-US" dirty="0" err="1" smtClean="0"/>
+              <a:rPr lang="en-US" dirty="0" err="1"/>
               <a:t>file.rb</a:t>
             </a:r>
-            <a:endParaRPr lang="en-US" dirty="0" smtClean="0"/>
+            <a:endParaRPr lang="en-US" dirty="0"/>
           </a:p>
         </p:txBody>
       </p:sp>
@@ -11625,7 +12020,7 @@
           <a:p>
             <a:pPr lvl="0"/>
             <a:r>
-              <a:rPr lang="en-US" dirty="0" smtClean="0"/>
+              <a:rPr lang="en-US" dirty="0"/>
               <a:t>-</a:t>
             </a:r>
           </a:p>
@@ -11669,7 +12064,7 @@
           <a:p>
             <a:pPr lvl="0"/>
             <a:r>
-              <a:rPr lang="en-US" dirty="0" smtClean="0"/>
+              <a:rPr lang="en-US" dirty="0"/>
               <a:t>+</a:t>
             </a:r>
           </a:p>
@@ -11751,7 +12146,7 @@
           </a:lstStyle>
           <a:p>
             <a:r>
-              <a:rPr lang="en-US" smtClean="0"/>
+              <a:rPr lang="en-US"/>
               <a:t>Click to edit Master title style</a:t>
             </a:r>
             <a:endParaRPr lang="en-US" dirty="0"/>
@@ -11809,7 +12204,7 @@
           <a:p>
             <a:pPr lvl="0"/>
             <a:r>
-              <a:rPr lang="en-US" dirty="0" smtClean="0"/>
+              <a:rPr lang="en-US" dirty="0"/>
               <a:t>source code without a file</a:t>
             </a:r>
           </a:p>
@@ -11853,7 +12248,7 @@
           <a:p>
             <a:pPr lvl="0"/>
             <a:r>
-              <a:rPr lang="en-US" dirty="0" smtClean="0"/>
+              <a:rPr lang="en-US" dirty="0"/>
               <a:t>-</a:t>
             </a:r>
           </a:p>
@@ -11897,7 +12292,7 @@
           <a:p>
             <a:pPr lvl="0"/>
             <a:r>
-              <a:rPr lang="en-US" dirty="0" smtClean="0"/>
+              <a:rPr lang="en-US" dirty="0"/>
               <a:t>+</a:t>
             </a:r>
           </a:p>
@@ -11979,7 +12374,7 @@
           </a:lstStyle>
           <a:p>
             <a:r>
-              <a:rPr lang="en-US" smtClean="0"/>
+              <a:rPr lang="en-US"/>
               <a:t>Click to edit Master title style</a:t>
             </a:r>
             <a:endParaRPr lang="en-US" dirty="0"/>
@@ -12037,7 +12432,7 @@
           <a:p>
             <a:pPr lvl="0"/>
             <a:r>
-              <a:rPr lang="en-US" dirty="0" smtClean="0"/>
+              <a:rPr lang="en-US" dirty="0"/>
               <a:t>source code</a:t>
             </a:r>
           </a:p>
@@ -12083,21 +12478,21 @@
           <a:p>
             <a:pPr lvl="0"/>
             <a:r>
-              <a:rPr lang="en-US" smtClean="0"/>
+              <a:rPr lang="en-US"/>
               <a:t>Click to edit Master text styles</a:t>
             </a:r>
           </a:p>
           <a:p>
             <a:pPr lvl="1"/>
             <a:r>
-              <a:rPr lang="en-US" smtClean="0"/>
+              <a:rPr lang="en-US"/>
               <a:t>Second level</a:t>
             </a:r>
           </a:p>
           <a:p>
             <a:pPr lvl="2"/>
             <a:r>
-              <a:rPr lang="en-US" smtClean="0"/>
+              <a:rPr lang="en-US"/>
               <a:t>Third level</a:t>
             </a:r>
           </a:p>
@@ -12141,7 +12536,7 @@
           <a:p>
             <a:pPr lvl="0"/>
             <a:r>
-              <a:rPr lang="en-US" dirty="0" smtClean="0"/>
+              <a:rPr lang="en-US" dirty="0"/>
               <a:t>-</a:t>
             </a:r>
           </a:p>
@@ -12185,7 +12580,7 @@
           <a:p>
             <a:pPr lvl="0"/>
             <a:r>
-              <a:rPr lang="en-US" dirty="0" smtClean="0"/>
+              <a:rPr lang="en-US" dirty="0"/>
               <a:t>+</a:t>
             </a:r>
           </a:p>
@@ -12268,7 +12663,7 @@
           <a:lstStyle/>
           <a:p>
             <a:r>
-              <a:rPr lang="en-CA" dirty="0" smtClean="0"/>
+              <a:rPr lang="en-CA" dirty="0"/>
               <a:t>Title Text</a:t>
             </a:r>
             <a:endParaRPr lang="en-US" dirty="0"/>
@@ -12302,21 +12697,21 @@
           <a:p>
             <a:pPr lvl="0"/>
             <a:r>
-              <a:rPr lang="en-US" dirty="0" smtClean="0"/>
+              <a:rPr lang="en-US" dirty="0"/>
               <a:t>Click to edit Master text styles</a:t>
             </a:r>
           </a:p>
           <a:p>
             <a:pPr lvl="1"/>
             <a:r>
-              <a:rPr lang="en-US" dirty="0" smtClean="0"/>
+              <a:rPr lang="en-US" dirty="0"/>
               <a:t>Second level</a:t>
             </a:r>
           </a:p>
           <a:p>
             <a:pPr lvl="2"/>
             <a:r>
-              <a:rPr lang="en-US" dirty="0" smtClean="0"/>
+              <a:rPr lang="en-US" dirty="0"/>
               <a:t>Third level</a:t>
             </a:r>
           </a:p>
@@ -12357,14 +12752,14 @@
           </a:ln>
           <a:extLst>
             <a:ext uri="{909E8E84-426E-40dd-AFC4-6F175D3DCCD1}">
-              <a14:hiddenFill xmlns:a14="http://schemas.microsoft.com/office/drawing/2010/main" xmlns="">
+              <a14:hiddenFill xmlns="" xmlns:a14="http://schemas.microsoft.com/office/drawing/2010/main">
                 <a:solidFill>
                   <a:srgbClr val="FFFFFF"/>
                 </a:solidFill>
               </a14:hiddenFill>
             </a:ext>
             <a:ext uri="{91240B29-F687-4f45-9708-019B960494DF}">
-              <a14:hiddenLine xmlns:a14="http://schemas.microsoft.com/office/drawing/2010/main" xmlns="" w="9525">
+              <a14:hiddenLine xmlns="" xmlns:a14="http://schemas.microsoft.com/office/drawing/2010/main" w="9525">
                 <a:solidFill>
                   <a:srgbClr val="000000"/>
                 </a:solidFill>
@@ -12444,7 +12839,7 @@
               <a:defRPr/>
             </a:pPr>
             <a:r>
-              <a:rPr lang="en-US" dirty="0" smtClean="0">
+              <a:rPr lang="en-US" dirty="0">
                 <a:solidFill>
                   <a:srgbClr val="7D868C"/>
                 </a:solidFill>
@@ -12455,7 +12850,7 @@
               <a:t>©</a:t>
             </a:r>
             <a:r>
-              <a:rPr lang="is-IS" dirty="0" smtClean="0">
+              <a:rPr lang="is-IS" dirty="0">
                 <a:solidFill>
                   <a:srgbClr val="7D868C"/>
                 </a:solidFill>
@@ -12466,17 +12861,6 @@
               <a:t>2017</a:t>
             </a:r>
             <a:r>
-              <a:rPr lang="en-US" dirty="0" smtClean="0">
-                <a:solidFill>
-                  <a:srgbClr val="7D868C"/>
-                </a:solidFill>
-                <a:latin typeface="+mn-lt"/>
-                <a:ea typeface="+mn-ea"/>
-                <a:cs typeface="+mn-cs"/>
-              </a:rPr>
-              <a:t> </a:t>
-            </a:r>
-            <a:r>
               <a:rPr lang="en-US" dirty="0">
                 <a:solidFill>
                   <a:srgbClr val="7D868C"/>
@@ -12485,7 +12869,7 @@
                 <a:ea typeface="+mn-ea"/>
                 <a:cs typeface="+mn-cs"/>
               </a:rPr>
-              <a:t>Chef Software Inc</a:t>
+              <a:t> Chef Software Inc</a:t>
             </a:r>
             <a:r>
               <a:rPr lang="en-US" dirty="0">
@@ -12553,18 +12937,7 @@
                 <a:ea typeface="+mn-ea"/>
                 <a:cs typeface="+mn-cs"/>
               </a:rPr>
-              <a:t>7</a:t>
-            </a:r>
-            <a:r>
-              <a:rPr lang="en-US" dirty="0" smtClean="0">
-                <a:solidFill>
-                  <a:srgbClr val="7F7F7F"/>
-                </a:solidFill>
-                <a:latin typeface="+mn-lt"/>
-                <a:ea typeface="+mn-ea"/>
-                <a:cs typeface="+mn-cs"/>
-              </a:rPr>
-              <a:t>-</a:t>
+              <a:t>7-</a:t>
             </a:r>
             <a:fld id="{F0B79B2F-E1DD-4D43-95B3-EA08C411D807}" type="slidenum">
               <a:rPr lang="en-US" smtClean="0">
@@ -12617,13 +12990,6 @@
   <p:transition spd="med">
     <p:fade/>
   </p:transition>
-  <p:timing>
-    <p:tnLst>
-      <p:par>
-        <p:cTn id="1" dur="indefinite" restart="never" nodeType="tmRoot"/>
-      </p:par>
-    </p:tnLst>
-  </p:timing>
   <p:hf hdr="0" dt="0"/>
   <p:txStyles>
     <p:titleStyle>
@@ -13106,7 +13472,7 @@
           <a:lstStyle/>
           <a:p>
             <a:r>
-              <a:rPr lang="en-CA" dirty="0" smtClean="0"/>
+              <a:rPr lang="en-CA" dirty="0"/>
               <a:t>Title Text</a:t>
             </a:r>
             <a:endParaRPr lang="en-US" dirty="0"/>
@@ -13148,14 +13514,14 @@
           </a:ln>
           <a:extLst>
             <a:ext uri="{909E8E84-426E-40dd-AFC4-6F175D3DCCD1}">
-              <a14:hiddenFill xmlns:a14="http://schemas.microsoft.com/office/drawing/2010/main" xmlns="">
+              <a14:hiddenFill xmlns="" xmlns:a14="http://schemas.microsoft.com/office/drawing/2010/main">
                 <a:solidFill>
                   <a:srgbClr val="FFFFFF"/>
                 </a:solidFill>
               </a14:hiddenFill>
             </a:ext>
             <a:ext uri="{91240B29-F687-4f45-9708-019B960494DF}">
-              <a14:hiddenLine xmlns:a14="http://schemas.microsoft.com/office/drawing/2010/main" xmlns="" w="9525">
+              <a14:hiddenLine xmlns="" xmlns:a14="http://schemas.microsoft.com/office/drawing/2010/main" w="9525">
                 <a:solidFill>
                   <a:srgbClr val="000000"/>
                 </a:solidFill>
@@ -13235,7 +13601,7 @@
               <a:defRPr/>
             </a:pPr>
             <a:r>
-              <a:rPr lang="en-US" dirty="0" smtClean="0">
+              <a:rPr lang="en-US" dirty="0">
                 <a:solidFill>
                   <a:srgbClr val="7D868C"/>
                 </a:solidFill>
@@ -13246,7 +13612,7 @@
               <a:t>©</a:t>
             </a:r>
             <a:r>
-              <a:rPr lang="is-IS" dirty="0" smtClean="0">
+              <a:rPr lang="is-IS" dirty="0">
                 <a:solidFill>
                   <a:srgbClr val="7D868C"/>
                 </a:solidFill>
@@ -13257,17 +13623,6 @@
               <a:t>2017</a:t>
             </a:r>
             <a:r>
-              <a:rPr lang="en-US" dirty="0" smtClean="0">
-                <a:solidFill>
-                  <a:srgbClr val="7D868C"/>
-                </a:solidFill>
-                <a:latin typeface="+mn-lt"/>
-                <a:ea typeface="+mn-ea"/>
-                <a:cs typeface="+mn-cs"/>
-              </a:rPr>
-              <a:t> </a:t>
-            </a:r>
-            <a:r>
               <a:rPr lang="en-US" dirty="0">
                 <a:solidFill>
                   <a:srgbClr val="7D868C"/>
@@ -13276,7 +13631,7 @@
                 <a:ea typeface="+mn-ea"/>
                 <a:cs typeface="+mn-cs"/>
               </a:rPr>
-              <a:t>Chef Software Inc</a:t>
+              <a:t> Chef Software Inc</a:t>
             </a:r>
             <a:r>
               <a:rPr lang="en-US" dirty="0">
@@ -13344,18 +13699,7 @@
                 <a:ea typeface="+mn-ea"/>
                 <a:cs typeface="+mn-cs"/>
               </a:rPr>
-              <a:t>7</a:t>
-            </a:r>
-            <a:r>
-              <a:rPr lang="en-US" dirty="0" smtClean="0">
-                <a:solidFill>
-                  <a:srgbClr val="7F7F7F"/>
-                </a:solidFill>
-                <a:latin typeface="+mn-lt"/>
-                <a:ea typeface="+mn-ea"/>
-                <a:cs typeface="+mn-cs"/>
-              </a:rPr>
-              <a:t>-</a:t>
+              <a:t>7-</a:t>
             </a:r>
             <a:fld id="{F0B79B2F-E1DD-4D43-95B3-EA08C411D807}" type="slidenum">
               <a:rPr lang="en-US" smtClean="0">
@@ -13479,13 +13823,6 @@
   <p:transition spd="med">
     <p:fade/>
   </p:transition>
-  <p:timing>
-    <p:tnLst>
-      <p:par>
-        <p:cTn id="1" dur="indefinite" restart="never" nodeType="tmRoot"/>
-      </p:par>
-    </p:tnLst>
-  </p:timing>
   <p:hf hdr="0" dt="0"/>
   <p:txStyles>
     <p:titleStyle>
@@ -13940,10 +14277,9 @@
           <a:lstStyle/>
           <a:p>
             <a:r>
-              <a:rPr lang="en-US" dirty="0" smtClean="0"/>
+              <a:rPr lang="en-US" dirty="0"/>
               <a:t>Testing While Refactoring to Attributes</a:t>
             </a:r>
-            <a:endParaRPr lang="en-US" dirty="0"/>
           </a:p>
         </p:txBody>
       </p:sp>
@@ -14038,13 +14374,6 @@
   <p:transition spd="med">
     <p:fade/>
   </p:transition>
-  <p:timing>
-    <p:tnLst>
-      <p:par>
-        <p:cTn id="1" dur="indefinite" restart="never" nodeType="tmRoot"/>
-      </p:par>
-    </p:tnLst>
-  </p:timing>
 </p:sld>
 </file>
 
@@ -14083,10 +14412,9 @@
           <a:lstStyle/>
           <a:p>
             <a:r>
-              <a:rPr lang="en-US" dirty="0" smtClean="0"/>
+              <a:rPr lang="en-US" dirty="0"/>
               <a:t>Refactor to Use Attributes</a:t>
             </a:r>
-            <a:endParaRPr lang="en-US" dirty="0"/>
           </a:p>
         </p:txBody>
       </p:sp>
@@ -14106,10 +14434,9 @@
           <a:lstStyle/>
           <a:p>
             <a:r>
-              <a:rPr lang="en-US" dirty="0" smtClean="0"/>
+              <a:rPr lang="en-US" dirty="0"/>
               <a:t>We definitely broke it! Now, let's fix it.</a:t>
             </a:r>
-            <a:endParaRPr lang="en-US" dirty="0"/>
           </a:p>
         </p:txBody>
       </p:sp>
@@ -14182,13 +14509,6 @@
   <p:transition spd="med">
     <p:fade/>
   </p:transition>
-  <p:timing>
-    <p:tnLst>
-      <p:par>
-        <p:cTn id="1" dur="indefinite" restart="never" nodeType="tmRoot"/>
-      </p:par>
-    </p:tnLst>
-  </p:timing>
 </p:sld>
 </file>
 
@@ -14235,25 +14555,19 @@
               <a:t>    -C, --copyright COPYRIGHT        Name of the copyright </a:t>
             </a:r>
             <a:r>
-              <a:rPr lang="en-US" dirty="0" err="1" smtClean="0"/>
+              <a:rPr lang="en-US" dirty="0" err="1"/>
               <a:t>hol</a:t>
             </a:r>
             <a:r>
-              <a:rPr lang="en-US" dirty="0" smtClean="0"/>
+              <a:rPr lang="en-US" dirty="0"/>
               <a:t>...</a:t>
             </a:r>
-            <a:endParaRPr lang="en-US" dirty="0"/>
-          </a:p>
-          <a:p>
-            <a:r>
-              <a:rPr lang="en-US" dirty="0"/>
-              <a:t>    -m, --email EMAIL                Email address of the </a:t>
-            </a:r>
-            <a:r>
-              <a:rPr lang="en-US" dirty="0" smtClean="0"/>
-              <a:t>auth...</a:t>
-            </a:r>
-            <a:endParaRPr lang="en-US" dirty="0"/>
+          </a:p>
+          <a:p>
+            <a:r>
+              <a:rPr lang="en-US" dirty="0"/>
+              <a:t>    -m, --email EMAIL                Email address of the auth...</a:t>
+            </a:r>
           </a:p>
           <a:p>
             <a:r>
@@ -14266,13 +14580,8 @@
             </a:r>
             <a:r>
               <a:rPr lang="en-US" dirty="0"/>
-              <a:t> KEY=VALUE    Use to set </a:t>
-            </a:r>
-            <a:r>
-              <a:rPr lang="en-US" dirty="0" smtClean="0"/>
-              <a:t>arbitrary     ...</a:t>
-            </a:r>
-            <a:endParaRPr lang="en-US" dirty="0"/>
+              <a:t> KEY=VALUE    Use to set arbitrary     ...</a:t>
+            </a:r>
           </a:p>
           <a:p>
             <a:r>
@@ -14292,21 +14601,15 @@
               <a:t>mit</a:t>
             </a:r>
             <a:r>
-              <a:rPr lang="en-US" dirty="0" smtClean="0"/>
+              <a:rPr lang="en-US" dirty="0"/>
               <a:t>,...</a:t>
             </a:r>
-            <a:endParaRPr lang="en-US" dirty="0"/>
-          </a:p>
-          <a:p>
-            <a:r>
-              <a:rPr lang="en-US" dirty="0"/>
-              <a:t>    -g GENERATOR_COOKBOOK_PATH,      Use </a:t>
-            </a:r>
-            <a:r>
-              <a:rPr lang="en-US" dirty="0" smtClean="0"/>
-              <a:t>GENERATOR_COOKBOOK_PA...</a:t>
-            </a:r>
-            <a:endParaRPr lang="en-US" dirty="0"/>
+          </a:p>
+          <a:p>
+            <a:r>
+              <a:rPr lang="en-US" dirty="0"/>
+              <a:t>    -g GENERATOR_COOKBOOK_PATH,      Use GENERATOR_COOKBOOK_PA...</a:t>
+            </a:r>
           </a:p>
           <a:p>
             <a:r>
@@ -14332,10 +14635,9 @@
           <a:lstStyle/>
           <a:p>
             <a:r>
-              <a:rPr lang="en-US" dirty="0" smtClean="0"/>
+              <a:rPr lang="en-US" dirty="0"/>
               <a:t>&gt; chef generate attribute --help</a:t>
             </a:r>
-            <a:endParaRPr lang="en-US" dirty="0"/>
           </a:p>
         </p:txBody>
       </p:sp>
@@ -14381,10 +14683,9 @@
           <a:lstStyle/>
           <a:p>
             <a:r>
-              <a:rPr lang="en-US" dirty="0" smtClean="0"/>
+              <a:rPr lang="en-US" dirty="0"/>
               <a:t>Ask Chef How to Generate an Attributes File</a:t>
             </a:r>
-            <a:endParaRPr lang="en-US" dirty="0"/>
           </a:p>
         </p:txBody>
       </p:sp>
@@ -14401,13 +14702,6 @@
   <p:transition spd="med">
     <p:fade/>
   </p:transition>
-  <p:timing>
-    <p:tnLst>
-      <p:par>
-        <p:cTn id="1" dur="indefinite" restart="never" nodeType="tmRoot"/>
-      </p:par>
-    </p:tnLst>
-  </p:timing>
 </p:sld>
 </file>
 
@@ -14465,11 +14759,23 @@
           <a:p>
             <a:r>
               <a:rPr lang="en-US" dirty="0"/>
-              <a:t>  * directory[/</a:t>
-            </a:r>
-            <a:r>
-              <a:rPr lang="en-US" dirty="0" smtClean="0"/>
-              <a:t>home/chef/apache/attributes</a:t>
+              <a:t>  * directory[/home/chef/apache/attributes] action create</a:t>
+            </a:r>
+          </a:p>
+          <a:p>
+            <a:r>
+              <a:rPr lang="en-US" dirty="0"/>
+              <a:t>    - create new directory /home/chef/apache/attributes</a:t>
+            </a:r>
+          </a:p>
+          <a:p>
+            <a:r>
+              <a:rPr lang="en-US" dirty="0"/>
+              <a:t>  * template[/home/chef/apache/attributes/</a:t>
+            </a:r>
+            <a:r>
+              <a:rPr lang="en-US" dirty="0" err="1"/>
+              <a:t>default.rb</a:t>
             </a:r>
             <a:r>
               <a:rPr lang="en-US" dirty="0"/>
@@ -14479,67 +14785,26 @@
           <a:p>
             <a:r>
               <a:rPr lang="en-US" dirty="0"/>
-              <a:t>    - create new directory /</a:t>
-            </a:r>
-            <a:r>
-              <a:rPr lang="en-US" dirty="0" smtClean="0"/>
-              <a:t>home/chef/apache/attributes</a:t>
+              <a:t>    - create new file /home/chef/apache/attributes/</a:t>
+            </a:r>
+            <a:r>
+              <a:rPr lang="en-US" dirty="0" err="1"/>
+              <a:t>default.rb</a:t>
             </a:r>
             <a:endParaRPr lang="en-US" dirty="0"/>
           </a:p>
           <a:p>
             <a:r>
               <a:rPr lang="en-US" dirty="0"/>
-              <a:t>  * template[/</a:t>
-            </a:r>
-            <a:r>
-              <a:rPr lang="en-US" dirty="0" smtClean="0"/>
-              <a:t>home/chef/apache/attributes/</a:t>
-            </a:r>
-            <a:r>
-              <a:rPr lang="en-US" dirty="0" err="1" smtClean="0"/>
+              <a:t>    - update content in file /home/chef/apache/attributes/</a:t>
+            </a:r>
+            <a:r>
+              <a:rPr lang="en-US" dirty="0" err="1"/>
               <a:t>default.rb</a:t>
             </a:r>
             <a:r>
               <a:rPr lang="en-US" dirty="0"/>
-              <a:t>] action create</a:t>
-            </a:r>
-          </a:p>
-          <a:p>
-            <a:r>
-              <a:rPr lang="en-US" dirty="0"/>
-              <a:t>    - create new file /</a:t>
-            </a:r>
-            <a:r>
-              <a:rPr lang="en-US" dirty="0" smtClean="0"/>
-              <a:t>home/chef/apache/attributes/</a:t>
-            </a:r>
-            <a:r>
-              <a:rPr lang="en-US" dirty="0" err="1" smtClean="0"/>
-              <a:t>default.rb</a:t>
-            </a:r>
-            <a:endParaRPr lang="en-US" dirty="0"/>
-          </a:p>
-          <a:p>
-            <a:r>
-              <a:rPr lang="en-US" dirty="0"/>
-              <a:t>    - update content in file /</a:t>
-            </a:r>
-            <a:r>
-              <a:rPr lang="en-US" dirty="0" smtClean="0"/>
-              <a:t>home/chef/apache/attributes/</a:t>
-            </a:r>
-            <a:r>
-              <a:rPr lang="en-US" dirty="0" err="1" smtClean="0"/>
-              <a:t>default.rb</a:t>
-            </a:r>
-            <a:r>
-              <a:rPr lang="en-US" dirty="0" smtClean="0"/>
-              <a:t> </a:t>
-            </a:r>
-            <a:r>
-              <a:rPr lang="en-US" dirty="0"/>
-              <a:t>from none to e3b0c4</a:t>
+              <a:t> from none to e3b0c4</a:t>
             </a:r>
           </a:p>
           <a:p>
@@ -14574,10 +14839,9 @@
           <a:lstStyle/>
           <a:p>
             <a:r>
-              <a:rPr lang="en-US" dirty="0" smtClean="0"/>
+              <a:rPr lang="en-US" dirty="0"/>
               <a:t>&gt; chef generate attribute default</a:t>
             </a:r>
-            <a:endParaRPr lang="en-US" dirty="0"/>
           </a:p>
         </p:txBody>
       </p:sp>
@@ -14623,10 +14887,9 @@
           <a:lstStyle/>
           <a:p>
             <a:r>
-              <a:rPr lang="en-US" dirty="0" smtClean="0"/>
+              <a:rPr lang="en-US" dirty="0"/>
               <a:t>Use Chef to Generate a Default Attributes File</a:t>
             </a:r>
-            <a:endParaRPr lang="en-US" dirty="0"/>
           </a:p>
         </p:txBody>
       </p:sp>
@@ -14643,13 +14906,6 @@
   <p:transition spd="med">
     <p:fade/>
   </p:transition>
-  <p:timing>
-    <p:tnLst>
-      <p:par>
-        <p:cTn id="1" dur="indefinite" restart="never" nodeType="tmRoot"/>
-      </p:par>
-    </p:tnLst>
-  </p:timing>
 </p:sld>
 </file>
 
@@ -14728,10 +14984,9 @@
           <a:lstStyle/>
           <a:p>
             <a:r>
-              <a:rPr lang="en-US" dirty="0" smtClean="0"/>
+              <a:rPr lang="en-US" dirty="0"/>
               <a:t>&gt; tree attributes</a:t>
             </a:r>
-            <a:endParaRPr lang="en-US" dirty="0"/>
           </a:p>
         </p:txBody>
       </p:sp>
@@ -14775,10 +15030,9 @@
           <a:lstStyle/>
           <a:p>
             <a:r>
-              <a:rPr lang="en-US" dirty="0" smtClean="0"/>
+              <a:rPr lang="en-US" dirty="0"/>
               <a:t>View the Attributes File Generated</a:t>
             </a:r>
-            <a:endParaRPr lang="en-US" dirty="0"/>
           </a:p>
         </p:txBody>
       </p:sp>
@@ -14795,13 +15049,6 @@
   <p:transition spd="med">
     <p:fade/>
   </p:transition>
-  <p:timing>
-    <p:tnLst>
-      <p:par>
-        <p:cTn id="1" dur="indefinite" restart="never" nodeType="tmRoot"/>
-      </p:par>
-    </p:tnLst>
-  </p:timing>
 </p:sld>
 </file>
 
@@ -14838,10 +15085,9 @@
           <a:lstStyle/>
           <a:p>
             <a:r>
-              <a:rPr lang="en-US" dirty="0" smtClean="0"/>
+              <a:rPr lang="en-US" dirty="0"/>
               <a:t>Add the Default Node Attribute</a:t>
             </a:r>
-            <a:endParaRPr lang="en-US" dirty="0"/>
           </a:p>
         </p:txBody>
       </p:sp>
@@ -14861,26 +15107,25 @@
           <a:lstStyle/>
           <a:p>
             <a:r>
-              <a:rPr lang="en-US" dirty="0" smtClean="0"/>
+              <a:rPr lang="en-US" dirty="0"/>
               <a:t>default['apache']['</a:t>
             </a:r>
             <a:r>
-              <a:rPr lang="en-US" dirty="0" err="1" smtClean="0"/>
+              <a:rPr lang="en-US" dirty="0" err="1"/>
               <a:t>package_name</a:t>
             </a:r>
             <a:r>
-              <a:rPr lang="en-US" dirty="0" smtClean="0"/>
+              <a:rPr lang="en-US" dirty="0"/>
               <a:t>'] = '</a:t>
             </a:r>
             <a:r>
-              <a:rPr lang="en-US" dirty="0" err="1" smtClean="0"/>
+              <a:rPr lang="en-US" dirty="0" err="1"/>
               <a:t>httpd</a:t>
             </a:r>
             <a:r>
-              <a:rPr lang="en-US" dirty="0" smtClean="0"/>
+              <a:rPr lang="en-US" dirty="0"/>
               <a:t>'</a:t>
             </a:r>
-            <a:endParaRPr lang="en-US" dirty="0"/>
           </a:p>
         </p:txBody>
       </p:sp>
@@ -14900,11 +15145,11 @@
           <a:lstStyle/>
           <a:p>
             <a:r>
-              <a:rPr lang="en-US" dirty="0" smtClean="0"/>
+              <a:rPr lang="en-US" dirty="0"/>
               <a:t>~/apache/attributes/</a:t>
             </a:r>
             <a:r>
-              <a:rPr lang="en-US" dirty="0" err="1" smtClean="0"/>
+              <a:rPr lang="en-US" dirty="0" err="1"/>
               <a:t>default.rb</a:t>
             </a:r>
             <a:endParaRPr lang="en-US" dirty="0"/>
@@ -14948,13 +15193,6 @@
   <p:transition spd="med">
     <p:fade/>
   </p:transition>
-  <p:timing>
-    <p:tnLst>
-      <p:par>
-        <p:cTn id="1" dur="indefinite" restart="never" nodeType="tmRoot"/>
-      </p:par>
-    </p:tnLst>
-  </p:timing>
 </p:sld>
 </file>
 
@@ -14993,10 +15231,9 @@
           <a:lstStyle/>
           <a:p>
             <a:r>
-              <a:rPr lang="en-US" dirty="0" smtClean="0"/>
+              <a:rPr lang="en-US" dirty="0"/>
               <a:t>Refactor to Use Attributes</a:t>
             </a:r>
-            <a:endParaRPr lang="en-US" dirty="0"/>
           </a:p>
         </p:txBody>
       </p:sp>
@@ -15016,10 +15253,9 @@
           <a:lstStyle/>
           <a:p>
             <a:r>
-              <a:rPr lang="en-US" dirty="0" smtClean="0"/>
+              <a:rPr lang="en-US" dirty="0"/>
               <a:t>The work is done. Let's hope it's the right work. Run the tests!</a:t>
             </a:r>
-            <a:endParaRPr lang="en-US" dirty="0"/>
           </a:p>
         </p:txBody>
       </p:sp>
@@ -15092,13 +15328,6 @@
   <p:transition spd="med">
     <p:fade/>
   </p:transition>
-  <p:timing>
-    <p:tnLst>
-      <p:par>
-        <p:cTn id="1" dur="indefinite" restart="never" nodeType="tmRoot"/>
-      </p:par>
-    </p:tnLst>
-  </p:timing>
 </p:sld>
 </file>
 
@@ -15135,32 +15364,23 @@
           <a:lstStyle/>
           <a:p>
             <a:r>
-              <a:rPr lang="en-US" dirty="0" smtClean="0"/>
-              <a:t>.........</a:t>
-            </a:r>
+              <a:rPr lang="en-US" dirty="0"/>
+              <a:t>...........</a:t>
+            </a:r>
+          </a:p>
+          <a:p>
             <a:endParaRPr lang="en-US" dirty="0"/>
           </a:p>
           <a:p>
-            <a:endParaRPr lang="en-US" dirty="0"/>
-          </a:p>
-          <a:p>
-            <a:r>
-              <a:rPr lang="en-US" dirty="0"/>
-              <a:t>Finished in 2.28 seconds (files took 4.28 seconds to load)</a:t>
-            </a:r>
-          </a:p>
-          <a:p>
-            <a:r>
-              <a:rPr lang="en-US" dirty="0"/>
-              <a:t>9</a:t>
-            </a:r>
-            <a:r>
-              <a:rPr lang="en-US" dirty="0" smtClean="0"/>
-              <a:t> </a:t>
-            </a:r>
-            <a:r>
-              <a:rPr lang="en-US" dirty="0"/>
-              <a:t>examples, 0 failures</a:t>
+            <a:r>
+              <a:rPr lang="en-US" dirty="0"/>
+              <a:t>Finished in 4.07 seconds (files took 3.93 seconds to load)</a:t>
+            </a:r>
+          </a:p>
+          <a:p>
+            <a:r>
+              <a:rPr lang="en-US" dirty="0"/>
+              <a:t>11 examples, 0 failures</a:t>
             </a:r>
           </a:p>
         </p:txBody>
@@ -15181,11 +15401,11 @@
           <a:lstStyle/>
           <a:p>
             <a:r>
-              <a:rPr lang="en-US" dirty="0" smtClean="0"/>
+              <a:rPr lang="en-US" dirty="0"/>
               <a:t>&gt; chef exec </a:t>
             </a:r>
             <a:r>
-              <a:rPr lang="en-US" dirty="0" err="1" smtClean="0"/>
+              <a:rPr lang="en-US" dirty="0" err="1"/>
               <a:t>rspec</a:t>
             </a:r>
             <a:endParaRPr lang="en-US" dirty="0"/>
@@ -15232,10 +15452,9 @@
           <a:lstStyle/>
           <a:p>
             <a:r>
-              <a:rPr lang="en-US" dirty="0" smtClean="0"/>
+              <a:rPr lang="en-US" dirty="0"/>
               <a:t>Execute the Tests to See it Pass</a:t>
             </a:r>
-            <a:endParaRPr lang="en-US" dirty="0"/>
           </a:p>
         </p:txBody>
       </p:sp>
@@ -15252,13 +15471,6 @@
   <p:transition spd="med">
     <p:fade/>
   </p:transition>
-  <p:timing>
-    <p:tnLst>
-      <p:par>
-        <p:cTn id="1" dur="indefinite" restart="never" nodeType="tmRoot"/>
-      </p:par>
-    </p:tnLst>
-  </p:timing>
 </p:sld>
 </file>
 
@@ -15297,10 +15509,9 @@
           <a:lstStyle/>
           <a:p>
             <a:r>
-              <a:rPr lang="en-US" dirty="0" smtClean="0"/>
+              <a:rPr lang="en-US" dirty="0"/>
               <a:t>Refactor to Use Attributes</a:t>
             </a:r>
-            <a:endParaRPr lang="en-US" dirty="0"/>
           </a:p>
         </p:txBody>
       </p:sp>
@@ -15320,10 +15531,9 @@
           <a:lstStyle/>
           <a:p>
             <a:r>
-              <a:rPr lang="en-US" dirty="0" smtClean="0"/>
+              <a:rPr lang="en-US" dirty="0"/>
               <a:t>We made a change and we know it works!</a:t>
             </a:r>
-            <a:endParaRPr lang="en-US" dirty="0"/>
           </a:p>
         </p:txBody>
       </p:sp>
@@ -15396,13 +15606,6 @@
   <p:transition spd="med">
     <p:fade/>
   </p:transition>
-  <p:timing>
-    <p:tnLst>
-      <p:par>
-        <p:cTn id="1" dur="indefinite" restart="never" nodeType="tmRoot"/>
-      </p:par>
-    </p:tnLst>
-  </p:timing>
 </p:sld>
 </file>
 
@@ -15441,10 +15644,9 @@
           <a:lstStyle/>
           <a:p>
             <a:r>
-              <a:rPr lang="en-US" dirty="0" smtClean="0"/>
+              <a:rPr lang="en-US" dirty="0"/>
               <a:t>What if We Made a Typo?</a:t>
             </a:r>
-            <a:endParaRPr lang="en-US" dirty="0"/>
           </a:p>
         </p:txBody>
       </p:sp>
@@ -15464,11 +15666,11 @@
           <a:lstStyle/>
           <a:p>
             <a:r>
-              <a:rPr lang="en-US" dirty="0" smtClean="0"/>
+              <a:rPr lang="en-US" dirty="0"/>
               <a:t>While implementing the node attribute what if made </a:t>
             </a:r>
             <a:r>
-              <a:rPr lang="en-US" smtClean="0"/>
+              <a:rPr lang="en-US"/>
               <a:t>a mistake?</a:t>
             </a:r>
             <a:endParaRPr lang="en-US" dirty="0"/>
@@ -15488,13 +15690,6 @@
   <p:transition spd="med">
     <p:fade/>
   </p:transition>
-  <p:timing>
-    <p:tnLst>
-      <p:par>
-        <p:cTn id="1" dur="indefinite" restart="never" nodeType="tmRoot"/>
-      </p:par>
-    </p:tnLst>
-  </p:timing>
 </p:sld>
 </file>
 
@@ -15531,10 +15726,9 @@
           <a:lstStyle/>
           <a:p>
             <a:r>
-              <a:rPr lang="en-US" dirty="0" smtClean="0"/>
+              <a:rPr lang="en-US" dirty="0"/>
               <a:t>Typos Like This One Will Waste Time</a:t>
             </a:r>
-            <a:endParaRPr lang="en-US" dirty="0"/>
           </a:p>
         </p:txBody>
       </p:sp>
@@ -15555,23 +15749,15 @@
           <a:p>
             <a:r>
               <a:rPr lang="en-US" dirty="0"/>
-              <a:t>default[</a:t>
-            </a:r>
-            <a:r>
-              <a:rPr lang="en-US" dirty="0" smtClean="0"/>
-              <a:t>'</a:t>
-            </a:r>
-            <a:r>
-              <a:rPr lang="en-US" dirty="0" err="1" smtClean="0"/>
+              <a:t>default['</a:t>
+            </a:r>
+            <a:r>
+              <a:rPr lang="en-US" dirty="0" err="1"/>
               <a:t>apche</a:t>
             </a:r>
             <a:r>
-              <a:rPr lang="en-US" dirty="0" smtClean="0"/>
-              <a:t>'][</a:t>
-            </a:r>
-            <a:r>
-              <a:rPr lang="en-US" dirty="0"/>
-              <a:t>'</a:t>
+              <a:rPr lang="en-US" dirty="0"/>
+              <a:t>']['</a:t>
             </a:r>
             <a:r>
               <a:rPr lang="en-US" dirty="0" err="1"/>
@@ -15608,11 +15794,11 @@
           <a:lstStyle/>
           <a:p>
             <a:r>
-              <a:rPr lang="en-US" dirty="0" smtClean="0"/>
+              <a:rPr lang="en-US" dirty="0"/>
               <a:t>~/apache/attributes/</a:t>
             </a:r>
             <a:r>
-              <a:rPr lang="en-US" dirty="0" err="1" smtClean="0"/>
+              <a:rPr lang="en-US" dirty="0" err="1"/>
               <a:t>default.rb</a:t>
             </a:r>
             <a:endParaRPr lang="en-US" dirty="0"/>
@@ -15667,13 +15853,6 @@
   <p:transition spd="med">
     <p:fade/>
   </p:transition>
-  <p:timing>
-    <p:tnLst>
-      <p:par>
-        <p:cTn id="1" dur="indefinite" restart="never" nodeType="tmRoot"/>
-      </p:par>
-    </p:tnLst>
-  </p:timing>
 </p:sld>
 </file>
 
@@ -15710,10 +15889,9 @@
           <a:lstStyle/>
           <a:p>
             <a:r>
-              <a:rPr lang="en-US" dirty="0" smtClean="0"/>
+              <a:rPr lang="en-US" dirty="0"/>
               <a:t>Objectives</a:t>
             </a:r>
-            <a:endParaRPr lang="en-US" dirty="0"/>
           </a:p>
         </p:txBody>
       </p:sp>
@@ -15733,7 +15911,7 @@
           <a:lstStyle/>
           <a:p>
             <a:r>
-              <a:rPr lang="en-US" dirty="0" smtClean="0"/>
+              <a:rPr lang="en-US" dirty="0"/>
               <a:t>After completing this module, you should be able to:</a:t>
             </a:r>
           </a:p>
@@ -15746,7 +15924,7 @@
               <a:buChar char="Ø"/>
             </a:pPr>
             <a:r>
-              <a:rPr lang="en-US" dirty="0" smtClean="0"/>
+              <a:rPr lang="en-US" dirty="0"/>
               <a:t>Refactor resources to use attributes</a:t>
             </a:r>
           </a:p>
@@ -15756,7 +15934,7 @@
               <a:buChar char="Ø"/>
             </a:pPr>
             <a:r>
-              <a:rPr lang="en-US" dirty="0" smtClean="0"/>
+              <a:rPr lang="en-US" dirty="0"/>
               <a:t>Use Pry to explore the current state of execution</a:t>
             </a:r>
           </a:p>
@@ -15766,10 +15944,9 @@
               <a:buChar char="Ø"/>
             </a:pPr>
             <a:r>
-              <a:rPr lang="en-US" dirty="0" smtClean="0"/>
+              <a:rPr lang="en-US" dirty="0"/>
               <a:t>Make changes to your recipes with confidence</a:t>
             </a:r>
-            <a:endParaRPr lang="en-US" dirty="0"/>
           </a:p>
         </p:txBody>
       </p:sp>
@@ -15786,13 +15963,6 @@
   <p:transition spd="med">
     <p:fade/>
   </p:transition>
-  <p:timing>
-    <p:tnLst>
-      <p:par>
-        <p:cTn id="1" dur="indefinite" restart="never" nodeType="tmRoot"/>
-      </p:par>
-    </p:tnLst>
-  </p:timing>
 </p:sld>
 </file>
 
@@ -15831,10 +16001,9 @@
           <a:lstStyle/>
           <a:p>
             <a:r>
-              <a:rPr lang="en-US" dirty="0" smtClean="0"/>
+              <a:rPr lang="en-US" dirty="0"/>
               <a:t>Mental Model vs Actual Model</a:t>
             </a:r>
-            <a:endParaRPr lang="en-US" dirty="0"/>
           </a:p>
         </p:txBody>
       </p:sp>
@@ -15854,10 +16023,9 @@
           <a:lstStyle/>
           <a:p>
             <a:r>
-              <a:rPr lang="en-US" dirty="0" smtClean="0"/>
+              <a:rPr lang="en-US" dirty="0"/>
               <a:t>Faster feedback helps us build a greater mental model of the actual execution model. Tests that we define help strengthen it. However, tests are not very interactive as they are more like experiments. What we want is the ability to pause execution and look around.</a:t>
             </a:r>
-            <a:endParaRPr lang="en-US" dirty="0"/>
           </a:p>
         </p:txBody>
       </p:sp>
@@ -15874,13 +16042,6 @@
   <p:transition spd="med">
     <p:fade/>
   </p:transition>
-  <p:timing>
-    <p:tnLst>
-      <p:par>
-        <p:cTn id="1" dur="indefinite" restart="never" nodeType="tmRoot"/>
-      </p:par>
-    </p:tnLst>
-  </p:timing>
 </p:sld>
 </file>
 
@@ -15919,10 +16080,9 @@
           <a:lstStyle/>
           <a:p>
             <a:r>
-              <a:rPr lang="en-US" dirty="0" smtClean="0"/>
+              <a:rPr lang="en-US" dirty="0"/>
               <a:t>Pry a Debugger</a:t>
             </a:r>
-            <a:endParaRPr lang="en-US" dirty="0"/>
           </a:p>
         </p:txBody>
       </p:sp>
@@ -15942,7 +16102,7 @@
           <a:lstStyle/>
           <a:p>
             <a:r>
-              <a:rPr lang="en-US" dirty="0" smtClean="0"/>
+              <a:rPr lang="en-US" dirty="0"/>
               <a:t>Pry is a Ruby debugger that allows you to define break points. These breakpoints allow you to pause operation and interact with the current process being able to interrogate the current state of the system.</a:t>
             </a:r>
           </a:p>
@@ -15977,7 +16137,7 @@
               <a:t>http://</a:t>
             </a:r>
             <a:r>
-              <a:rPr lang="en-US" dirty="0" err="1" smtClean="0">
+              <a:rPr lang="en-US" dirty="0" err="1">
                 <a:hlinkClick r:id="rId3"/>
               </a:rPr>
               <a:t>pryrepl.org</a:t>
@@ -15999,13 +16159,6 @@
   <p:transition spd="med">
     <p:fade/>
   </p:transition>
-  <p:timing>
-    <p:tnLst>
-      <p:par>
-        <p:cTn id="1" dur="indefinite" restart="never" nodeType="tmRoot"/>
-      </p:par>
-    </p:tnLst>
-  </p:timing>
 </p:sld>
 </file>
 
@@ -16044,10 +16197,9 @@
           <a:lstStyle/>
           <a:p>
             <a:r>
-              <a:rPr lang="en-US" dirty="0" smtClean="0"/>
+              <a:rPr lang="en-US" dirty="0"/>
               <a:t>Setup a Break Point</a:t>
             </a:r>
-            <a:endParaRPr lang="en-US" dirty="0"/>
           </a:p>
         </p:txBody>
       </p:sp>
@@ -16067,10 +16219,9 @@
           <a:lstStyle/>
           <a:p>
             <a:r>
-              <a:rPr lang="en-US" dirty="0" smtClean="0"/>
+              <a:rPr lang="en-US" dirty="0"/>
               <a:t>Time to make trouble for ourselves.</a:t>
             </a:r>
-            <a:endParaRPr lang="en-US" dirty="0"/>
           </a:p>
         </p:txBody>
       </p:sp>
@@ -16095,11 +16246,7 @@
             </a:pPr>
             <a:r>
               <a:rPr lang="en-US" dirty="0"/>
-              <a:t>Mutate the code </a:t>
-            </a:r>
-            <a:r>
-              <a:rPr lang="en-US" dirty="0" smtClean="0"/>
-              <a:t>and add the breakpoint</a:t>
+              <a:t>Mutate the code and add the breakpoint</a:t>
             </a:r>
           </a:p>
           <a:p>
@@ -16109,13 +16256,8 @@
             </a:pPr>
             <a:r>
               <a:rPr lang="en-US" dirty="0"/>
-              <a:t>Execute the tests </a:t>
-            </a:r>
-            <a:r>
-              <a:rPr lang="en-US" dirty="0" smtClean="0"/>
-              <a:t>to cause the breakpoint to trigger</a:t>
-            </a:r>
-            <a:endParaRPr lang="en-US" dirty="0"/>
+              <a:t>Execute the tests to cause the breakpoint to trigger</a:t>
+            </a:r>
           </a:p>
           <a:p>
             <a:pPr marL="342900" indent="-342900">
@@ -16142,13 +16284,6 @@
   <p:transition spd="med">
     <p:fade/>
   </p:transition>
-  <p:timing>
-    <p:tnLst>
-      <p:par>
-        <p:cTn id="1" dur="indefinite" restart="never" nodeType="tmRoot"/>
-      </p:par>
-    </p:tnLst>
-  </p:timing>
 </p:sld>
 </file>
 
@@ -16185,10 +16320,9 @@
           <a:lstStyle/>
           <a:p>
             <a:r>
-              <a:rPr lang="en-US" dirty="0" smtClean="0"/>
+              <a:rPr lang="en-US" dirty="0"/>
               <a:t>Create a Typo in the Defined Attribute</a:t>
             </a:r>
-            <a:endParaRPr lang="en-US" dirty="0"/>
           </a:p>
         </p:txBody>
       </p:sp>
@@ -16209,23 +16343,15 @@
           <a:p>
             <a:r>
               <a:rPr lang="en-US" dirty="0"/>
-              <a:t>default[</a:t>
-            </a:r>
-            <a:r>
-              <a:rPr lang="en-US" dirty="0" smtClean="0"/>
-              <a:t>'</a:t>
-            </a:r>
-            <a:r>
-              <a:rPr lang="en-US" dirty="0" err="1" smtClean="0"/>
+              <a:t>default['</a:t>
+            </a:r>
+            <a:r>
+              <a:rPr lang="en-US" dirty="0" err="1"/>
               <a:t>apche</a:t>
             </a:r>
             <a:r>
-              <a:rPr lang="en-US" dirty="0" smtClean="0"/>
-              <a:t>'][</a:t>
-            </a:r>
-            <a:r>
-              <a:rPr lang="en-US" dirty="0"/>
-              <a:t>'</a:t>
+              <a:rPr lang="en-US" dirty="0"/>
+              <a:t>']['</a:t>
             </a:r>
             <a:r>
               <a:rPr lang="en-US" dirty="0" err="1"/>
@@ -16262,11 +16388,11 @@
           <a:lstStyle/>
           <a:p>
             <a:r>
-              <a:rPr lang="en-US" dirty="0" smtClean="0"/>
+              <a:rPr lang="en-US" dirty="0"/>
               <a:t>~/apache/attributes/</a:t>
             </a:r>
             <a:r>
-              <a:rPr lang="en-US" dirty="0" err="1" smtClean="0"/>
+              <a:rPr lang="en-US" dirty="0" err="1"/>
               <a:t>default.rb</a:t>
             </a:r>
             <a:endParaRPr lang="en-US" dirty="0"/>
@@ -16321,13 +16447,6 @@
   <p:transition spd="med">
     <p:fade/>
   </p:transition>
-  <p:timing>
-    <p:tnLst>
-      <p:par>
-        <p:cTn id="1" dur="indefinite" restart="never" nodeType="tmRoot"/>
-      </p:par>
-    </p:tnLst>
-  </p:timing>
 </p:sld>
 </file>
 
@@ -16364,106 +16483,84 @@
           <a:lstStyle/>
           <a:p>
             <a:r>
-              <a:rPr lang="en-US" dirty="0" smtClean="0"/>
+              <a:rPr lang="en-US" dirty="0"/>
               <a:t>Add a Break Point in the Recipe</a:t>
             </a:r>
+          </a:p>
+        </p:txBody>
+      </p:sp>
+      <p:sp>
+        <p:nvSpPr>
+          <p:cNvPr id="3" name="Content Placeholder 2"/>
+          <p:cNvSpPr>
+            <a:spLocks noGrp="1"/>
+          </p:cNvSpPr>
+          <p:nvPr>
+            <p:ph sz="quarter" idx="10"/>
+          </p:nvPr>
+        </p:nvSpPr>
+        <p:spPr/>
+        <p:txBody>
+          <a:bodyPr/>
+          <a:lstStyle/>
+          <a:p>
+            <a:r>
+              <a:rPr lang="en-US" dirty="0"/>
+              <a:t>#</a:t>
+            </a:r>
+          </a:p>
+          <a:p>
+            <a:r>
+              <a:rPr lang="en-US" dirty="0"/>
+              <a:t># Cookbook Name:: apache</a:t>
+            </a:r>
+          </a:p>
+          <a:p>
+            <a:r>
+              <a:rPr lang="en-US" dirty="0"/>
+              <a:t># Recipe:: install</a:t>
+            </a:r>
+          </a:p>
+          <a:p>
+            <a:r>
+              <a:rPr lang="en-US" dirty="0"/>
+              <a:t>#</a:t>
+            </a:r>
+          </a:p>
+          <a:p>
+            <a:r>
+              <a:rPr lang="en-US" dirty="0"/>
+              <a:t># Copyright (c) </a:t>
+            </a:r>
+            <a:r>
+              <a:rPr lang="is-IS" dirty="0"/>
+              <a:t>2017</a:t>
+            </a:r>
+            <a:r>
+              <a:rPr lang="en-US" dirty="0"/>
+              <a:t> The Authors, All Rights Reserved.</a:t>
+            </a:r>
+          </a:p>
+          <a:p>
+            <a:r>
+              <a:rPr lang="en-US" dirty="0"/>
+              <a:t>require 'pry'</a:t>
+            </a:r>
+          </a:p>
+          <a:p>
+            <a:r>
+              <a:rPr lang="en-US" dirty="0" err="1"/>
+              <a:t>binding.pry</a:t>
+            </a:r>
             <a:endParaRPr lang="en-US" dirty="0"/>
           </a:p>
-        </p:txBody>
-      </p:sp>
-      <p:sp>
-        <p:nvSpPr>
-          <p:cNvPr id="3" name="Content Placeholder 2"/>
-          <p:cNvSpPr>
-            <a:spLocks noGrp="1"/>
-          </p:cNvSpPr>
-          <p:nvPr>
-            <p:ph sz="quarter" idx="10"/>
-          </p:nvPr>
-        </p:nvSpPr>
-        <p:spPr/>
-        <p:txBody>
-          <a:bodyPr/>
-          <a:lstStyle/>
-          <a:p>
-            <a:r>
-              <a:rPr lang="en-US" dirty="0"/>
-              <a:t>#</a:t>
-            </a:r>
-          </a:p>
-          <a:p>
-            <a:r>
-              <a:rPr lang="en-US" dirty="0"/>
-              <a:t># Cookbook Name:: </a:t>
-            </a:r>
-            <a:r>
-              <a:rPr lang="en-US" dirty="0" smtClean="0"/>
-              <a:t>apache</a:t>
-            </a:r>
+          <a:p>
             <a:endParaRPr lang="en-US" dirty="0"/>
           </a:p>
           <a:p>
             <a:r>
               <a:rPr lang="en-US" dirty="0"/>
-              <a:t># Recipe:: install</a:t>
-            </a:r>
-          </a:p>
-          <a:p>
-            <a:r>
-              <a:rPr lang="en-US" dirty="0"/>
-              <a:t>#</a:t>
-            </a:r>
-          </a:p>
-          <a:p>
-            <a:r>
-              <a:rPr lang="en-US" dirty="0"/>
-              <a:t># Copyright (c) </a:t>
-            </a:r>
-            <a:r>
-              <a:rPr lang="is-IS" dirty="0" smtClean="0"/>
-              <a:t>2017</a:t>
-            </a:r>
-            <a:r>
-              <a:rPr lang="en-US" dirty="0" smtClean="0"/>
-              <a:t> </a:t>
-            </a:r>
-            <a:r>
-              <a:rPr lang="en-US" dirty="0"/>
-              <a:t>The Authors, All Rights Reserved.</a:t>
-            </a:r>
-          </a:p>
-          <a:p>
-            <a:r>
-              <a:rPr lang="en-US" dirty="0" smtClean="0"/>
-              <a:t>require 'pry'</a:t>
-            </a:r>
-          </a:p>
-          <a:p>
-            <a:r>
-              <a:rPr lang="en-US" dirty="0" err="1" smtClean="0"/>
-              <a:t>binding.pry</a:t>
-            </a:r>
-            <a:endParaRPr lang="en-US" dirty="0" smtClean="0"/>
-          </a:p>
-          <a:p>
-            <a:endParaRPr lang="en-US" dirty="0" smtClean="0"/>
-          </a:p>
-          <a:p>
-            <a:r>
-              <a:rPr lang="en-US" dirty="0" smtClean="0"/>
-              <a:t>package </a:t>
-            </a:r>
-            <a:r>
-              <a:rPr lang="en-US" dirty="0"/>
-              <a:t>node[</a:t>
-            </a:r>
-            <a:r>
-              <a:rPr lang="en-US" dirty="0" smtClean="0"/>
-              <a:t>'apache'][</a:t>
-            </a:r>
-            <a:r>
-              <a:rPr lang="en-US" dirty="0"/>
-              <a:t>'</a:t>
+              <a:t>package node['apache']['</a:t>
             </a:r>
             <a:r>
               <a:rPr lang="en-US" dirty="0" err="1"/>
@@ -16492,11 +16589,11 @@
           <a:lstStyle/>
           <a:p>
             <a:r>
-              <a:rPr lang="en-US" dirty="0" smtClean="0"/>
+              <a:rPr lang="en-US" dirty="0"/>
               <a:t>~/apache/recipes/</a:t>
             </a:r>
             <a:r>
-              <a:rPr lang="en-US" dirty="0" err="1" smtClean="0"/>
+              <a:rPr lang="en-US" dirty="0" err="1"/>
               <a:t>install.rb</a:t>
             </a:r>
             <a:endParaRPr lang="en-US" dirty="0"/>
@@ -16524,10 +16621,9 @@
           <a:lstStyle/>
           <a:p>
             <a:r>
-              <a:rPr lang="en-US" dirty="0" smtClean="0"/>
+              <a:rPr lang="en-US" dirty="0"/>
               <a:t>+</a:t>
             </a:r>
-            <a:endParaRPr lang="en-US" dirty="0"/>
           </a:p>
         </p:txBody>
       </p:sp>
@@ -16544,13 +16640,6 @@
   <p:transition spd="med">
     <p:fade/>
   </p:transition>
-  <p:timing>
-    <p:tnLst>
-      <p:par>
-        <p:cTn id="1" dur="indefinite" restart="never" nodeType="tmRoot"/>
-      </p:par>
-    </p:tnLst>
-  </p:timing>
 </p:sld>
 </file>
 
@@ -16589,10 +16678,9 @@
           <a:lstStyle/>
           <a:p>
             <a:r>
-              <a:rPr lang="en-US" dirty="0" smtClean="0"/>
+              <a:rPr lang="en-US" dirty="0"/>
               <a:t>Setup a Break Point</a:t>
             </a:r>
-            <a:endParaRPr lang="en-US" dirty="0"/>
           </a:p>
         </p:txBody>
       </p:sp>
@@ -16612,10 +16700,9 @@
           <a:lstStyle/>
           <a:p>
             <a:r>
-              <a:rPr lang="en-US" dirty="0" smtClean="0"/>
+              <a:rPr lang="en-US" dirty="0"/>
               <a:t>Time to pry into the code and see what it is going on.</a:t>
             </a:r>
-            <a:endParaRPr lang="en-US" dirty="0"/>
           </a:p>
         </p:txBody>
       </p:sp>
@@ -16649,18 +16736,9 @@
               <a:buChar char="q"/>
             </a:pPr>
             <a:r>
-              <a:rPr lang="en-US" dirty="0" smtClean="0"/>
-              <a:t>Execute </a:t>
-            </a:r>
-            <a:r>
-              <a:rPr lang="en-US" dirty="0"/>
-              <a:t>the tests </a:t>
-            </a:r>
-            <a:r>
-              <a:rPr lang="en-US" dirty="0" smtClean="0"/>
-              <a:t>to cause the breakpoint to trigger</a:t>
-            </a:r>
-            <a:endParaRPr lang="en-US" dirty="0"/>
+              <a:rPr lang="en-US" dirty="0"/>
+              <a:t>Execute the tests to cause the breakpoint to trigger</a:t>
+            </a:r>
           </a:p>
           <a:p>
             <a:pPr marL="342900" indent="-342900">
@@ -16687,13 +16765,6 @@
   <p:transition spd="med">
     <p:fade/>
   </p:transition>
-  <p:timing>
-    <p:tnLst>
-      <p:par>
-        <p:cTn id="1" dur="indefinite" restart="never" nodeType="tmRoot"/>
-      </p:par>
-    </p:tnLst>
-  </p:timing>
 </p:sld>
 </file>
 
@@ -16730,40 +16801,24 @@
           <a:lstStyle/>
           <a:p>
             <a:r>
-              <a:rPr lang="en-US" sz="2400" dirty="0" smtClean="0"/>
-              <a:t>From</a:t>
-            </a:r>
-            <a:r>
               <a:rPr lang="en-US" sz="2400" dirty="0"/>
-              <a:t>: /</a:t>
-            </a:r>
-            <a:r>
-              <a:rPr lang="en-US" sz="2400" dirty="0" err="1" smtClean="0"/>
+              <a:t>From: /</a:t>
+            </a:r>
+            <a:r>
+              <a:rPr lang="en-US" sz="2400" dirty="0" err="1"/>
               <a:t>tmp</a:t>
             </a:r>
             <a:r>
-              <a:rPr lang="en-US" sz="2400" dirty="0" smtClean="0"/>
-              <a:t>/d</a:t>
-            </a:r>
-            <a:r>
-              <a:rPr lang="is-IS" sz="2400" dirty="0" smtClean="0"/>
-              <a:t>2017</a:t>
-            </a:r>
-            <a:r>
-              <a:rPr lang="en-US" sz="2400" dirty="0" smtClean="0"/>
-              <a:t>1026-17430-19i8bee/cookbooks/apache/recipes/</a:t>
-            </a:r>
-            <a:r>
-              <a:rPr lang="en-US" sz="2400" dirty="0" err="1" smtClean="0"/>
+              <a:rPr lang="en-US" sz="2400" dirty="0"/>
+              <a:t>/chefspec20180313-23174-grz9vbfile_cache_path/cookbooks/apache/recipes/</a:t>
+            </a:r>
+            <a:r>
+              <a:rPr lang="en-US" sz="2400" dirty="0" err="1"/>
               <a:t>install.rb</a:t>
             </a:r>
             <a:r>
-              <a:rPr lang="en-US" sz="2400" dirty="0" smtClean="0"/>
-              <a:t> </a:t>
-            </a:r>
-            <a:r>
               <a:rPr lang="en-US" sz="2400" dirty="0"/>
-              <a:t>@ line 7 Chef::</a:t>
+              <a:t> @ line 9 Chef::</a:t>
             </a:r>
             <a:r>
               <a:rPr lang="en-US" sz="2400" dirty="0" err="1"/>
@@ -16788,42 +16843,13 @@
           <a:p>
             <a:r>
               <a:rPr lang="en-US" sz="2400" dirty="0"/>
-              <a:t>    2: # Cookbook Name:: </a:t>
-            </a:r>
-            <a:r>
-              <a:rPr lang="en-US" sz="2400" dirty="0" smtClean="0"/>
-              <a:t>apache</a:t>
-            </a:r>
-            <a:endParaRPr lang="en-US" sz="2400" dirty="0"/>
+              <a:t>    4: #</a:t>
+            </a:r>
           </a:p>
           <a:p>
             <a:r>
               <a:rPr lang="en-US" sz="2400" dirty="0"/>
-              <a:t>    3: # Recipe:: install</a:t>
-            </a:r>
-          </a:p>
-          <a:p>
-            <a:r>
-              <a:rPr lang="en-US" sz="2400" dirty="0"/>
-              <a:t>    4: #</a:t>
-            </a:r>
-          </a:p>
-          <a:p>
-            <a:r>
-              <a:rPr lang="en-US" sz="2400" dirty="0"/>
-              <a:t>    5: # Copyright (c) </a:t>
-            </a:r>
-            <a:r>
-              <a:rPr lang="is-IS" sz="2400" dirty="0" smtClean="0"/>
-              <a:t>2017</a:t>
-            </a:r>
-            <a:r>
-              <a:rPr lang="en-US" sz="2400" dirty="0" smtClean="0"/>
-              <a:t> </a:t>
-            </a:r>
-            <a:r>
-              <a:rPr lang="en-US" sz="2400" dirty="0"/>
-              <a:t>The Authors, All Rights Reserved.</a:t>
+              <a:t>    5: # Copyright:: 2018, The Authors, All Rights Reserved.</a:t>
             </a:r>
           </a:p>
           <a:p>
@@ -16835,7 +16861,7 @@
           <a:p>
             <a:r>
               <a:rPr lang="en-US" sz="2400" dirty="0"/>
-              <a:t> =&gt; 7: </a:t>
+              <a:t>    7: </a:t>
             </a:r>
             <a:r>
               <a:rPr lang="en-US" sz="2400" dirty="0" err="1"/>
@@ -16852,15 +16878,7 @@
           <a:p>
             <a:r>
               <a:rPr lang="en-US" sz="2400" dirty="0"/>
-              <a:t>    9: package node[</a:t>
-            </a:r>
-            <a:r>
-              <a:rPr lang="en-US" sz="2400" dirty="0" smtClean="0"/>
-              <a:t>'apache'][</a:t>
-            </a:r>
-            <a:r>
-              <a:rPr lang="en-US" sz="2400" dirty="0"/>
-              <a:t>'</a:t>
+              <a:t> =&gt; 9: package node['apache']['</a:t>
             </a:r>
             <a:r>
               <a:rPr lang="en-US" sz="2400" dirty="0" err="1"/>
@@ -16868,23 +16886,17 @@
             </a:r>
             <a:r>
               <a:rPr lang="en-US" sz="2400" dirty="0"/>
-              <a:t>'</a:t>
-            </a:r>
-            <a:r>
-              <a:rPr lang="en-US" sz="2400" dirty="0" smtClean="0"/>
-              <a:t>]</a:t>
-            </a:r>
+              <a:t>’]</a:t>
+            </a:r>
+          </a:p>
+          <a:p>
+            <a:endParaRPr lang="en-US" sz="2400" dirty="0"/>
           </a:p>
           <a:p>
             <a:r>
               <a:rPr lang="en-US" sz="2400" dirty="0"/>
-              <a:t> </a:t>
-            </a:r>
-            <a:r>
-              <a:rPr lang="en-US" sz="2400" dirty="0" smtClean="0"/>
-              <a:t>   # ... CONTINUES ON THE NEXT SLIDE ...</a:t>
-            </a:r>
-            <a:endParaRPr lang="en-US" sz="2400" dirty="0"/>
+              <a:t>    # ... CONTINUES ON THE NEXT SLIDE ...</a:t>
+            </a:r>
           </a:p>
         </p:txBody>
       </p:sp>
@@ -16904,19 +16916,19 @@
           <a:lstStyle/>
           <a:p>
             <a:r>
-              <a:rPr lang="en-US" dirty="0" smtClean="0"/>
+              <a:rPr lang="en-US" dirty="0"/>
               <a:t>&gt; chef exec </a:t>
             </a:r>
             <a:r>
-              <a:rPr lang="en-US" dirty="0" err="1" smtClean="0"/>
+              <a:rPr lang="en-US" dirty="0" err="1"/>
               <a:t>rspec</a:t>
             </a:r>
             <a:r>
-              <a:rPr lang="en-US" dirty="0" smtClean="0"/>
+              <a:rPr lang="en-US" dirty="0"/>
               <a:t> spec/unit/recipes/</a:t>
             </a:r>
             <a:r>
-              <a:rPr lang="en-US" dirty="0" err="1" smtClean="0"/>
+              <a:rPr lang="en-US" dirty="0" err="1"/>
               <a:t>install_spec.rb</a:t>
             </a:r>
             <a:endParaRPr lang="en-US" dirty="0"/>
@@ -16935,7 +16947,7 @@
         </p:nvSpPr>
         <p:spPr>
           <a:xfrm>
-            <a:off x="1127883" y="5959015"/>
+            <a:off x="1121104" y="6240369"/>
             <a:ext cx="14420850" cy="557213"/>
           </a:xfrm>
         </p:spPr>
@@ -16963,10 +16975,9 @@
           <a:lstStyle/>
           <a:p>
             <a:r>
-              <a:rPr lang="en-US" dirty="0" smtClean="0"/>
+              <a:rPr lang="en-US" dirty="0"/>
               <a:t>Execute the Test to Initiate Pry</a:t>
             </a:r>
-            <a:endParaRPr lang="en-US" dirty="0"/>
           </a:p>
         </p:txBody>
       </p:sp>
@@ -16983,13 +16994,6 @@
   <p:transition spd="med">
     <p:fade/>
   </p:transition>
-  <p:timing>
-    <p:tnLst>
-      <p:par>
-        <p:cTn id="1" dur="indefinite" restart="never" nodeType="tmRoot"/>
-      </p:par>
-    </p:tnLst>
-  </p:timing>
 </p:sld>
 </file>
 
@@ -17020,48 +17024,31 @@
             <p:ph sz="quarter" idx="10"/>
           </p:nvPr>
         </p:nvSpPr>
-        <p:spPr/>
+        <p:spPr>
+          <a:xfrm>
+            <a:off x="1121104" y="2315963"/>
+            <a:ext cx="14423693" cy="5580480"/>
+          </a:xfrm>
+        </p:spPr>
         <p:txBody>
           <a:bodyPr/>
           <a:lstStyle/>
           <a:p>
             <a:r>
               <a:rPr lang="en-US" sz="2400" dirty="0"/>
-              <a:t> </a:t>
-            </a:r>
-            <a:r>
-              <a:rPr lang="en-US" sz="2400" dirty="0" smtClean="0"/>
-              <a:t>   # </a:t>
-            </a:r>
+              <a:t>    # ... CONTINUED FROM THE PREVIOUS SLIDE ...</a:t>
+            </a:r>
+          </a:p>
+          <a:p>
             <a:r>
               <a:rPr lang="en-US" sz="2400" dirty="0"/>
-              <a:t>... </a:t>
-            </a:r>
-            <a:r>
-              <a:rPr lang="en-US" sz="2400" dirty="0" smtClean="0"/>
-              <a:t>CONTINUED FROM THE PREVIOUS SLIDE ...</a:t>
-            </a:r>
-          </a:p>
-          <a:p>
-            <a:r>
-              <a:rPr lang="en-US" sz="2400" dirty="0" smtClean="0"/>
-              <a:t>    5</a:t>
-            </a:r>
+              <a:t>    4: #</a:t>
+            </a:r>
+          </a:p>
+          <a:p>
             <a:r>
               <a:rPr lang="en-US" sz="2400" dirty="0"/>
-              <a:t>: # Copyright (c) </a:t>
-            </a:r>
-            <a:r>
-              <a:rPr lang="is-IS" sz="2400" dirty="0" smtClean="0"/>
-              <a:t>2017</a:t>
-            </a:r>
-            <a:r>
-              <a:rPr lang="en-US" sz="2400" dirty="0" smtClean="0"/>
-              <a:t> </a:t>
-            </a:r>
-            <a:r>
-              <a:rPr lang="en-US" sz="2400" dirty="0"/>
-              <a:t>The Authors, All Rights Reserved.</a:t>
+              <a:t>    5: # Copyright:: 2018, The Authors, All Rights Reserved.</a:t>
             </a:r>
           </a:p>
           <a:p>
@@ -17073,7 +17060,7 @@
           <a:p>
             <a:r>
               <a:rPr lang="en-US" sz="2400" dirty="0"/>
-              <a:t> =&gt; 7: </a:t>
+              <a:t>    7: </a:t>
             </a:r>
             <a:r>
               <a:rPr lang="en-US" sz="2400" dirty="0" err="1"/>
@@ -17090,15 +17077,7 @@
           <a:p>
             <a:r>
               <a:rPr lang="en-US" sz="2400" dirty="0"/>
-              <a:t>    9: package node[</a:t>
-            </a:r>
-            <a:r>
-              <a:rPr lang="en-US" sz="2400" dirty="0" smtClean="0"/>
-              <a:t>'apache'][</a:t>
-            </a:r>
-            <a:r>
-              <a:rPr lang="en-US" sz="2400" dirty="0"/>
-              <a:t>'</a:t>
+              <a:t> =&gt; 9: package node['apache']['</a:t>
             </a:r>
             <a:r>
               <a:rPr lang="en-US" sz="2400" dirty="0" err="1"/>
@@ -17106,11 +17085,7 @@
             </a:r>
             <a:r>
               <a:rPr lang="en-US" sz="2400" dirty="0"/>
-              <a:t>'</a:t>
-            </a:r>
-            <a:r>
-              <a:rPr lang="en-US" sz="2400" dirty="0" smtClean="0"/>
-              <a:t>]</a:t>
+              <a:t>’]</a:t>
             </a:r>
           </a:p>
           <a:p>
@@ -17140,19 +17115,19 @@
           <a:lstStyle/>
           <a:p>
             <a:r>
-              <a:rPr lang="en-US" dirty="0" smtClean="0"/>
+              <a:rPr lang="en-US" dirty="0"/>
               <a:t>&gt; chef exec </a:t>
             </a:r>
             <a:r>
-              <a:rPr lang="en-US" dirty="0" err="1" smtClean="0"/>
+              <a:rPr lang="en-US" dirty="0" err="1"/>
               <a:t>rspec</a:t>
             </a:r>
             <a:r>
-              <a:rPr lang="en-US" dirty="0" smtClean="0"/>
+              <a:rPr lang="en-US" dirty="0"/>
               <a:t> spec/unit/recipes/</a:t>
             </a:r>
             <a:r>
-              <a:rPr lang="en-US" dirty="0" err="1" smtClean="0"/>
+              <a:rPr lang="en-US" dirty="0" err="1"/>
               <a:t>install_spec.rb</a:t>
             </a:r>
             <a:endParaRPr lang="en-US" dirty="0"/>
@@ -17171,7 +17146,7 @@
         </p:nvSpPr>
         <p:spPr>
           <a:xfrm>
-            <a:off x="1127883" y="5588599"/>
+            <a:off x="1122782" y="6034076"/>
             <a:ext cx="14420850" cy="557213"/>
           </a:xfrm>
         </p:spPr>
@@ -17199,10 +17174,9 @@
           <a:lstStyle/>
           <a:p>
             <a:r>
-              <a:rPr lang="en-US" dirty="0" smtClean="0"/>
+              <a:rPr lang="en-US" dirty="0"/>
               <a:t>Pry Provides an Interactive Prompt</a:t>
             </a:r>
-            <a:endParaRPr lang="en-US" dirty="0"/>
           </a:p>
         </p:txBody>
       </p:sp>
@@ -17219,13 +17193,6 @@
   <p:transition spd="med">
     <p:fade/>
   </p:transition>
-  <p:timing>
-    <p:tnLst>
-      <p:par>
-        <p:cTn id="1" dur="indefinite" restart="never" nodeType="tmRoot"/>
-      </p:par>
-    </p:tnLst>
-  </p:timing>
 </p:sld>
 </file>
 
@@ -17298,22 +17265,18 @@
               <a:t>  find-method        Recursively search for a method within a class/module or the </a:t>
             </a:r>
             <a:r>
-              <a:rPr lang="en-US" sz="2000" dirty="0" err="1" smtClean="0"/>
+              <a:rPr lang="en-US" sz="2000" dirty="0" err="1"/>
               <a:t>curr</a:t>
             </a:r>
             <a:r>
-              <a:rPr lang="en-US" sz="2000" dirty="0" smtClean="0"/>
+              <a:rPr lang="en-US" sz="2000" dirty="0"/>
               <a:t>...</a:t>
             </a:r>
           </a:p>
           <a:p>
             <a:r>
               <a:rPr lang="en-US" sz="2000" dirty="0"/>
-              <a:t> </a:t>
-            </a:r>
-            <a:r>
-              <a:rPr lang="en-US" sz="2000" dirty="0" smtClean="0"/>
-              <a:t> </a:t>
+              <a:t>  </a:t>
             </a:r>
             <a:r>
               <a:rPr lang="en-US" sz="2000" dirty="0" err="1"/>
@@ -17393,13 +17356,8 @@
           <a:p>
             <a:r>
               <a:rPr lang="en-US" dirty="0"/>
-              <a:t>[1] pry(#&lt;Chef::Recipe&gt;)</a:t>
-            </a:r>
-            <a:r>
-              <a:rPr lang="en-US" dirty="0" smtClean="0"/>
-              <a:t>&gt; help</a:t>
-            </a:r>
-            <a:endParaRPr lang="en-US" dirty="0"/>
+              <a:t>[1] pry(#&lt;Chef::Recipe&gt;)&gt; help</a:t>
+            </a:r>
           </a:p>
         </p:txBody>
       </p:sp>
@@ -17419,10 +17377,9 @@
           <a:lstStyle/>
           <a:p>
             <a:r>
-              <a:rPr lang="en-US" dirty="0" smtClean="0"/>
+              <a:rPr lang="en-US" dirty="0"/>
               <a:t>Ask Pry for Help</a:t>
             </a:r>
-            <a:endParaRPr lang="en-US" dirty="0"/>
           </a:p>
         </p:txBody>
       </p:sp>
@@ -17465,20 +17422,10 @@
                   </a:schemeClr>
                 </a:solidFill>
               </a:rPr>
-              <a:t>T</a:t>
-            </a:r>
-            <a:r>
-              <a:rPr lang="en-US" sz="2800" dirty="0" smtClean="0">
-                <a:solidFill>
-                  <a:schemeClr val="bg1">
-                    <a:lumMod val="85000"/>
-                  </a:schemeClr>
-                </a:solidFill>
-              </a:rPr>
-              <a:t>o escape the help menu, type in</a:t>
-            </a:r>
-            <a:r>
-              <a:rPr lang="en-US" sz="2800" dirty="0" smtClean="0">
+              <a:t>To escape the help menu, type in</a:t>
+            </a:r>
+            <a:r>
+              <a:rPr lang="en-US" sz="2800" dirty="0">
                 <a:solidFill>
                   <a:schemeClr val="bg1"/>
                 </a:solidFill>
@@ -17501,13 +17448,6 @@
   <p:transition spd="med">
     <p:fade/>
   </p:transition>
-  <p:timing>
-    <p:tnLst>
-      <p:par>
-        <p:cTn id="1" dur="indefinite" restart="never" nodeType="tmRoot"/>
-      </p:par>
-    </p:tnLst>
-  </p:timing>
 </p:sld>
 </file>
 
@@ -17544,10 +17484,9 @@
           <a:lstStyle/>
           <a:p>
             <a:r>
-              <a:rPr lang="en-US" sz="2000" dirty="0" smtClean="0"/>
+              <a:rPr lang="en-US" sz="2000" dirty="0"/>
               <a:t>=&gt; nil</a:t>
             </a:r>
-            <a:endParaRPr lang="en-US" sz="2000" dirty="0"/>
           </a:p>
         </p:txBody>
       </p:sp>
@@ -17567,18 +17506,9 @@
           <a:lstStyle/>
           <a:p>
             <a:r>
-              <a:rPr lang="en-US" dirty="0" smtClean="0"/>
-              <a:t>[2] </a:t>
-            </a:r>
-            <a:r>
-              <a:rPr lang="en-US" dirty="0"/>
-              <a:t>pry(#&lt;Chef::Recipe&gt;)</a:t>
-            </a:r>
-            <a:r>
-              <a:rPr lang="en-US" dirty="0" smtClean="0"/>
-              <a:t>&gt; node['apache']</a:t>
-            </a:r>
-            <a:endParaRPr lang="en-US" dirty="0"/>
+              <a:rPr lang="en-US" dirty="0"/>
+              <a:t>[2] pry(#&lt;Chef::Recipe&gt;)&gt; node['apache']</a:t>
+            </a:r>
           </a:p>
         </p:txBody>
       </p:sp>
@@ -17600,10 +17530,9 @@
           <a:lstStyle/>
           <a:p>
             <a:r>
-              <a:rPr lang="en-US" dirty="0" smtClean="0"/>
+              <a:rPr lang="en-US" dirty="0"/>
               <a:t>Execute Any Code As You Would in a Recipe</a:t>
             </a:r>
-            <a:endParaRPr lang="en-US" dirty="0"/>
           </a:p>
         </p:txBody>
       </p:sp>
@@ -17620,13 +17549,6 @@
   <p:transition spd="med">
     <p:fade/>
   </p:transition>
-  <p:timing>
-    <p:tnLst>
-      <p:par>
-        <p:cTn id="1" dur="indefinite" restart="never" nodeType="tmRoot"/>
-      </p:par>
-    </p:tnLst>
-  </p:timing>
 </p:sld>
 </file>
 
@@ -17665,10 +17587,9 @@
           <a:lstStyle/>
           <a:p>
             <a:r>
-              <a:rPr lang="en-US" dirty="0" smtClean="0"/>
+              <a:rPr lang="en-US" dirty="0"/>
               <a:t>Modular Cookbook Recipes</a:t>
             </a:r>
-            <a:endParaRPr lang="en-US" dirty="0"/>
           </a:p>
         </p:txBody>
       </p:sp>
@@ -17782,7 +17703,7 @@
             <a:p>
               <a:pPr algn="r" defTabSz="914099"/>
               <a:r>
-                <a:rPr lang="en-US" sz="4000" b="1" dirty="0" smtClean="0">
+                <a:rPr lang="en-US" sz="4000" b="1" dirty="0">
                   <a:solidFill>
                     <a:schemeClr val="accent3">
                       <a:lumMod val="50000"/>
@@ -17791,7 +17712,7 @@
                 </a:rPr>
                 <a:t>apache</a:t>
               </a:r>
-              <a:endParaRPr lang="en-US" sz="4400" b="1" dirty="0" smtClean="0">
+              <a:endParaRPr lang="en-US" sz="4400" b="1" dirty="0">
                 <a:solidFill>
                   <a:schemeClr val="accent3">
                     <a:lumMod val="50000"/>
@@ -17857,7 +17778,7 @@
             <a:p>
               <a:pPr defTabSz="914099"/>
               <a:r>
-                <a:rPr lang="en-US" sz="2400" dirty="0" smtClean="0">
+                <a:rPr lang="en-US" sz="2400" dirty="0">
                   <a:solidFill>
                     <a:schemeClr val="bg1"/>
                   </a:solidFill>
@@ -17923,7 +17844,7 @@
             <a:p>
               <a:pPr defTabSz="914099"/>
               <a:r>
-                <a:rPr lang="en-US" sz="2400" dirty="0" smtClean="0">
+                <a:rPr lang="en-US" sz="2400" dirty="0">
                   <a:solidFill>
                     <a:schemeClr val="bg1"/>
                   </a:solidFill>
@@ -17989,7 +17910,7 @@
             <a:p>
               <a:pPr defTabSz="914099"/>
               <a:r>
-                <a:rPr lang="en-US" dirty="0" smtClean="0">
+                <a:rPr lang="en-US" dirty="0">
                   <a:solidFill>
                     <a:schemeClr val="bg1"/>
                   </a:solidFill>
@@ -18135,7 +18056,7 @@
             <a:p>
               <a:pPr defTabSz="914099"/>
               <a:r>
-                <a:rPr lang="en-US" sz="2400" dirty="0" smtClean="0">
+                <a:rPr lang="en-US" sz="2400" dirty="0">
                   <a:solidFill>
                     <a:schemeClr val="bg1"/>
                   </a:solidFill>
@@ -18301,7 +18222,7 @@
           <a:p>
             <a:pPr algn="r" defTabSz="914099"/>
             <a:r>
-              <a:rPr lang="en-US" sz="4000" b="1" dirty="0" err="1" smtClean="0">
+              <a:rPr lang="en-US" sz="4000" b="1" dirty="0" err="1">
                 <a:solidFill>
                   <a:schemeClr val="accent3">
                     <a:lumMod val="50000"/>
@@ -18310,7 +18231,7 @@
               </a:rPr>
               <a:t>wordpress</a:t>
             </a:r>
-            <a:endParaRPr lang="en-US" sz="4400" b="1" dirty="0" smtClean="0">
+            <a:endParaRPr lang="en-US" sz="4400" b="1" dirty="0">
               <a:solidFill>
                 <a:schemeClr val="accent3">
                   <a:lumMod val="50000"/>
@@ -18376,7 +18297,7 @@
           <a:p>
             <a:pPr defTabSz="914099"/>
             <a:r>
-              <a:rPr lang="en-US" sz="2400" dirty="0" smtClean="0">
+              <a:rPr lang="en-US" sz="2400" dirty="0">
                 <a:solidFill>
                   <a:schemeClr val="bg1"/>
                 </a:solidFill>
@@ -18839,7 +18760,7 @@
           <a:p>
             <a:pPr defTabSz="914099"/>
             <a:r>
-              <a:rPr lang="en-US" sz="2400" dirty="0" smtClean="0">
+              <a:rPr lang="en-US" sz="2400" dirty="0">
                 <a:solidFill>
                   <a:schemeClr val="bg1"/>
                 </a:solidFill>
@@ -18862,13 +18783,6 @@
   <p:transition spd="med">
     <p:fade/>
   </p:transition>
-  <p:timing>
-    <p:tnLst>
-      <p:par>
-        <p:cTn id="1" dur="indefinite" restart="never" nodeType="tmRoot"/>
-      </p:par>
-    </p:tnLst>
-  </p:timing>
 </p:sld>
 </file>
 
@@ -18943,26 +18857,17 @@
           <a:lstStyle/>
           <a:p>
             <a:r>
-              <a:rPr lang="en-US" dirty="0" smtClean="0"/>
-              <a:t>[3] </a:t>
-            </a:r>
-            <a:r>
-              <a:rPr lang="en-US" dirty="0"/>
-              <a:t>pry(#&lt;Chef::Recipe&gt;)</a:t>
-            </a:r>
-            <a:r>
-              <a:rPr lang="en-US" dirty="0" smtClean="0"/>
-              <a:t>&gt; node['</a:t>
-            </a:r>
-            <a:r>
-              <a:rPr lang="en-US" dirty="0" err="1" smtClean="0"/>
+              <a:rPr lang="en-US" dirty="0"/>
+              <a:t>[3] pry(#&lt;Chef::Recipe&gt;)&gt; node['</a:t>
+            </a:r>
+            <a:r>
+              <a:rPr lang="en-US" dirty="0" err="1"/>
               <a:t>apche</a:t>
             </a:r>
             <a:r>
-              <a:rPr lang="en-US" dirty="0" smtClean="0"/>
+              <a:rPr lang="en-US" dirty="0"/>
               <a:t>']</a:t>
             </a:r>
-            <a:endParaRPr lang="en-US" dirty="0"/>
           </a:p>
         </p:txBody>
       </p:sp>
@@ -18982,10 +18887,9 @@
           <a:lstStyle/>
           <a:p>
             <a:r>
-              <a:rPr lang="en-US" dirty="0" smtClean="0"/>
+              <a:rPr lang="en-US" dirty="0"/>
               <a:t>Explore the Different Node Attributes</a:t>
             </a:r>
-            <a:endParaRPr lang="en-US" dirty="0"/>
           </a:p>
         </p:txBody>
       </p:sp>
@@ -19002,13 +18906,6 @@
   <p:transition spd="med">
     <p:fade/>
   </p:transition>
-  <p:timing>
-    <p:tnLst>
-      <p:par>
-        <p:cTn id="1" dur="indefinite" restart="never" nodeType="tmRoot"/>
-      </p:par>
-    </p:tnLst>
-  </p:timing>
 </p:sld>
 </file>
 
@@ -19064,18 +18961,9 @@
           <a:lstStyle/>
           <a:p>
             <a:r>
-              <a:rPr lang="en-US" dirty="0" smtClean="0"/>
-              <a:t>[4] </a:t>
-            </a:r>
-            <a:r>
-              <a:rPr lang="en-US" dirty="0"/>
-              <a:t>pry(#&lt;Chef::Recipe&gt;)</a:t>
-            </a:r>
-            <a:r>
-              <a:rPr lang="en-US" dirty="0" smtClean="0"/>
-              <a:t>&gt; exit!</a:t>
-            </a:r>
-            <a:endParaRPr lang="en-US" dirty="0"/>
+              <a:rPr lang="en-US" dirty="0"/>
+              <a:t>[4] pry(#&lt;Chef::Recipe&gt;)&gt; exit!</a:t>
+            </a:r>
           </a:p>
         </p:txBody>
       </p:sp>
@@ -19095,10 +18983,9 @@
           <a:lstStyle/>
           <a:p>
             <a:r>
-              <a:rPr lang="en-US" dirty="0" smtClean="0"/>
+              <a:rPr lang="en-US" dirty="0"/>
               <a:t>Halt the Execution of the Test Immediately</a:t>
             </a:r>
-            <a:endParaRPr lang="en-US" dirty="0"/>
           </a:p>
         </p:txBody>
       </p:sp>
@@ -19115,13 +19002,6 @@
   <p:transition spd="med">
     <p:fade/>
   </p:transition>
-  <p:timing>
-    <p:tnLst>
-      <p:par>
-        <p:cTn id="1" dur="indefinite" restart="never" nodeType="tmRoot"/>
-      </p:par>
-    </p:tnLst>
-  </p:timing>
 </p:sld>
 </file>
 
@@ -19160,10 +19040,9 @@
           <a:lstStyle/>
           <a:p>
             <a:r>
-              <a:rPr lang="en-US" dirty="0" smtClean="0"/>
+              <a:rPr lang="en-US" dirty="0"/>
               <a:t>Setup a Break Point</a:t>
             </a:r>
-            <a:endParaRPr lang="en-US" dirty="0"/>
           </a:p>
         </p:txBody>
       </p:sp>
@@ -19183,10 +19062,9 @@
           <a:lstStyle/>
           <a:p>
             <a:r>
-              <a:rPr lang="en-US" dirty="0" smtClean="0"/>
+              <a:rPr lang="en-US" dirty="0"/>
               <a:t>Time to pry into the code and see what it is going on.</a:t>
             </a:r>
-            <a:endParaRPr lang="en-US" dirty="0"/>
           </a:p>
         </p:txBody>
       </p:sp>
@@ -19220,18 +19098,9 @@
               <a:buChar char="ü"/>
             </a:pPr>
             <a:r>
-              <a:rPr lang="en-US" dirty="0" smtClean="0"/>
-              <a:t>Execute </a:t>
-            </a:r>
-            <a:r>
-              <a:rPr lang="en-US" dirty="0"/>
-              <a:t>the tests </a:t>
-            </a:r>
-            <a:r>
-              <a:rPr lang="en-US" dirty="0" smtClean="0"/>
-              <a:t>to cause the breakpoint to trigger</a:t>
-            </a:r>
-            <a:endParaRPr lang="en-US" dirty="0"/>
+              <a:rPr lang="en-US" dirty="0"/>
+              <a:t>Execute the tests to cause the breakpoint to trigger</a:t>
+            </a:r>
           </a:p>
           <a:p>
             <a:pPr marL="342900" indent="-342900">
@@ -19239,10 +19108,9 @@
               <a:buChar char="q"/>
             </a:pPr>
             <a:r>
-              <a:rPr lang="en-US" dirty="0" smtClean="0"/>
+              <a:rPr lang="en-US" dirty="0"/>
               <a:t>Remove the breakpoint and restore the code</a:t>
             </a:r>
-            <a:endParaRPr lang="en-US" dirty="0"/>
           </a:p>
         </p:txBody>
       </p:sp>
@@ -19259,13 +19127,6 @@
   <p:transition spd="med">
     <p:fade/>
   </p:transition>
-  <p:timing>
-    <p:tnLst>
-      <p:par>
-        <p:cTn id="1" dur="indefinite" restart="never" nodeType="tmRoot"/>
-      </p:par>
-    </p:tnLst>
-  </p:timing>
 </p:sld>
 </file>
 
@@ -19302,10 +19163,9 @@
           <a:lstStyle/>
           <a:p>
             <a:r>
-              <a:rPr lang="en-US" dirty="0" smtClean="0"/>
+              <a:rPr lang="en-US" dirty="0"/>
               <a:t>Remove the Break Point from the Recipe</a:t>
             </a:r>
-            <a:endParaRPr lang="en-US" dirty="0"/>
           </a:p>
         </p:txBody>
       </p:sp>
@@ -19332,13 +19192,8 @@
           <a:p>
             <a:r>
               <a:rPr lang="en-US" dirty="0"/>
-              <a:t># Cookbook Name:: </a:t>
-            </a:r>
-            <a:r>
-              <a:rPr lang="en-US" dirty="0" smtClean="0"/>
-              <a:t>apache</a:t>
-            </a:r>
-            <a:endParaRPr lang="en-US" dirty="0"/>
+              <a:t># Cookbook Name:: apache</a:t>
+            </a:r>
           </a:p>
           <a:p>
             <a:r>
@@ -19358,16 +19213,12 @@
               <a:t># Copyright (c) </a:t>
             </a:r>
             <a:r>
-              <a:rPr lang="is-IS" dirty="0" smtClean="0"/>
+              <a:rPr lang="is-IS" dirty="0"/>
               <a:t>2017</a:t>
             </a:r>
             <a:r>
-              <a:rPr lang="en-US" dirty="0" smtClean="0"/>
-              <a:t> </a:t>
-            </a:r>
-            <a:r>
-              <a:rPr lang="en-US" dirty="0"/>
-              <a:t>The Authors, All Rights Reserved.</a:t>
+              <a:rPr lang="en-US" dirty="0"/>
+              <a:t> The Authors, All Rights Reserved.</a:t>
             </a:r>
           </a:p>
           <a:p>
@@ -19389,15 +19240,7 @@
           <a:p>
             <a:r>
               <a:rPr lang="en-US" dirty="0"/>
-              <a:t>package node[</a:t>
-            </a:r>
-            <a:r>
-              <a:rPr lang="en-US" dirty="0" smtClean="0"/>
-              <a:t>'apache'][</a:t>
-            </a:r>
-            <a:r>
-              <a:rPr lang="en-US" dirty="0"/>
-              <a:t>'</a:t>
+              <a:t>package node['apache']['</a:t>
             </a:r>
             <a:r>
               <a:rPr lang="en-US" dirty="0" err="1"/>
@@ -19429,11 +19272,11 @@
           <a:lstStyle/>
           <a:p>
             <a:r>
-              <a:rPr lang="en-US" dirty="0" smtClean="0"/>
+              <a:rPr lang="en-US" dirty="0"/>
               <a:t>~/apache/recipes/</a:t>
             </a:r>
             <a:r>
-              <a:rPr lang="en-US" dirty="0" err="1" smtClean="0"/>
+              <a:rPr lang="en-US" dirty="0" err="1"/>
               <a:t>install.rb</a:t>
             </a:r>
             <a:endParaRPr lang="en-US" dirty="0"/>
@@ -19461,7 +19304,7 @@
           <a:lstStyle/>
           <a:p>
             <a:r>
-              <a:rPr lang="en-US" dirty="0" smtClean="0"/>
+              <a:rPr lang="en-US" dirty="0"/>
               <a:t>-</a:t>
             </a:r>
           </a:p>
@@ -19480,13 +19323,6 @@
   <p:transition spd="med">
     <p:fade/>
   </p:transition>
-  <p:timing>
-    <p:tnLst>
-      <p:par>
-        <p:cTn id="1" dur="indefinite" restart="never" nodeType="tmRoot"/>
-      </p:par>
-    </p:tnLst>
-  </p:timing>
 </p:sld>
 </file>
 
@@ -19523,10 +19359,9 @@
           <a:lstStyle/>
           <a:p>
             <a:r>
-              <a:rPr lang="en-US" dirty="0" smtClean="0"/>
+              <a:rPr lang="en-US" dirty="0"/>
               <a:t>Fix the Change in the Attributes</a:t>
             </a:r>
-            <a:endParaRPr lang="en-US" dirty="0"/>
           </a:p>
         </p:txBody>
       </p:sp>
@@ -19547,15 +19382,7 @@
           <a:p>
             <a:r>
               <a:rPr lang="en-US" dirty="0"/>
-              <a:t>default[</a:t>
-            </a:r>
-            <a:r>
-              <a:rPr lang="en-US" dirty="0" smtClean="0"/>
-              <a:t>'apache'][</a:t>
-            </a:r>
-            <a:r>
-              <a:rPr lang="en-US" dirty="0"/>
-              <a:t>'</a:t>
+              <a:t>default['apache']['</a:t>
             </a:r>
             <a:r>
               <a:rPr lang="en-US" dirty="0" err="1"/>
@@ -19592,11 +19419,11 @@
           <a:lstStyle/>
           <a:p>
             <a:r>
-              <a:rPr lang="en-US" dirty="0" smtClean="0"/>
+              <a:rPr lang="en-US" dirty="0"/>
               <a:t>~/apache/attributes/</a:t>
             </a:r>
             <a:r>
-              <a:rPr lang="en-US" dirty="0" err="1" smtClean="0"/>
+              <a:rPr lang="en-US" dirty="0" err="1"/>
               <a:t>default.rb</a:t>
             </a:r>
             <a:endParaRPr lang="en-US" dirty="0"/>
@@ -19624,10 +19451,9 @@
           <a:lstStyle/>
           <a:p>
             <a:r>
-              <a:rPr lang="en-US" dirty="0" smtClean="0"/>
+              <a:rPr lang="en-US" dirty="0"/>
               <a:t>+</a:t>
             </a:r>
-            <a:endParaRPr lang="en-US" dirty="0"/>
           </a:p>
         </p:txBody>
       </p:sp>
@@ -19644,13 +19470,6 @@
   <p:transition spd="med">
     <p:fade/>
   </p:transition>
-  <p:timing>
-    <p:tnLst>
-      <p:par>
-        <p:cTn id="1" dur="indefinite" restart="never" nodeType="tmRoot"/>
-      </p:par>
-    </p:tnLst>
-  </p:timing>
 </p:sld>
 </file>
 
@@ -19689,10 +19508,9 @@
           <a:lstStyle/>
           <a:p>
             <a:r>
-              <a:rPr lang="en-US" dirty="0" smtClean="0"/>
+              <a:rPr lang="en-US" dirty="0"/>
               <a:t>Setup a Break Point</a:t>
             </a:r>
-            <a:endParaRPr lang="en-US" dirty="0"/>
           </a:p>
         </p:txBody>
       </p:sp>
@@ -19712,10 +19530,9 @@
           <a:lstStyle/>
           <a:p>
             <a:r>
-              <a:rPr lang="en-US" dirty="0" smtClean="0"/>
+              <a:rPr lang="en-US" dirty="0"/>
               <a:t>Time to pry into the code and see what it is going on.</a:t>
             </a:r>
-            <a:endParaRPr lang="en-US" dirty="0"/>
           </a:p>
         </p:txBody>
       </p:sp>
@@ -19739,7 +19556,7 @@
               <a:buChar char="ü"/>
             </a:pPr>
             <a:r>
-              <a:rPr lang="en-US" dirty="0" smtClean="0"/>
+              <a:rPr lang="en-US" dirty="0"/>
               <a:t>Mutate the code and add the breakpoint</a:t>
             </a:r>
           </a:p>
@@ -19750,13 +19567,8 @@
             </a:pPr>
             <a:r>
               <a:rPr lang="en-US" dirty="0"/>
-              <a:t>Execute the tests </a:t>
-            </a:r>
-            <a:r>
-              <a:rPr lang="en-US" dirty="0" smtClean="0"/>
-              <a:t>to cause the breakpoint to trigger</a:t>
-            </a:r>
-            <a:endParaRPr lang="en-US" dirty="0"/>
+              <a:t>Execute the tests to cause the breakpoint to trigger</a:t>
+            </a:r>
           </a:p>
           <a:p>
             <a:pPr marL="342900" indent="-342900">
@@ -19764,10 +19576,9 @@
               <a:buChar char="ü"/>
             </a:pPr>
             <a:r>
-              <a:rPr lang="en-US" dirty="0" smtClean="0"/>
+              <a:rPr lang="en-US" dirty="0"/>
               <a:t>Remove the breakpoint and restore the code</a:t>
             </a:r>
-            <a:endParaRPr lang="en-US" dirty="0"/>
           </a:p>
         </p:txBody>
       </p:sp>
@@ -19784,13 +19595,6 @@
   <p:transition spd="med">
     <p:fade/>
   </p:transition>
-  <p:timing>
-    <p:tnLst>
-      <p:par>
-        <p:cTn id="1" dur="indefinite" restart="never" nodeType="tmRoot"/>
-      </p:par>
-    </p:tnLst>
-  </p:timing>
 </p:sld>
 </file>
 
@@ -19829,10 +19633,9 @@
           <a:lstStyle/>
           <a:p>
             <a:r>
-              <a:rPr lang="en-US" dirty="0" smtClean="0"/>
+              <a:rPr lang="en-US" dirty="0"/>
               <a:t>Refactor Remaining Resources</a:t>
             </a:r>
-            <a:endParaRPr lang="en-US" dirty="0"/>
           </a:p>
         </p:txBody>
       </p:sp>
@@ -19853,15 +19656,7 @@
           <a:p>
             <a:r>
               <a:rPr lang="en-US" dirty="0"/>
-              <a:t>Refactor the </a:t>
-            </a:r>
-            <a:r>
-              <a:rPr lang="en-US" dirty="0" smtClean="0"/>
-              <a:t>resource to </a:t>
-            </a:r>
-            <a:r>
-              <a:rPr lang="en-US" dirty="0"/>
-              <a:t>use a Node attribute</a:t>
+              <a:t>Refactor the resource to use a Node attribute</a:t>
             </a:r>
           </a:p>
           <a:p>
@@ -19872,57 +19667,36 @@
           </a:p>
           <a:p>
             <a:r>
-              <a:rPr lang="en-US" dirty="0" smtClean="0"/>
+              <a:rPr lang="en-US" dirty="0"/>
               <a:t>Add the new Node attribute</a:t>
             </a:r>
           </a:p>
           <a:p>
             <a:r>
               <a:rPr lang="en-US" dirty="0"/>
-              <a:t>E</a:t>
-            </a:r>
-            <a:r>
-              <a:rPr lang="en-US" dirty="0" smtClean="0"/>
-              <a:t>xecute </a:t>
-            </a:r>
-            <a:r>
-              <a:rPr lang="en-US" dirty="0"/>
-              <a:t>the tests </a:t>
-            </a:r>
-            <a:r>
-              <a:rPr lang="en-US" dirty="0" smtClean="0"/>
-              <a:t>and </a:t>
-            </a:r>
-            <a:r>
-              <a:rPr lang="en-US" dirty="0"/>
-              <a:t>verify the tests </a:t>
-            </a:r>
-            <a:r>
-              <a:rPr lang="en-US" dirty="0" smtClean="0"/>
-              <a:t>pass</a:t>
+              <a:t>Execute the tests and verify the tests pass</a:t>
             </a:r>
           </a:p>
           <a:p>
             <a:pPr marL="0" indent="0">
               <a:buNone/>
             </a:pPr>
-            <a:endParaRPr lang="en-US" dirty="0" smtClean="0"/>
+            <a:endParaRPr lang="en-US" dirty="0"/>
           </a:p>
           <a:p>
             <a:pPr marL="0" indent="0">
               <a:buNone/>
             </a:pPr>
-            <a:endParaRPr lang="en-US" dirty="0" smtClean="0"/>
+            <a:endParaRPr lang="en-US" dirty="0"/>
           </a:p>
           <a:p>
             <a:pPr marL="0" indent="0">
               <a:buNone/>
             </a:pPr>
             <a:r>
-              <a:rPr lang="en-US" i="1" dirty="0" smtClean="0"/>
+              <a:rPr lang="en-US" i="1" dirty="0"/>
               <a:t>BONUS: Use pry to verify that the attribute has been set.</a:t>
             </a:r>
-            <a:endParaRPr lang="en-US" i="1" dirty="0"/>
           </a:p>
         </p:txBody>
       </p:sp>
@@ -19958,21 +19732,8 @@
             </a:pPr>
             <a:r>
               <a:rPr lang="en-US" b="1" dirty="0"/>
-              <a:t>Repeat this </a:t>
-            </a:r>
-            <a:r>
-              <a:rPr lang="en-US" b="1" dirty="0" smtClean="0"/>
-              <a:t>series </a:t>
-            </a:r>
-            <a:r>
-              <a:rPr lang="en-US" b="1" dirty="0"/>
-              <a:t>of steps </a:t>
-            </a:r>
-            <a:r>
-              <a:rPr lang="en-US" b="1" dirty="0" smtClean="0"/>
-              <a:t>for the configuration recipe and service recipe</a:t>
-            </a:r>
-            <a:endParaRPr lang="en-US" b="1" dirty="0"/>
+              <a:t>Repeat this series of steps for the configuration recipe and service recipe</a:t>
+            </a:r>
           </a:p>
         </p:txBody>
       </p:sp>
@@ -19989,13 +19750,6 @@
   <p:transition spd="med">
     <p:fade/>
   </p:transition>
-  <p:timing>
-    <p:tnLst>
-      <p:par>
-        <p:cTn id="1" dur="indefinite" restart="never" nodeType="tmRoot"/>
-      </p:par>
-    </p:tnLst>
-  </p:timing>
 </p:sld>
 </file>
 
@@ -20034,10 +19788,9 @@
           <a:lstStyle/>
           <a:p>
             <a:r>
-              <a:rPr lang="en-US" dirty="0" smtClean="0"/>
+              <a:rPr lang="en-US" dirty="0"/>
               <a:t>Update the Recipe to use the Node Attribute</a:t>
             </a:r>
-            <a:endParaRPr lang="en-US" dirty="0"/>
           </a:p>
         </p:txBody>
       </p:sp>
@@ -20064,13 +19817,8 @@
           <a:p>
             <a:r>
               <a:rPr lang="en-US" dirty="0"/>
-              <a:t># Cookbook Name:: </a:t>
-            </a:r>
-            <a:r>
-              <a:rPr lang="en-US" dirty="0" smtClean="0"/>
-              <a:t>apache</a:t>
-            </a:r>
-            <a:endParaRPr lang="en-US" dirty="0"/>
+              <a:t># Cookbook Name:: apache</a:t>
+            </a:r>
           </a:p>
           <a:p>
             <a:r>
@@ -20090,30 +19838,18 @@
               <a:t># Copyright (c) </a:t>
             </a:r>
             <a:r>
-              <a:rPr lang="is-IS" dirty="0" smtClean="0"/>
+              <a:rPr lang="is-IS" dirty="0"/>
               <a:t>2017</a:t>
             </a:r>
             <a:r>
-              <a:rPr lang="en-US" dirty="0" smtClean="0"/>
-              <a:t> </a:t>
-            </a:r>
-            <a:r>
-              <a:rPr lang="en-US" dirty="0"/>
-              <a:t>The Authors, All Rights Reserved.</a:t>
-            </a:r>
-          </a:p>
-          <a:p>
-            <a:r>
-              <a:rPr lang="en-US" dirty="0"/>
-              <a:t>service node[</a:t>
-            </a:r>
-            <a:r>
-              <a:rPr lang="en-US" dirty="0" smtClean="0"/>
-              <a:t>'apache'][</a:t>
-            </a:r>
-            <a:r>
-              <a:rPr lang="en-US" dirty="0"/>
-              <a:t>'</a:t>
+              <a:rPr lang="en-US" dirty="0"/>
+              <a:t> The Authors, All Rights Reserved.</a:t>
+            </a:r>
+          </a:p>
+          <a:p>
+            <a:r>
+              <a:rPr lang="en-US" dirty="0"/>
+              <a:t>service node['apache']['</a:t>
             </a:r>
             <a:r>
               <a:rPr lang="en-US" dirty="0" err="1"/>
@@ -20154,11 +19890,11 @@
           <a:lstStyle/>
           <a:p>
             <a:r>
-              <a:rPr lang="en-US" dirty="0" smtClean="0"/>
+              <a:rPr lang="en-US" dirty="0"/>
               <a:t>~/apache/recipes/</a:t>
             </a:r>
             <a:r>
-              <a:rPr lang="en-US" dirty="0" err="1" smtClean="0"/>
+              <a:rPr lang="en-US" dirty="0" err="1"/>
               <a:t>service.rb</a:t>
             </a:r>
             <a:endParaRPr lang="en-US" dirty="0"/>
@@ -20186,10 +19922,9 @@
           <a:lstStyle/>
           <a:p>
             <a:r>
-              <a:rPr lang="en-US" dirty="0" smtClean="0"/>
+              <a:rPr lang="en-US" dirty="0"/>
               <a:t>+</a:t>
             </a:r>
-            <a:endParaRPr lang="en-US" dirty="0"/>
           </a:p>
         </p:txBody>
       </p:sp>
@@ -20206,13 +19941,6 @@
   <p:transition spd="med">
     <p:fade/>
   </p:transition>
-  <p:timing>
-    <p:tnLst>
-      <p:par>
-        <p:cTn id="1" dur="indefinite" restart="never" nodeType="tmRoot"/>
-      </p:par>
-    </p:tnLst>
-  </p:timing>
 </p:sld>
 </file>
 
@@ -20268,23 +19996,7 @@
           <a:p>
             <a:r>
               <a:rPr lang="en-US" sz="2400" dirty="0"/>
-              <a:t>  1) </a:t>
-            </a:r>
-            <a:r>
-              <a:rPr lang="en-US" sz="2400" dirty="0" smtClean="0"/>
-              <a:t>apache::</a:t>
-            </a:r>
-            <a:r>
-              <a:rPr lang="en-US" sz="2400" dirty="0"/>
-              <a:t>service When all attributes are default, on an </a:t>
-            </a:r>
-            <a:r>
-              <a:rPr lang="en-US" sz="2400" dirty="0" smtClean="0"/>
-              <a:t>CentOS 6.7 </a:t>
-            </a:r>
-            <a:r>
-              <a:rPr lang="en-US" sz="2400" dirty="0"/>
-              <a:t>converges successfully</a:t>
+              <a:t>  1) apache::service When all attributes are default, on an Centos 6.9 converges successfully</a:t>
             </a:r>
           </a:p>
           <a:p>
@@ -20315,25 +20027,20 @@
             <a:endParaRPr lang="en-US" sz="2400" dirty="0"/>
           </a:p>
           <a:p>
+            <a:endParaRPr lang="en-US" sz="2400" dirty="0"/>
+          </a:p>
+          <a:p>
             <a:r>
               <a:rPr lang="en-US" sz="2400" dirty="0"/>
               <a:t>       expected no Exception, got #&lt;</a:t>
             </a:r>
             <a:r>
               <a:rPr lang="en-US" sz="2400" dirty="0" err="1"/>
-              <a:t>NoMethodError</a:t>
+              <a:t>ArgumentError</a:t>
             </a:r>
             <a:r>
               <a:rPr lang="en-US" sz="2400" dirty="0"/>
-              <a:t>: undefined method `[]' for </a:t>
-            </a:r>
-            <a:r>
-              <a:rPr lang="en-US" sz="2400" dirty="0" err="1"/>
-              <a:t>nil:NilClass</a:t>
-            </a:r>
-            <a:r>
-              <a:rPr lang="en-US" sz="2400" dirty="0"/>
-              <a:t>&gt; with </a:t>
+              <a:t>: You must supply a name when declaring a service resource&gt; with </a:t>
             </a:r>
             <a:r>
               <a:rPr lang="en-US" sz="2400" dirty="0" err="1"/>
@@ -20350,34 +20057,21 @@
               <a:t>         # /</a:t>
             </a:r>
             <a:r>
-              <a:rPr lang="en-US" sz="2400" dirty="0" err="1" smtClean="0"/>
+              <a:rPr lang="en-US" sz="2400" dirty="0" err="1"/>
               <a:t>tmp</a:t>
             </a:r>
             <a:r>
-              <a:rPr lang="en-US" sz="2400" dirty="0" smtClean="0"/>
-              <a:t>/d</a:t>
-            </a:r>
-            <a:r>
-              <a:rPr lang="is-IS" sz="2400" dirty="0" smtClean="0"/>
-              <a:t>2017</a:t>
-            </a:r>
-            <a:r>
-              <a:rPr lang="en-US" sz="2400" dirty="0" smtClean="0"/>
-              <a:t>1027-27872-9rctn8/cookbooks/apache/recipes/service.rb:6:in </a:t>
-            </a:r>
-            <a:r>
               <a:rPr lang="en-US" sz="2400" dirty="0"/>
-              <a:t>`</a:t>
+              <a:t>/chefspec20180313-17746-14gwtwpfile_cache_path/cookbooks/apache/recipes/service.rb:6:in `</a:t>
             </a:r>
             <a:r>
               <a:rPr lang="en-US" sz="2400" dirty="0" err="1"/>
               <a:t>from_file</a:t>
             </a:r>
             <a:r>
-              <a:rPr lang="en-US" sz="2400" dirty="0" smtClean="0"/>
+              <a:rPr lang="en-US" sz="2400" dirty="0"/>
               <a:t>'</a:t>
             </a:r>
-            <a:endParaRPr lang="en-US" sz="2400" dirty="0"/>
           </a:p>
         </p:txBody>
       </p:sp>
@@ -20397,19 +20091,19 @@
           <a:lstStyle/>
           <a:p>
             <a:r>
-              <a:rPr lang="en-US" dirty="0" smtClean="0"/>
+              <a:rPr lang="en-US" dirty="0"/>
               <a:t>&gt; chef exec </a:t>
             </a:r>
             <a:r>
-              <a:rPr lang="en-US" dirty="0" err="1" smtClean="0"/>
+              <a:rPr lang="en-US" dirty="0" err="1"/>
               <a:t>rspec</a:t>
             </a:r>
             <a:r>
-              <a:rPr lang="en-US" dirty="0" smtClean="0"/>
+              <a:rPr lang="en-US" dirty="0"/>
               <a:t> spec/unit/recipes/</a:t>
             </a:r>
             <a:r>
-              <a:rPr lang="en-US" dirty="0" err="1" smtClean="0"/>
+              <a:rPr lang="en-US" dirty="0" err="1"/>
               <a:t>service_spec.rb</a:t>
             </a:r>
             <a:endParaRPr lang="en-US" dirty="0"/>
@@ -20429,7 +20123,7 @@
         <p:spPr>
           <a:xfrm>
             <a:off x="1127883" y="4995932"/>
-            <a:ext cx="14420850" cy="1364651"/>
+            <a:ext cx="14420850" cy="1803453"/>
           </a:xfrm>
         </p:spPr>
         <p:txBody>
@@ -20456,10 +20150,9 @@
           <a:lstStyle/>
           <a:p>
             <a:r>
-              <a:rPr lang="en-US" dirty="0" smtClean="0"/>
+              <a:rPr lang="en-US" dirty="0"/>
               <a:t>Execute the Tests to See it Fail</a:t>
             </a:r>
-            <a:endParaRPr lang="en-US" dirty="0"/>
           </a:p>
         </p:txBody>
       </p:sp>
@@ -20476,13 +20169,6 @@
   <p:transition spd="med">
     <p:fade/>
   </p:transition>
-  <p:timing>
-    <p:tnLst>
-      <p:par>
-        <p:cTn id="1" dur="indefinite" restart="never" nodeType="tmRoot"/>
-      </p:par>
-    </p:tnLst>
-  </p:timing>
 </p:sld>
 </file>
 
@@ -20519,10 +20205,9 @@
           <a:lstStyle/>
           <a:p>
             <a:r>
-              <a:rPr lang="en-US" dirty="0" smtClean="0"/>
+              <a:rPr lang="en-US" dirty="0"/>
               <a:t>Add the Default Node Attribute</a:t>
             </a:r>
-            <a:endParaRPr lang="en-US" dirty="0"/>
           </a:p>
         </p:txBody>
       </p:sp>
@@ -20542,46 +20227,16 @@
           <a:lstStyle/>
           <a:p>
             <a:r>
-              <a:rPr lang="en-US" dirty="0" smtClean="0"/>
+              <a:rPr lang="en-US" dirty="0"/>
               <a:t>default['apache']['</a:t>
             </a:r>
             <a:r>
-              <a:rPr lang="en-US" dirty="0" err="1" smtClean="0"/>
+              <a:rPr lang="en-US" dirty="0" err="1"/>
               <a:t>package_name</a:t>
             </a:r>
             <a:r>
-              <a:rPr lang="en-US" dirty="0" smtClean="0"/>
+              <a:rPr lang="en-US" dirty="0"/>
               <a:t>'] = '</a:t>
-            </a:r>
-            <a:r>
-              <a:rPr lang="en-US" dirty="0" err="1" smtClean="0"/>
-              <a:t>httpd</a:t>
-            </a:r>
-            <a:r>
-              <a:rPr lang="en-US" dirty="0" smtClean="0"/>
-              <a:t>'</a:t>
-            </a:r>
-          </a:p>
-          <a:p>
-            <a:r>
-              <a:rPr lang="en-US" dirty="0"/>
-              <a:t>default[</a:t>
-            </a:r>
-            <a:r>
-              <a:rPr lang="en-US" dirty="0" smtClean="0"/>
-              <a:t>'apache']['</a:t>
-            </a:r>
-            <a:r>
-              <a:rPr lang="en-US" dirty="0" err="1" smtClean="0"/>
-              <a:t>service_name</a:t>
-            </a:r>
-            <a:r>
-              <a:rPr lang="en-US" dirty="0" smtClean="0"/>
-              <a:t>'</a:t>
-            </a:r>
-            <a:r>
-              <a:rPr lang="en-US" dirty="0"/>
-              <a:t>] = '</a:t>
             </a:r>
             <a:r>
               <a:rPr lang="en-US" dirty="0" err="1"/>
@@ -20593,6 +20248,28 @@
             </a:r>
           </a:p>
           <a:p>
+            <a:r>
+              <a:rPr lang="en-US" dirty="0"/>
+              <a:t>default['apache']['</a:t>
+            </a:r>
+            <a:r>
+              <a:rPr lang="en-US" dirty="0" err="1"/>
+              <a:t>service_name</a:t>
+            </a:r>
+            <a:r>
+              <a:rPr lang="en-US" dirty="0"/>
+              <a:t>'] = '</a:t>
+            </a:r>
+            <a:r>
+              <a:rPr lang="en-US" dirty="0" err="1"/>
+              <a:t>httpd</a:t>
+            </a:r>
+            <a:r>
+              <a:rPr lang="en-US" dirty="0"/>
+              <a:t>'</a:t>
+            </a:r>
+          </a:p>
+          <a:p>
             <a:endParaRPr lang="en-US" dirty="0"/>
           </a:p>
         </p:txBody>
@@ -20613,11 +20290,11 @@
           <a:lstStyle/>
           <a:p>
             <a:r>
-              <a:rPr lang="en-US" dirty="0" smtClean="0"/>
+              <a:rPr lang="en-US" dirty="0"/>
               <a:t>~/apache/attributes/</a:t>
             </a:r>
             <a:r>
-              <a:rPr lang="en-US" dirty="0" err="1" smtClean="0"/>
+              <a:rPr lang="en-US" dirty="0" err="1"/>
               <a:t>default.rb</a:t>
             </a:r>
             <a:endParaRPr lang="en-US" dirty="0"/>
@@ -20661,13 +20338,6 @@
   <p:transition spd="med">
     <p:fade/>
   </p:transition>
-  <p:timing>
-    <p:tnLst>
-      <p:par>
-        <p:cTn id="1" dur="indefinite" restart="never" nodeType="tmRoot"/>
-      </p:par>
-    </p:tnLst>
-  </p:timing>
 </p:sld>
 </file>
 
@@ -20706,10 +20376,9 @@
           <a:lstStyle/>
           <a:p>
             <a:r>
-              <a:rPr lang="en-US" dirty="0" smtClean="0"/>
+              <a:rPr lang="en-US" dirty="0"/>
               <a:t>Modular Cookbook Recipes</a:t>
             </a:r>
-            <a:endParaRPr lang="en-US" dirty="0"/>
           </a:p>
         </p:txBody>
       </p:sp>
@@ -20778,7 +20447,7 @@
             <a:p>
               <a:pPr algn="r" defTabSz="914099"/>
               <a:r>
-                <a:rPr lang="en-US" sz="4000" b="1" dirty="0" smtClean="0">
+                <a:rPr lang="en-US" sz="4000" b="1" dirty="0">
                   <a:solidFill>
                     <a:schemeClr val="accent3">
                       <a:lumMod val="50000"/>
@@ -20787,7 +20456,7 @@
                 </a:rPr>
                 <a:t>apache</a:t>
               </a:r>
-              <a:endParaRPr lang="en-US" sz="4400" b="1" dirty="0" smtClean="0">
+              <a:endParaRPr lang="en-US" sz="4400" b="1" dirty="0">
                 <a:solidFill>
                   <a:schemeClr val="accent3">
                     <a:lumMod val="50000"/>
@@ -20851,7 +20520,7 @@
             <a:p>
               <a:pPr defTabSz="914099"/>
               <a:r>
-                <a:rPr lang="en-US" sz="2000" dirty="0" smtClean="0">
+                <a:rPr lang="en-US" sz="2000" dirty="0">
                   <a:solidFill>
                     <a:schemeClr val="bg1"/>
                   </a:solidFill>
@@ -20915,7 +20584,7 @@
             <a:p>
               <a:pPr defTabSz="914099"/>
               <a:r>
-                <a:rPr lang="en-US" sz="2000" dirty="0" smtClean="0">
+                <a:rPr lang="en-US" sz="2000" dirty="0">
                   <a:solidFill>
                     <a:schemeClr val="bg1"/>
                   </a:solidFill>
@@ -20979,7 +20648,7 @@
             <a:p>
               <a:pPr defTabSz="914099"/>
               <a:r>
-                <a:rPr lang="en-US" sz="2000" dirty="0" smtClean="0">
+                <a:rPr lang="en-US" sz="2000" dirty="0">
                   <a:solidFill>
                     <a:schemeClr val="bg1"/>
                   </a:solidFill>
@@ -21043,7 +20712,7 @@
             <a:p>
               <a:pPr defTabSz="914099"/>
               <a:r>
-                <a:rPr lang="en-US" sz="2000" dirty="0" smtClean="0">
+                <a:rPr lang="en-US" sz="2000" dirty="0">
                   <a:solidFill>
                     <a:schemeClr val="bg1"/>
                   </a:solidFill>
@@ -21291,7 +20960,7 @@
             <a:lstStyle/>
             <a:p>
               <a:pPr algn="ctr" defTabSz="914099"/>
-              <a:endParaRPr lang="en-US" sz="2400" dirty="0" err="1" smtClean="0">
+              <a:endParaRPr lang="en-US" sz="2400" dirty="0" err="1">
                 <a:gradFill>
                   <a:gsLst>
                     <a:gs pos="0">
@@ -21362,7 +21031,7 @@
             <a:lstStyle/>
             <a:p>
               <a:pPr algn="ctr" defTabSz="914099"/>
-              <a:endParaRPr lang="en-US" sz="2400" dirty="0" err="1" smtClean="0">
+              <a:endParaRPr lang="en-US" sz="2400" dirty="0" err="1">
                 <a:gradFill>
                   <a:gsLst>
                     <a:gs pos="0">
@@ -21433,7 +21102,7 @@
             <a:lstStyle/>
             <a:p>
               <a:pPr algn="ctr" defTabSz="914099"/>
-              <a:endParaRPr lang="en-US" sz="2400" dirty="0" err="1" smtClean="0">
+              <a:endParaRPr lang="en-US" sz="2400" dirty="0" err="1">
                 <a:gradFill>
                   <a:gsLst>
                     <a:gs pos="0">
@@ -21675,7 +21344,7 @@
           </a:lstStyle>
           <a:p>
             <a:r>
-              <a:rPr lang="en-US" sz="2400" b="1" dirty="0" smtClean="0">
+              <a:rPr lang="en-US" sz="2400" b="1" dirty="0">
                 <a:latin typeface="Courier New" charset="0"/>
                 <a:ea typeface="Courier New" charset="0"/>
                 <a:cs typeface="Courier New" charset="0"/>
@@ -21683,7 +21352,7 @@
               <a:t>file '/</a:t>
             </a:r>
             <a:r>
-              <a:rPr lang="en-US" sz="2400" b="1" dirty="0" err="1" smtClean="0">
+              <a:rPr lang="en-US" sz="2400" b="1" dirty="0" err="1">
                 <a:latin typeface="Courier New" charset="0"/>
                 <a:ea typeface="Courier New" charset="0"/>
                 <a:cs typeface="Courier New" charset="0"/>
@@ -21691,7 +21360,7 @@
               <a:t>var</a:t>
             </a:r>
             <a:r>
-              <a:rPr lang="en-US" sz="2400" b="1" dirty="0" smtClean="0">
+              <a:rPr lang="en-US" sz="2400" b="1" dirty="0">
                 <a:latin typeface="Courier New" charset="0"/>
                 <a:ea typeface="Courier New" charset="0"/>
                 <a:cs typeface="Courier New" charset="0"/>
@@ -21699,7 +21368,7 @@
               <a:t>/www/html/</a:t>
             </a:r>
             <a:r>
-              <a:rPr lang="en-US" sz="2400" b="1" dirty="0" err="1" smtClean="0">
+              <a:rPr lang="en-US" sz="2400" b="1" dirty="0" err="1">
                 <a:latin typeface="Courier New" charset="0"/>
                 <a:ea typeface="Courier New" charset="0"/>
                 <a:cs typeface="Courier New" charset="0"/>
@@ -21707,7 +21376,7 @@
               <a:t>index.html</a:t>
             </a:r>
             <a:r>
-              <a:rPr lang="en-US" sz="2400" b="1" dirty="0" smtClean="0">
+              <a:rPr lang="en-US" sz="2400" b="1" dirty="0">
                 <a:latin typeface="Courier New" charset="0"/>
                 <a:ea typeface="Courier New" charset="0"/>
                 <a:cs typeface="Courier New" charset="0"/>
@@ -21717,33 +21386,23 @@
           </a:p>
           <a:p>
             <a:r>
-              <a:rPr lang="en-US" sz="2400" b="1" dirty="0" smtClean="0">
+              <a:rPr lang="en-US" sz="2400" b="1" dirty="0">
                 <a:latin typeface="Courier New" charset="0"/>
                 <a:ea typeface="Courier New" charset="0"/>
                 <a:cs typeface="Courier New" charset="0"/>
               </a:rPr>
               <a:t>  content '&lt;h1&gt;Welcome Home&lt;/h1&gt;'</a:t>
             </a:r>
-            <a:endParaRPr lang="en-US" sz="2400" b="1" dirty="0">
-              <a:latin typeface="Courier New" charset="0"/>
-              <a:ea typeface="Courier New" charset="0"/>
-              <a:cs typeface="Courier New" charset="0"/>
-            </a:endParaRPr>
-          </a:p>
-          <a:p>
-            <a:r>
-              <a:rPr lang="en-US" sz="2400" b="1" dirty="0" smtClean="0">
+          </a:p>
+          <a:p>
+            <a:r>
+              <a:rPr lang="en-US" sz="2400" b="1" dirty="0">
                 <a:latin typeface="Courier New" charset="0"/>
                 <a:ea typeface="Courier New" charset="0"/>
                 <a:cs typeface="Courier New" charset="0"/>
               </a:rPr>
               <a:t>end</a:t>
             </a:r>
-            <a:endParaRPr lang="en-US" sz="2400" b="1" dirty="0">
-              <a:latin typeface="Courier New" charset="0"/>
-              <a:ea typeface="Courier New" charset="0"/>
-              <a:cs typeface="Courier New" charset="0"/>
-            </a:endParaRPr>
           </a:p>
         </p:txBody>
       </p:sp>
@@ -21925,7 +21584,7 @@
           </a:lstStyle>
           <a:p>
             <a:r>
-              <a:rPr lang="en-US" sz="2800" b="1" dirty="0" smtClean="0">
+              <a:rPr lang="en-US" sz="2800" b="1" dirty="0">
                 <a:latin typeface="Courier New" charset="0"/>
                 <a:ea typeface="Courier New" charset="0"/>
                 <a:cs typeface="Courier New" charset="0"/>
@@ -21933,7 +21592,7 @@
               <a:t>~/apache/recipes/</a:t>
             </a:r>
             <a:r>
-              <a:rPr lang="en-US" sz="2800" b="1" dirty="0" err="1" smtClean="0">
+              <a:rPr lang="en-US" sz="2800" b="1" dirty="0" err="1">
                 <a:latin typeface="Courier New" charset="0"/>
                 <a:ea typeface="Courier New" charset="0"/>
                 <a:cs typeface="Courier New" charset="0"/>
@@ -22042,13 +21701,6 @@
   <p:transition spd="med">
     <p:fade/>
   </p:transition>
-  <p:timing>
-    <p:tnLst>
-      <p:par>
-        <p:cTn id="1" dur="indefinite" restart="never" nodeType="tmRoot"/>
-      </p:par>
-    </p:tnLst>
-  </p:timing>
 </p:sld>
 </file>
 
@@ -22122,19 +21774,19 @@
           <a:lstStyle/>
           <a:p>
             <a:r>
-              <a:rPr lang="en-US" dirty="0" smtClean="0"/>
+              <a:rPr lang="en-US" dirty="0"/>
               <a:t>&gt; chef exec </a:t>
             </a:r>
             <a:r>
-              <a:rPr lang="en-US" dirty="0" err="1" smtClean="0"/>
+              <a:rPr lang="en-US" dirty="0" err="1"/>
               <a:t>rspec</a:t>
             </a:r>
             <a:r>
-              <a:rPr lang="en-US" dirty="0" smtClean="0"/>
+              <a:rPr lang="en-US" dirty="0"/>
               <a:t> spec/unit/recipes/</a:t>
             </a:r>
             <a:r>
-              <a:rPr lang="en-US" dirty="0" err="1" smtClean="0"/>
+              <a:rPr lang="en-US" dirty="0" err="1"/>
               <a:t>service_spec.rb</a:t>
             </a:r>
             <a:endParaRPr lang="en-US" dirty="0"/>
@@ -22181,11 +21833,11 @@
           <a:lstStyle/>
           <a:p>
             <a:r>
-              <a:rPr lang="en-US" dirty="0" smtClean="0"/>
+              <a:rPr lang="en-US" dirty="0"/>
               <a:t>Execute the Tests to See </a:t>
             </a:r>
             <a:r>
-              <a:rPr lang="en-US" smtClean="0"/>
+              <a:rPr lang="en-US"/>
               <a:t>it Pass</a:t>
             </a:r>
             <a:endParaRPr lang="en-US" dirty="0"/>
@@ -22205,13 +21857,6 @@
   <p:transition spd="med">
     <p:fade/>
   </p:transition>
-  <p:timing>
-    <p:tnLst>
-      <p:par>
-        <p:cTn id="1" dur="indefinite" restart="never" nodeType="tmRoot"/>
-      </p:par>
-    </p:tnLst>
-  </p:timing>
 </p:sld>
 </file>
 
@@ -22239,7 +21884,7 @@
             <a:spLocks noGrp="1"/>
           </p:cNvSpPr>
           <p:nvPr>
-            <p:ph type="ctrTitle"/>
+            <p:ph type="title"/>
           </p:nvPr>
         </p:nvSpPr>
         <p:spPr/>
@@ -22250,12 +21895,106 @@
           <a:lstStyle/>
           <a:p>
             <a:r>
-              <a:rPr lang="en-US" dirty="0" smtClean="0"/>
-              <a:t>Refactor </a:t>
-            </a:r>
-            <a:r>
-              <a:rPr lang="en-US" smtClean="0"/>
-              <a:t>Remaining Resources</a:t>
+              <a:rPr lang="en-US" dirty="0"/>
+              <a:t>Update the Recipe to use the Node Attribute</a:t>
+            </a:r>
+          </a:p>
+        </p:txBody>
+      </p:sp>
+      <p:sp>
+        <p:nvSpPr>
+          <p:cNvPr id="3" name="Content Placeholder 2"/>
+          <p:cNvSpPr>
+            <a:spLocks noGrp="1"/>
+          </p:cNvSpPr>
+          <p:nvPr>
+            <p:ph sz="quarter" idx="10"/>
+          </p:nvPr>
+        </p:nvSpPr>
+        <p:spPr/>
+        <p:txBody>
+          <a:bodyPr/>
+          <a:lstStyle/>
+          <a:p>
+            <a:r>
+              <a:rPr lang="en-US" dirty="0"/>
+              <a:t>#</a:t>
+            </a:r>
+          </a:p>
+          <a:p>
+            <a:r>
+              <a:rPr lang="en-US" dirty="0"/>
+              <a:t># Cookbook:: apache</a:t>
+            </a:r>
+          </a:p>
+          <a:p>
+            <a:r>
+              <a:rPr lang="en-US" dirty="0"/>
+              <a:t># Recipe:: configuration</a:t>
+            </a:r>
+          </a:p>
+          <a:p>
+            <a:r>
+              <a:rPr lang="en-US" dirty="0"/>
+              <a:t>#</a:t>
+            </a:r>
+          </a:p>
+          <a:p>
+            <a:r>
+              <a:rPr lang="en-US" dirty="0"/>
+              <a:t># Copyright:: 2018, The Authors, All Rights Reserved.</a:t>
+            </a:r>
+          </a:p>
+          <a:p>
+            <a:r>
+              <a:rPr lang="en-US" dirty="0"/>
+              <a:t>file node['apache']['</a:t>
+            </a:r>
+            <a:r>
+              <a:rPr lang="en-US" dirty="0" err="1"/>
+              <a:t>default_index_html</a:t>
+            </a:r>
+            <a:r>
+              <a:rPr lang="en-US" dirty="0"/>
+              <a:t>'] do</a:t>
+            </a:r>
+          </a:p>
+          <a:p>
+            <a:r>
+              <a:rPr lang="en-US" dirty="0"/>
+              <a:t>  content '&lt;h1&gt;Welcome Home!&lt;/h1&gt;'</a:t>
+            </a:r>
+          </a:p>
+          <a:p>
+            <a:r>
+              <a:rPr lang="en-US" dirty="0"/>
+              <a:t>end</a:t>
+            </a:r>
+          </a:p>
+        </p:txBody>
+      </p:sp>
+      <p:sp>
+        <p:nvSpPr>
+          <p:cNvPr id="4" name="Text Placeholder 3"/>
+          <p:cNvSpPr>
+            <a:spLocks noGrp="1"/>
+          </p:cNvSpPr>
+          <p:nvPr>
+            <p:ph type="body" sz="quarter" idx="11"/>
+          </p:nvPr>
+        </p:nvSpPr>
+        <p:spPr/>
+        <p:txBody>
+          <a:bodyPr/>
+          <a:lstStyle/>
+          <a:p>
+            <a:r>
+              <a:rPr lang="en-US" dirty="0"/>
+              <a:t>~/apache/recipes/</a:t>
+            </a:r>
+            <a:r>
+              <a:rPr lang="en-US" dirty="0" err="1"/>
+              <a:t>configuration.rb</a:t>
             </a:r>
             <a:endParaRPr lang="en-US" dirty="0"/>
           </a:p>
@@ -22263,164 +22002,35 @@
       </p:sp>
       <p:sp>
         <p:nvSpPr>
-          <p:cNvPr id="3" name="Subtitle 2"/>
-          <p:cNvSpPr>
-            <a:spLocks noGrp="1"/>
-          </p:cNvSpPr>
-          <p:nvPr>
-            <p:ph type="subTitle" idx="1"/>
-          </p:nvPr>
-        </p:nvSpPr>
-        <p:spPr/>
-        <p:txBody>
-          <a:bodyPr/>
-          <a:lstStyle/>
-          <a:p>
-            <a:pPr>
-              <a:buFont typeface="Wingdings" charset="2"/>
-              <a:buChar char="ü"/>
-            </a:pPr>
-            <a:r>
-              <a:rPr lang="en-US" dirty="0"/>
-              <a:t>Refactor the </a:t>
-            </a:r>
-            <a:r>
-              <a:rPr lang="en-US" dirty="0" smtClean="0"/>
-              <a:t>resource to </a:t>
-            </a:r>
-            <a:r>
-              <a:rPr lang="en-US" dirty="0"/>
-              <a:t>use a Node attribute</a:t>
-            </a:r>
-          </a:p>
-          <a:p>
-            <a:pPr>
-              <a:buFont typeface="Wingdings" charset="2"/>
-              <a:buChar char="ü"/>
-            </a:pPr>
-            <a:r>
-              <a:rPr lang="en-US" dirty="0"/>
-              <a:t>Execute the tests and verify the tests fail</a:t>
-            </a:r>
-          </a:p>
-          <a:p>
-            <a:pPr>
-              <a:buFont typeface="Wingdings" charset="2"/>
-              <a:buChar char="ü"/>
-            </a:pPr>
-            <a:r>
-              <a:rPr lang="en-US" dirty="0" smtClean="0"/>
-              <a:t>Add the new Node attribute</a:t>
-            </a:r>
-          </a:p>
-          <a:p>
-            <a:pPr>
-              <a:buFont typeface="Wingdings" charset="2"/>
-              <a:buChar char="ü"/>
-            </a:pPr>
-            <a:r>
-              <a:rPr lang="en-US" dirty="0"/>
-              <a:t>E</a:t>
-            </a:r>
-            <a:r>
-              <a:rPr lang="en-US" dirty="0" smtClean="0"/>
-              <a:t>xecute </a:t>
-            </a:r>
-            <a:r>
-              <a:rPr lang="en-US" dirty="0"/>
-              <a:t>the tests </a:t>
-            </a:r>
-            <a:r>
-              <a:rPr lang="en-US" dirty="0" smtClean="0"/>
-              <a:t>and </a:t>
-            </a:r>
-            <a:r>
-              <a:rPr lang="en-US" dirty="0"/>
-              <a:t>verify the tests </a:t>
-            </a:r>
-            <a:r>
-              <a:rPr lang="en-US" dirty="0" smtClean="0"/>
-              <a:t>pass</a:t>
-            </a:r>
-          </a:p>
-          <a:p>
-            <a:pPr marL="0" indent="0">
-              <a:buNone/>
-            </a:pPr>
-            <a:endParaRPr lang="en-US" dirty="0" smtClean="0"/>
-          </a:p>
-          <a:p>
-            <a:pPr marL="0" indent="0">
-              <a:buNone/>
-            </a:pPr>
-            <a:endParaRPr lang="en-US" dirty="0" smtClean="0"/>
-          </a:p>
-          <a:p>
-            <a:pPr marL="0" indent="0">
-              <a:buNone/>
-            </a:pPr>
-            <a:r>
-              <a:rPr lang="en-US" i="1" dirty="0" smtClean="0"/>
-              <a:t>BONUS: Use pry to verify that the attribute has been set.</a:t>
-            </a:r>
-            <a:endParaRPr lang="en-US" i="1" dirty="0"/>
-          </a:p>
-        </p:txBody>
-      </p:sp>
-      <p:sp>
-        <p:nvSpPr>
-          <p:cNvPr id="4" name="TextBox 3"/>
-          <p:cNvSpPr txBox="1"/>
-          <p:nvPr/>
-        </p:nvSpPr>
-        <p:spPr bwMode="white">
+          <p:cNvPr id="6" name="Text Placeholder 5"/>
+          <p:cNvSpPr>
+            <a:spLocks noGrp="1"/>
+          </p:cNvSpPr>
+          <p:nvPr>
+            <p:ph type="body" sz="quarter" idx="13"/>
+          </p:nvPr>
+        </p:nvSpPr>
+        <p:spPr>
           <a:xfrm>
-            <a:off x="1671638" y="7282069"/>
-            <a:ext cx="12330113" cy="675861"/>
+            <a:off x="1135042" y="4757314"/>
+            <a:ext cx="14404273" cy="626533"/>
           </a:xfrm>
-          <a:prstGeom prst="rect">
-            <a:avLst/>
-          </a:prstGeom>
-          <a:solidFill>
-            <a:schemeClr val="bg2">
-              <a:lumMod val="85000"/>
-            </a:schemeClr>
-          </a:solidFill>
         </p:spPr>
         <p:txBody>
-          <a:bodyPr vert="horz" wrap="square" lIns="91440" tIns="91440" rIns="91440" bIns="91440" rtlCol="0">
-            <a:normAutofit/>
-          </a:bodyPr>
-          <a:lstStyle/>
-          <a:p>
-            <a:pPr marL="342900" indent="-342900" algn="ctr">
-              <a:buFont typeface="Wingdings" charset="2"/>
-              <a:buChar char="v"/>
-            </a:pPr>
-            <a:r>
-              <a:rPr lang="en-US" b="1" dirty="0"/>
-              <a:t>Repeat this </a:t>
-            </a:r>
-            <a:r>
-              <a:rPr lang="en-US" b="1" dirty="0" smtClean="0"/>
-              <a:t>series </a:t>
-            </a:r>
-            <a:r>
-              <a:rPr lang="en-US" b="1" dirty="0"/>
-              <a:t>of steps </a:t>
-            </a:r>
-            <a:r>
-              <a:rPr lang="en-US" b="1" dirty="0" smtClean="0"/>
-              <a:t>for the configuration recipe and service recipe</a:t>
-            </a:r>
-            <a:endParaRPr lang="en-US" b="1" dirty="0"/>
+          <a:bodyPr/>
+          <a:lstStyle/>
+          <a:p>
+            <a:r>
+              <a:rPr lang="en-US" dirty="0"/>
+              <a:t>+</a:t>
+            </a:r>
           </a:p>
         </p:txBody>
       </p:sp>
     </p:spTree>
     <p:extLst>
       <p:ext uri="{BB962C8B-B14F-4D97-AF65-F5344CB8AC3E}">
-        <p14:creationId xmlns:p14="http://schemas.microsoft.com/office/powerpoint/2010/main" val="898352096"/>
+        <p14:creationId xmlns:p14="http://schemas.microsoft.com/office/powerpoint/2010/main" val="1450188016"/>
       </p:ext>
     </p:extLst>
   </p:cSld>
@@ -22430,13 +22040,6 @@
   <p:transition spd="med">
     <p:fade/>
   </p:transition>
-  <p:timing>
-    <p:tnLst>
-      <p:par>
-        <p:cTn id="1" dur="indefinite" restart="never" nodeType="tmRoot"/>
-      </p:par>
-    </p:tnLst>
-  </p:timing>
 </p:sld>
 </file>
 
@@ -22459,24 +22062,139 @@
       </p:grpSpPr>
       <p:sp>
         <p:nvSpPr>
-          <p:cNvPr id="2" name="Title 1"/>
-          <p:cNvSpPr>
-            <a:spLocks noGrp="1"/>
-          </p:cNvSpPr>
-          <p:nvPr>
-            <p:ph type="ctrTitle"/>
-          </p:nvPr>
-        </p:nvSpPr>
-        <p:spPr/>
-        <p:txBody>
-          <a:bodyPr>
-            <a:normAutofit fontScale="90000"/>
-          </a:bodyPr>
-          <a:lstStyle/>
-          <a:p>
-            <a:r>
-              <a:rPr lang="en-US" dirty="0" smtClean="0"/>
-              <a:t>Discussion</a:t>
+          <p:cNvPr id="2" name="Content Placeholder 1"/>
+          <p:cNvSpPr>
+            <a:spLocks noGrp="1"/>
+          </p:cNvSpPr>
+          <p:nvPr>
+            <p:ph sz="quarter" idx="10"/>
+          </p:nvPr>
+        </p:nvSpPr>
+        <p:spPr/>
+        <p:txBody>
+          <a:bodyPr/>
+          <a:lstStyle/>
+          <a:p>
+            <a:r>
+              <a:rPr lang="en-US" sz="2400" dirty="0"/>
+              <a:t>FF</a:t>
+            </a:r>
+          </a:p>
+          <a:p>
+            <a:endParaRPr lang="en-US" sz="2400" dirty="0"/>
+          </a:p>
+          <a:p>
+            <a:r>
+              <a:rPr lang="en-US" sz="2400" dirty="0"/>
+              <a:t>Failures:</a:t>
+            </a:r>
+          </a:p>
+          <a:p>
+            <a:endParaRPr lang="en-US" sz="2400" dirty="0"/>
+          </a:p>
+          <a:p>
+            <a:r>
+              <a:rPr lang="en-US" sz="2400" dirty="0"/>
+              <a:t>  1) apache::configuration When all attributes are default, on an Centos 6.9 </a:t>
+            </a:r>
+            <a:r>
+              <a:rPr lang="en-US" sz="2400" dirty="0" err="1"/>
+              <a:t>conve</a:t>
+            </a:r>
+            <a:endParaRPr lang="en-US" sz="2400" dirty="0"/>
+          </a:p>
+          <a:p>
+            <a:r>
+              <a:rPr lang="en-US" sz="2400" dirty="0"/>
+              <a:t>     Failure/Error: expect { </a:t>
+            </a:r>
+            <a:r>
+              <a:rPr lang="en-US" sz="2400" dirty="0" err="1"/>
+              <a:t>chef_run</a:t>
+            </a:r>
+            <a:r>
+              <a:rPr lang="en-US" sz="2400" dirty="0"/>
+              <a:t> }.</a:t>
+            </a:r>
+            <a:r>
+              <a:rPr lang="en-US" sz="2400" dirty="0" err="1"/>
+              <a:t>to_not</a:t>
+            </a:r>
+            <a:r>
+              <a:rPr lang="en-US" sz="2400" dirty="0"/>
+              <a:t> </a:t>
+            </a:r>
+            <a:r>
+              <a:rPr lang="en-US" sz="2400" dirty="0" err="1"/>
+              <a:t>raise_error</a:t>
+            </a:r>
+            <a:endParaRPr lang="en-US" sz="2400" dirty="0"/>
+          </a:p>
+          <a:p>
+            <a:endParaRPr lang="en-US" sz="2400" dirty="0"/>
+          </a:p>
+          <a:p>
+            <a:r>
+              <a:rPr lang="en-US" sz="2400" dirty="0"/>
+              <a:t>       expected no Exception, got #&lt;</a:t>
+            </a:r>
+            <a:r>
+              <a:rPr lang="en-US" sz="2400" dirty="0" err="1"/>
+              <a:t>ArgumentError</a:t>
+            </a:r>
+            <a:r>
+              <a:rPr lang="en-US" sz="2400" dirty="0"/>
+              <a:t>: You must supply a name when </a:t>
+            </a:r>
+            <a:r>
+              <a:rPr lang="en-US" sz="2400" dirty="0" err="1"/>
+              <a:t>decurce</a:t>
+            </a:r>
+            <a:r>
+              <a:rPr lang="en-US" sz="2400" dirty="0"/>
+              <a:t>&gt; with </a:t>
+            </a:r>
+            <a:r>
+              <a:rPr lang="en-US" sz="2400" dirty="0" err="1"/>
+              <a:t>backtrace</a:t>
+            </a:r>
+            <a:r>
+              <a:rPr lang="en-US" sz="2400" dirty="0"/>
+              <a:t>:</a:t>
+            </a:r>
+          </a:p>
+        </p:txBody>
+      </p:sp>
+      <p:sp>
+        <p:nvSpPr>
+          <p:cNvPr id="3" name="Text Placeholder 2"/>
+          <p:cNvSpPr>
+            <a:spLocks noGrp="1"/>
+          </p:cNvSpPr>
+          <p:nvPr>
+            <p:ph type="body" sz="quarter" idx="11"/>
+          </p:nvPr>
+        </p:nvSpPr>
+        <p:spPr/>
+        <p:txBody>
+          <a:bodyPr/>
+          <a:lstStyle/>
+          <a:p>
+            <a:r>
+              <a:rPr lang="en-US" dirty="0"/>
+              <a:t>&gt; chef exec </a:t>
+            </a:r>
+            <a:r>
+              <a:rPr lang="en-US" dirty="0" err="1"/>
+              <a:t>rspec</a:t>
+            </a:r>
+            <a:r>
+              <a:rPr lang="en-US" dirty="0"/>
+              <a:t> spec/unit/recipes/</a:t>
+            </a:r>
+            <a:r>
+              <a:rPr lang="en-US" dirty="0" err="1"/>
+              <a:t>configuration_spec.rb</a:t>
             </a:r>
             <a:endParaRPr lang="en-US" dirty="0"/>
           </a:p>
@@ -22484,44 +22202,54 @@
       </p:sp>
       <p:sp>
         <p:nvSpPr>
-          <p:cNvPr id="3" name="Subtitle 2"/>
-          <p:cNvSpPr>
-            <a:spLocks noGrp="1"/>
-          </p:cNvSpPr>
-          <p:nvPr>
-            <p:ph type="subTitle" idx="1"/>
-          </p:nvPr>
-        </p:nvSpPr>
-        <p:spPr/>
-        <p:txBody>
-          <a:bodyPr/>
-          <a:lstStyle/>
-          <a:p>
-            <a:r>
-              <a:rPr lang="en-US" dirty="0" smtClean="0"/>
-              <a:t>What are the benefits of providing the package name and service name as node attributes?</a:t>
-            </a:r>
-          </a:p>
-          <a:p>
-            <a:endParaRPr lang="en-US" dirty="0" smtClean="0"/>
-          </a:p>
-          <a:p>
-            <a:r>
-              <a:rPr lang="en-US" dirty="0" smtClean="0"/>
-              <a:t>What value does Pry provide to you as a </a:t>
-            </a:r>
-            <a:r>
-              <a:rPr lang="en-US" smtClean="0"/>
-              <a:t>Cookbook Developer?</a:t>
-            </a:r>
-            <a:endParaRPr lang="en-US" dirty="0" smtClean="0"/>
+          <p:cNvPr id="4" name="Content Placeholder 3"/>
+          <p:cNvSpPr>
+            <a:spLocks noGrp="1"/>
+          </p:cNvSpPr>
+          <p:nvPr>
+            <p:ph sz="quarter" idx="12"/>
+          </p:nvPr>
+        </p:nvSpPr>
+        <p:spPr>
+          <a:xfrm>
+            <a:off x="1127883" y="4995932"/>
+            <a:ext cx="14420850" cy="1826899"/>
+          </a:xfrm>
+        </p:spPr>
+        <p:txBody>
+          <a:bodyPr/>
+          <a:lstStyle/>
+          <a:p>
+            <a:endParaRPr lang="en-US" dirty="0"/>
+          </a:p>
+        </p:txBody>
+      </p:sp>
+      <p:sp>
+        <p:nvSpPr>
+          <p:cNvPr id="5" name="Title 4"/>
+          <p:cNvSpPr>
+            <a:spLocks noGrp="1"/>
+          </p:cNvSpPr>
+          <p:nvPr>
+            <p:ph type="title"/>
+          </p:nvPr>
+        </p:nvSpPr>
+        <p:spPr/>
+        <p:txBody>
+          <a:bodyPr/>
+          <a:lstStyle/>
+          <a:p>
+            <a:r>
+              <a:rPr lang="en-US" dirty="0"/>
+              <a:t>Execute the Tests to See it Fail</a:t>
+            </a:r>
           </a:p>
         </p:txBody>
       </p:sp>
     </p:spTree>
     <p:extLst>
       <p:ext uri="{BB962C8B-B14F-4D97-AF65-F5344CB8AC3E}">
-        <p14:creationId xmlns:p14="http://schemas.microsoft.com/office/powerpoint/2010/main" val="108599519"/>
+        <p14:creationId xmlns:p14="http://schemas.microsoft.com/office/powerpoint/2010/main" val="1307714614"/>
       </p:ext>
     </p:extLst>
   </p:cSld>
@@ -22531,13 +22259,6 @@
   <p:transition spd="med">
     <p:fade/>
   </p:transition>
-  <p:timing>
-    <p:tnLst>
-      <p:par>
-        <p:cTn id="1" dur="indefinite" restart="never" nodeType="tmRoot"/>
-      </p:par>
-    </p:tnLst>
-  </p:timing>
 </p:sld>
 </file>
 
@@ -22565,19 +22286,127 @@
             <a:spLocks noGrp="1"/>
           </p:cNvSpPr>
           <p:nvPr>
-            <p:ph type="ctrTitle"/>
+            <p:ph type="title"/>
+          </p:nvPr>
+        </p:nvSpPr>
+        <p:spPr/>
+        <p:txBody>
+          <a:bodyPr/>
+          <a:lstStyle/>
+          <a:p>
+            <a:r>
+              <a:rPr lang="en-US" dirty="0"/>
+              <a:t>Add the Default Node Attribute</a:t>
+            </a:r>
+          </a:p>
+        </p:txBody>
+      </p:sp>
+      <p:sp>
+        <p:nvSpPr>
+          <p:cNvPr id="3" name="Content Placeholder 2"/>
+          <p:cNvSpPr>
+            <a:spLocks noGrp="1"/>
+          </p:cNvSpPr>
+          <p:nvPr>
+            <p:ph sz="quarter" idx="10"/>
           </p:nvPr>
         </p:nvSpPr>
         <p:spPr/>
         <p:txBody>
           <a:bodyPr>
-            <a:normAutofit fontScale="90000"/>
+            <a:normAutofit/>
           </a:bodyPr>
           <a:lstStyle/>
           <a:p>
             <a:r>
-              <a:rPr lang="en-US" dirty="0" smtClean="0"/>
-              <a:t>Q&amp;A</a:t>
+              <a:rPr lang="en-US" sz="2400" dirty="0"/>
+              <a:t>default['apache']['</a:t>
+            </a:r>
+            <a:r>
+              <a:rPr lang="en-US" sz="2400" dirty="0" err="1"/>
+              <a:t>package_name</a:t>
+            </a:r>
+            <a:r>
+              <a:rPr lang="en-US" sz="2400" dirty="0"/>
+              <a:t>'] = '</a:t>
+            </a:r>
+            <a:r>
+              <a:rPr lang="en-US" sz="2400" dirty="0" err="1"/>
+              <a:t>httpd</a:t>
+            </a:r>
+            <a:r>
+              <a:rPr lang="en-US" sz="2400" dirty="0"/>
+              <a:t>'</a:t>
+            </a:r>
+          </a:p>
+          <a:p>
+            <a:r>
+              <a:rPr lang="en-US" sz="2400" dirty="0"/>
+              <a:t>default['apache']['</a:t>
+            </a:r>
+            <a:r>
+              <a:rPr lang="en-US" sz="2400" dirty="0" err="1"/>
+              <a:t>service_name</a:t>
+            </a:r>
+            <a:r>
+              <a:rPr lang="en-US" sz="2400" dirty="0"/>
+              <a:t>'] = '</a:t>
+            </a:r>
+            <a:r>
+              <a:rPr lang="en-US" sz="2400" dirty="0" err="1"/>
+              <a:t>httpd</a:t>
+            </a:r>
+            <a:r>
+              <a:rPr lang="en-US" sz="2400" dirty="0"/>
+              <a:t>'</a:t>
+            </a:r>
+          </a:p>
+          <a:p>
+            <a:r>
+              <a:rPr lang="en-US" sz="2400" dirty="0"/>
+              <a:t>default['apache']['</a:t>
+            </a:r>
+            <a:r>
+              <a:rPr lang="en-US" sz="2400" dirty="0" err="1"/>
+              <a:t>default_index_html</a:t>
+            </a:r>
+            <a:r>
+              <a:rPr lang="en-US" sz="2400" dirty="0"/>
+              <a:t>'] = '/</a:t>
+            </a:r>
+            <a:r>
+              <a:rPr lang="en-US" sz="2400" dirty="0" err="1"/>
+              <a:t>var</a:t>
+            </a:r>
+            <a:r>
+              <a:rPr lang="en-US" sz="2400" dirty="0"/>
+              <a:t>/www/html/index.html'</a:t>
+            </a:r>
+          </a:p>
+        </p:txBody>
+      </p:sp>
+      <p:sp>
+        <p:nvSpPr>
+          <p:cNvPr id="4" name="Text Placeholder 3"/>
+          <p:cNvSpPr>
+            <a:spLocks noGrp="1"/>
+          </p:cNvSpPr>
+          <p:nvPr>
+            <p:ph type="body" sz="quarter" idx="11"/>
+          </p:nvPr>
+        </p:nvSpPr>
+        <p:spPr/>
+        <p:txBody>
+          <a:bodyPr/>
+          <a:lstStyle/>
+          <a:p>
+            <a:r>
+              <a:rPr lang="en-US" dirty="0"/>
+              <a:t>~/apache/attributes/</a:t>
+            </a:r>
+            <a:r>
+              <a:rPr lang="en-US" dirty="0" err="1"/>
+              <a:t>default.rb</a:t>
             </a:r>
             <a:endParaRPr lang="en-US" dirty="0"/>
           </a:p>
@@ -22585,35 +22414,32 @@
       </p:sp>
       <p:sp>
         <p:nvSpPr>
-          <p:cNvPr id="3" name="Subtitle 2"/>
-          <p:cNvSpPr>
-            <a:spLocks noGrp="1"/>
-          </p:cNvSpPr>
-          <p:nvPr>
-            <p:ph type="subTitle" idx="1"/>
-          </p:nvPr>
-        </p:nvSpPr>
-        <p:spPr/>
-        <p:txBody>
-          <a:bodyPr/>
-          <a:lstStyle/>
-          <a:p>
-            <a:r>
-              <a:rPr lang="en-US" dirty="0" smtClean="0"/>
-              <a:t>What questions can we answer for you</a:t>
-            </a:r>
-            <a:r>
-              <a:rPr lang="en-US" dirty="0"/>
-              <a:t>?</a:t>
-            </a:r>
-            <a:endParaRPr lang="en-US" dirty="0" smtClean="0"/>
+          <p:cNvPr id="6" name="Text Placeholder 5"/>
+          <p:cNvSpPr>
+            <a:spLocks noGrp="1"/>
+          </p:cNvSpPr>
+          <p:nvPr>
+            <p:ph type="body" sz="quarter" idx="13"/>
+          </p:nvPr>
+        </p:nvSpPr>
+        <p:spPr>
+          <a:xfrm>
+            <a:off x="1121104" y="3062681"/>
+            <a:ext cx="14404273" cy="524582"/>
+          </a:xfrm>
+        </p:spPr>
+        <p:txBody>
+          <a:bodyPr/>
+          <a:lstStyle/>
+          <a:p>
+            <a:endParaRPr lang="en-US" dirty="0"/>
           </a:p>
         </p:txBody>
       </p:sp>
     </p:spTree>
     <p:extLst>
       <p:ext uri="{BB962C8B-B14F-4D97-AF65-F5344CB8AC3E}">
-        <p14:creationId xmlns:p14="http://schemas.microsoft.com/office/powerpoint/2010/main" val="570223909"/>
+        <p14:creationId xmlns:p14="http://schemas.microsoft.com/office/powerpoint/2010/main" val="1783117909"/>
       </p:ext>
     </p:extLst>
   </p:cSld>
@@ -22623,13 +22449,6 @@
   <p:transition spd="med">
     <p:fade/>
   </p:transition>
-  <p:timing>
-    <p:tnLst>
-      <p:par>
-        <p:cTn id="1" dur="indefinite" restart="never" nodeType="tmRoot"/>
-      </p:par>
-    </p:tnLst>
-  </p:timing>
 </p:sld>
 </file>
 
@@ -22657,6 +22476,510 @@
             <a:spLocks noGrp="1"/>
           </p:cNvSpPr>
           <p:nvPr>
+            <p:ph sz="quarter" idx="10"/>
+          </p:nvPr>
+        </p:nvSpPr>
+        <p:spPr/>
+        <p:txBody>
+          <a:bodyPr/>
+          <a:lstStyle/>
+          <a:p>
+            <a:r>
+              <a:rPr lang="en-US" sz="2400" dirty="0"/>
+              <a:t>..</a:t>
+            </a:r>
+          </a:p>
+          <a:p>
+            <a:endParaRPr lang="en-US" sz="2400" dirty="0"/>
+          </a:p>
+          <a:p>
+            <a:r>
+              <a:rPr lang="en-US" sz="2400" dirty="0"/>
+              <a:t>Finished in 1.14 seconds (files took 4.03 seconds to load)</a:t>
+            </a:r>
+          </a:p>
+          <a:p>
+            <a:r>
+              <a:rPr lang="en-US" sz="2400" dirty="0"/>
+              <a:t>2 examples, 0 failures</a:t>
+            </a:r>
+          </a:p>
+        </p:txBody>
+      </p:sp>
+      <p:sp>
+        <p:nvSpPr>
+          <p:cNvPr id="3" name="Text Placeholder 2"/>
+          <p:cNvSpPr>
+            <a:spLocks noGrp="1"/>
+          </p:cNvSpPr>
+          <p:nvPr>
+            <p:ph type="body" sz="quarter" idx="11"/>
+          </p:nvPr>
+        </p:nvSpPr>
+        <p:spPr/>
+        <p:txBody>
+          <a:bodyPr/>
+          <a:lstStyle/>
+          <a:p>
+            <a:r>
+              <a:rPr lang="en-US" dirty="0"/>
+              <a:t>&gt; chef exec </a:t>
+            </a:r>
+            <a:r>
+              <a:rPr lang="en-US" dirty="0" err="1"/>
+              <a:t>rspec</a:t>
+            </a:r>
+            <a:r>
+              <a:rPr lang="en-US" dirty="0"/>
+              <a:t> spec/unit/recipes/</a:t>
+            </a:r>
+            <a:r>
+              <a:rPr lang="en-US" dirty="0" err="1"/>
+              <a:t>configuration_spec.rb</a:t>
+            </a:r>
+            <a:endParaRPr lang="en-US" dirty="0"/>
+          </a:p>
+        </p:txBody>
+      </p:sp>
+      <p:sp>
+        <p:nvSpPr>
+          <p:cNvPr id="4" name="Content Placeholder 3"/>
+          <p:cNvSpPr>
+            <a:spLocks noGrp="1"/>
+          </p:cNvSpPr>
+          <p:nvPr>
+            <p:ph sz="quarter" idx="12"/>
+          </p:nvPr>
+        </p:nvSpPr>
+        <p:spPr>
+          <a:xfrm>
+            <a:off x="1127883" y="3683600"/>
+            <a:ext cx="14420850" cy="496818"/>
+          </a:xfrm>
+        </p:spPr>
+        <p:txBody>
+          <a:bodyPr/>
+          <a:lstStyle/>
+          <a:p>
+            <a:endParaRPr lang="en-US" dirty="0"/>
+          </a:p>
+        </p:txBody>
+      </p:sp>
+      <p:sp>
+        <p:nvSpPr>
+          <p:cNvPr id="5" name="Title 4"/>
+          <p:cNvSpPr>
+            <a:spLocks noGrp="1"/>
+          </p:cNvSpPr>
+          <p:nvPr>
+            <p:ph type="title"/>
+          </p:nvPr>
+        </p:nvSpPr>
+        <p:spPr/>
+        <p:txBody>
+          <a:bodyPr/>
+          <a:lstStyle/>
+          <a:p>
+            <a:r>
+              <a:rPr lang="en-US" dirty="0"/>
+              <a:t>Execute the Tests to See </a:t>
+            </a:r>
+            <a:r>
+              <a:rPr lang="en-US"/>
+              <a:t>it Pass</a:t>
+            </a:r>
+            <a:endParaRPr lang="en-US" dirty="0"/>
+          </a:p>
+        </p:txBody>
+      </p:sp>
+    </p:spTree>
+    <p:extLst>
+      <p:ext uri="{BB962C8B-B14F-4D97-AF65-F5344CB8AC3E}">
+        <p14:creationId xmlns:p14="http://schemas.microsoft.com/office/powerpoint/2010/main" val="2633738386"/>
+      </p:ext>
+    </p:extLst>
+  </p:cSld>
+  <p:clrMapOvr>
+    <a:masterClrMapping/>
+  </p:clrMapOvr>
+  <p:transition spd="med">
+    <p:fade/>
+  </p:transition>
+</p:sld>
+</file>
+
+<file path=ppt/slides/slide45.xml><?xml version="1.0" encoding="utf-8"?>
+<p:sld xmlns:a="http://schemas.openxmlformats.org/drawingml/2006/main" xmlns:r="http://schemas.openxmlformats.org/officeDocument/2006/relationships" xmlns:p="http://schemas.openxmlformats.org/presentationml/2006/main">
+  <p:cSld>
+    <p:spTree>
+      <p:nvGrpSpPr>
+        <p:cNvPr id="1" name=""/>
+        <p:cNvGrpSpPr/>
+        <p:nvPr/>
+      </p:nvGrpSpPr>
+      <p:grpSpPr>
+        <a:xfrm>
+          <a:off x="0" y="0"/>
+          <a:ext cx="0" cy="0"/>
+          <a:chOff x="0" y="0"/>
+          <a:chExt cx="0" cy="0"/>
+        </a:xfrm>
+      </p:grpSpPr>
+      <p:sp>
+        <p:nvSpPr>
+          <p:cNvPr id="2" name="Title 1"/>
+          <p:cNvSpPr>
+            <a:spLocks noGrp="1"/>
+          </p:cNvSpPr>
+          <p:nvPr>
+            <p:ph type="ctrTitle"/>
+          </p:nvPr>
+        </p:nvSpPr>
+        <p:spPr/>
+        <p:txBody>
+          <a:bodyPr>
+            <a:normAutofit fontScale="90000"/>
+          </a:bodyPr>
+          <a:lstStyle/>
+          <a:p>
+            <a:r>
+              <a:rPr lang="en-US" dirty="0"/>
+              <a:t>Refactor </a:t>
+            </a:r>
+            <a:r>
+              <a:rPr lang="en-US"/>
+              <a:t>Remaining Resources</a:t>
+            </a:r>
+            <a:endParaRPr lang="en-US" dirty="0"/>
+          </a:p>
+        </p:txBody>
+      </p:sp>
+      <p:sp>
+        <p:nvSpPr>
+          <p:cNvPr id="3" name="Subtitle 2"/>
+          <p:cNvSpPr>
+            <a:spLocks noGrp="1"/>
+          </p:cNvSpPr>
+          <p:nvPr>
+            <p:ph type="subTitle" idx="1"/>
+          </p:nvPr>
+        </p:nvSpPr>
+        <p:spPr/>
+        <p:txBody>
+          <a:bodyPr/>
+          <a:lstStyle/>
+          <a:p>
+            <a:pPr>
+              <a:buFont typeface="Wingdings" charset="2"/>
+              <a:buChar char="ü"/>
+            </a:pPr>
+            <a:r>
+              <a:rPr lang="en-US" dirty="0"/>
+              <a:t>Refactor the resource to use a Node attribute</a:t>
+            </a:r>
+          </a:p>
+          <a:p>
+            <a:pPr>
+              <a:buFont typeface="Wingdings" charset="2"/>
+              <a:buChar char="ü"/>
+            </a:pPr>
+            <a:r>
+              <a:rPr lang="en-US" dirty="0"/>
+              <a:t>Execute the tests and verify the tests fail</a:t>
+            </a:r>
+          </a:p>
+          <a:p>
+            <a:pPr>
+              <a:buFont typeface="Wingdings" charset="2"/>
+              <a:buChar char="ü"/>
+            </a:pPr>
+            <a:r>
+              <a:rPr lang="en-US" dirty="0"/>
+              <a:t>Add the new Node attribute</a:t>
+            </a:r>
+          </a:p>
+          <a:p>
+            <a:pPr>
+              <a:buFont typeface="Wingdings" charset="2"/>
+              <a:buChar char="ü"/>
+            </a:pPr>
+            <a:r>
+              <a:rPr lang="en-US" dirty="0"/>
+              <a:t>Execute the tests and verify the tests pass</a:t>
+            </a:r>
+          </a:p>
+          <a:p>
+            <a:pPr marL="0" indent="0">
+              <a:buNone/>
+            </a:pPr>
+            <a:endParaRPr lang="en-US" dirty="0"/>
+          </a:p>
+          <a:p>
+            <a:pPr marL="0" indent="0">
+              <a:buNone/>
+            </a:pPr>
+            <a:endParaRPr lang="en-US" dirty="0"/>
+          </a:p>
+          <a:p>
+            <a:pPr marL="0" indent="0">
+              <a:buNone/>
+            </a:pPr>
+            <a:r>
+              <a:rPr lang="en-US" i="1" dirty="0"/>
+              <a:t>BONUS: Use pry to verify that the attribute has been set.</a:t>
+            </a:r>
+          </a:p>
+        </p:txBody>
+      </p:sp>
+      <p:sp>
+        <p:nvSpPr>
+          <p:cNvPr id="4" name="TextBox 3"/>
+          <p:cNvSpPr txBox="1"/>
+          <p:nvPr/>
+        </p:nvSpPr>
+        <p:spPr bwMode="white">
+          <a:xfrm>
+            <a:off x="1671638" y="7282069"/>
+            <a:ext cx="12330113" cy="675861"/>
+          </a:xfrm>
+          <a:prstGeom prst="rect">
+            <a:avLst/>
+          </a:prstGeom>
+          <a:solidFill>
+            <a:schemeClr val="bg2">
+              <a:lumMod val="85000"/>
+            </a:schemeClr>
+          </a:solidFill>
+        </p:spPr>
+        <p:txBody>
+          <a:bodyPr vert="horz" wrap="square" lIns="91440" tIns="91440" rIns="91440" bIns="91440" rtlCol="0">
+            <a:normAutofit/>
+          </a:bodyPr>
+          <a:lstStyle/>
+          <a:p>
+            <a:pPr marL="342900" indent="-342900" algn="ctr">
+              <a:buFont typeface="Wingdings" charset="2"/>
+              <a:buChar char="v"/>
+            </a:pPr>
+            <a:r>
+              <a:rPr lang="en-US" b="1" dirty="0"/>
+              <a:t>Repeat this series of steps for the configuration recipe and service recipe</a:t>
+            </a:r>
+          </a:p>
+        </p:txBody>
+      </p:sp>
+    </p:spTree>
+    <p:extLst>
+      <p:ext uri="{BB962C8B-B14F-4D97-AF65-F5344CB8AC3E}">
+        <p14:creationId xmlns:p14="http://schemas.microsoft.com/office/powerpoint/2010/main" val="898352096"/>
+      </p:ext>
+    </p:extLst>
+  </p:cSld>
+  <p:clrMapOvr>
+    <a:masterClrMapping/>
+  </p:clrMapOvr>
+  <p:transition spd="med">
+    <p:fade/>
+  </p:transition>
+</p:sld>
+</file>
+
+<file path=ppt/slides/slide46.xml><?xml version="1.0" encoding="utf-8"?>
+<p:sld xmlns:a="http://schemas.openxmlformats.org/drawingml/2006/main" xmlns:r="http://schemas.openxmlformats.org/officeDocument/2006/relationships" xmlns:p="http://schemas.openxmlformats.org/presentationml/2006/main">
+  <p:cSld>
+    <p:spTree>
+      <p:nvGrpSpPr>
+        <p:cNvPr id="1" name=""/>
+        <p:cNvGrpSpPr/>
+        <p:nvPr/>
+      </p:nvGrpSpPr>
+      <p:grpSpPr>
+        <a:xfrm>
+          <a:off x="0" y="0"/>
+          <a:ext cx="0" cy="0"/>
+          <a:chOff x="0" y="0"/>
+          <a:chExt cx="0" cy="0"/>
+        </a:xfrm>
+      </p:grpSpPr>
+      <p:sp>
+        <p:nvSpPr>
+          <p:cNvPr id="2" name="Title 1"/>
+          <p:cNvSpPr>
+            <a:spLocks noGrp="1"/>
+          </p:cNvSpPr>
+          <p:nvPr>
+            <p:ph type="ctrTitle"/>
+          </p:nvPr>
+        </p:nvSpPr>
+        <p:spPr/>
+        <p:txBody>
+          <a:bodyPr>
+            <a:normAutofit fontScale="90000"/>
+          </a:bodyPr>
+          <a:lstStyle/>
+          <a:p>
+            <a:r>
+              <a:rPr lang="en-US" dirty="0"/>
+              <a:t>Discussion</a:t>
+            </a:r>
+          </a:p>
+        </p:txBody>
+      </p:sp>
+      <p:sp>
+        <p:nvSpPr>
+          <p:cNvPr id="3" name="Subtitle 2"/>
+          <p:cNvSpPr>
+            <a:spLocks noGrp="1"/>
+          </p:cNvSpPr>
+          <p:nvPr>
+            <p:ph type="subTitle" idx="1"/>
+          </p:nvPr>
+        </p:nvSpPr>
+        <p:spPr/>
+        <p:txBody>
+          <a:bodyPr/>
+          <a:lstStyle/>
+          <a:p>
+            <a:r>
+              <a:rPr lang="en-US" dirty="0"/>
+              <a:t>What are the benefits of providing the package name and service name as node attributes?</a:t>
+            </a:r>
+          </a:p>
+          <a:p>
+            <a:endParaRPr lang="en-US" dirty="0"/>
+          </a:p>
+          <a:p>
+            <a:r>
+              <a:rPr lang="en-US" dirty="0"/>
+              <a:t>What value does Pry provide to you as a </a:t>
+            </a:r>
+            <a:r>
+              <a:rPr lang="en-US"/>
+              <a:t>Cookbook Developer?</a:t>
+            </a:r>
+            <a:endParaRPr lang="en-US" dirty="0"/>
+          </a:p>
+        </p:txBody>
+      </p:sp>
+    </p:spTree>
+    <p:extLst>
+      <p:ext uri="{BB962C8B-B14F-4D97-AF65-F5344CB8AC3E}">
+        <p14:creationId xmlns:p14="http://schemas.microsoft.com/office/powerpoint/2010/main" val="108599519"/>
+      </p:ext>
+    </p:extLst>
+  </p:cSld>
+  <p:clrMapOvr>
+    <a:masterClrMapping/>
+  </p:clrMapOvr>
+  <p:transition spd="med">
+    <p:fade/>
+  </p:transition>
+</p:sld>
+</file>
+
+<file path=ppt/slides/slide47.xml><?xml version="1.0" encoding="utf-8"?>
+<p:sld xmlns:a="http://schemas.openxmlformats.org/drawingml/2006/main" xmlns:r="http://schemas.openxmlformats.org/officeDocument/2006/relationships" xmlns:p="http://schemas.openxmlformats.org/presentationml/2006/main">
+  <p:cSld>
+    <p:spTree>
+      <p:nvGrpSpPr>
+        <p:cNvPr id="1" name=""/>
+        <p:cNvGrpSpPr/>
+        <p:nvPr/>
+      </p:nvGrpSpPr>
+      <p:grpSpPr>
+        <a:xfrm>
+          <a:off x="0" y="0"/>
+          <a:ext cx="0" cy="0"/>
+          <a:chOff x="0" y="0"/>
+          <a:chExt cx="0" cy="0"/>
+        </a:xfrm>
+      </p:grpSpPr>
+      <p:sp>
+        <p:nvSpPr>
+          <p:cNvPr id="2" name="Title 1"/>
+          <p:cNvSpPr>
+            <a:spLocks noGrp="1"/>
+          </p:cNvSpPr>
+          <p:nvPr>
+            <p:ph type="ctrTitle"/>
+          </p:nvPr>
+        </p:nvSpPr>
+        <p:spPr/>
+        <p:txBody>
+          <a:bodyPr>
+            <a:normAutofit fontScale="90000"/>
+          </a:bodyPr>
+          <a:lstStyle/>
+          <a:p>
+            <a:r>
+              <a:rPr lang="en-US" dirty="0"/>
+              <a:t>Q&amp;A</a:t>
+            </a:r>
+          </a:p>
+        </p:txBody>
+      </p:sp>
+      <p:sp>
+        <p:nvSpPr>
+          <p:cNvPr id="3" name="Subtitle 2"/>
+          <p:cNvSpPr>
+            <a:spLocks noGrp="1"/>
+          </p:cNvSpPr>
+          <p:nvPr>
+            <p:ph type="subTitle" idx="1"/>
+          </p:nvPr>
+        </p:nvSpPr>
+        <p:spPr/>
+        <p:txBody>
+          <a:bodyPr/>
+          <a:lstStyle/>
+          <a:p>
+            <a:r>
+              <a:rPr lang="en-US" dirty="0"/>
+              <a:t>What questions can we answer for you?</a:t>
+            </a:r>
+          </a:p>
+        </p:txBody>
+      </p:sp>
+    </p:spTree>
+    <p:extLst>
+      <p:ext uri="{BB962C8B-B14F-4D97-AF65-F5344CB8AC3E}">
+        <p14:creationId xmlns:p14="http://schemas.microsoft.com/office/powerpoint/2010/main" val="570223909"/>
+      </p:ext>
+    </p:extLst>
+  </p:cSld>
+  <p:clrMapOvr>
+    <a:masterClrMapping/>
+  </p:clrMapOvr>
+  <p:transition spd="med">
+    <p:fade/>
+  </p:transition>
+</p:sld>
+</file>
+
+<file path=ppt/slides/slide48.xml><?xml version="1.0" encoding="utf-8"?>
+<p:sld xmlns:a="http://schemas.openxmlformats.org/drawingml/2006/main" xmlns:r="http://schemas.openxmlformats.org/officeDocument/2006/relationships" xmlns:p="http://schemas.openxmlformats.org/presentationml/2006/main">
+  <p:cSld>
+    <p:spTree>
+      <p:nvGrpSpPr>
+        <p:cNvPr id="1" name=""/>
+        <p:cNvGrpSpPr/>
+        <p:nvPr/>
+      </p:nvGrpSpPr>
+      <p:grpSpPr>
+        <a:xfrm>
+          <a:off x="0" y="0"/>
+          <a:ext cx="0" cy="0"/>
+          <a:chOff x="0" y="0"/>
+          <a:chExt cx="0" cy="0"/>
+        </a:xfrm>
+      </p:grpSpPr>
+      <p:sp>
+        <p:nvSpPr>
+          <p:cNvPr id="2" name="Content Placeholder 1"/>
+          <p:cNvSpPr>
+            <a:spLocks noGrp="1"/>
+          </p:cNvSpPr>
+          <p:nvPr>
             <p:ph sz="quarter" idx="14"/>
           </p:nvPr>
         </p:nvSpPr>
@@ -22666,30 +22989,30 @@
           <a:lstStyle/>
           <a:p>
             <a:r>
-              <a:rPr lang="en-US" dirty="0" smtClean="0"/>
+              <a:rPr lang="en-US" dirty="0"/>
               <a:t>Introduction</a:t>
             </a:r>
           </a:p>
           <a:p>
             <a:r>
-              <a:rPr lang="en-US" dirty="0" smtClean="0"/>
+              <a:rPr lang="en-US" dirty="0"/>
               <a:t>Why Write Tests? Why is that Hard?</a:t>
             </a:r>
           </a:p>
           <a:p>
             <a:r>
-              <a:rPr lang="en-US" dirty="0" smtClean="0"/>
+              <a:rPr lang="en-US" dirty="0"/>
               <a:t>Writing a Test First</a:t>
             </a:r>
           </a:p>
           <a:p>
             <a:r>
-              <a:rPr lang="en-US" dirty="0" smtClean="0"/>
+              <a:rPr lang="en-US" dirty="0"/>
               <a:t>Refactoring Cookbooks with Tests</a:t>
             </a:r>
           </a:p>
           <a:p>
-            <a:endParaRPr lang="en-US" dirty="0" smtClean="0"/>
+            <a:endParaRPr lang="en-US" dirty="0"/>
           </a:p>
         </p:txBody>
       </p:sp>
@@ -22709,28 +23032,27 @@
           <a:lstStyle/>
           <a:p>
             <a:r>
-              <a:rPr lang="en-US" dirty="0" smtClean="0"/>
+              <a:rPr lang="en-US" dirty="0"/>
               <a:t>Faster Feedback with Unit Testing</a:t>
             </a:r>
           </a:p>
           <a:p>
             <a:r>
-              <a:rPr lang="en-US" dirty="0" smtClean="0"/>
+              <a:rPr lang="en-US" dirty="0"/>
               <a:t>Testing Resources in Recipes</a:t>
             </a:r>
           </a:p>
           <a:p>
             <a:r>
-              <a:rPr lang="en-US" dirty="0" smtClean="0"/>
+              <a:rPr lang="en-US" dirty="0"/>
               <a:t>Refactoring to Attributes</a:t>
             </a:r>
           </a:p>
           <a:p>
             <a:r>
-              <a:rPr lang="en-US" b="1" dirty="0" smtClean="0"/>
+              <a:rPr lang="en-US" b="1" dirty="0"/>
               <a:t>Refactoring to Multiple Platforms</a:t>
             </a:r>
-            <a:endParaRPr lang="en-US" b="1" dirty="0"/>
           </a:p>
         </p:txBody>
       </p:sp>
@@ -22750,7 +23072,7 @@
           <a:lstStyle/>
           <a:p>
             <a:r>
-              <a:rPr lang="en-US" smtClean="0"/>
+              <a:rPr lang="en-US"/>
               <a:t>Morning</a:t>
             </a:r>
             <a:endParaRPr lang="en-US" dirty="0"/>
@@ -22773,7 +23095,7 @@
           <a:lstStyle/>
           <a:p>
             <a:r>
-              <a:rPr lang="en-US" smtClean="0"/>
+              <a:rPr lang="en-US"/>
               <a:t>Afternoon</a:t>
             </a:r>
             <a:endParaRPr lang="en-US" dirty="0"/>
@@ -22793,17 +23115,10 @@
   <p:transition spd="med">
     <p:fade/>
   </p:transition>
-  <p:timing>
-    <p:tnLst>
-      <p:par>
-        <p:cTn id="1" dur="indefinite" restart="never" nodeType="tmRoot"/>
-      </p:par>
-    </p:tnLst>
-  </p:timing>
 </p:sld>
 </file>
 
-<file path=ppt/slides/slide45.xml><?xml version="1.0" encoding="utf-8"?>
+<file path=ppt/slides/slide49.xml><?xml version="1.0" encoding="utf-8"?>
 <p:sld xmlns:a="http://schemas.openxmlformats.org/drawingml/2006/main" xmlns:r="http://schemas.openxmlformats.org/officeDocument/2006/relationships" xmlns:p="http://schemas.openxmlformats.org/presentationml/2006/main">
   <p:cSld>
     <p:spTree>
@@ -22833,13 +23148,6 @@
   <p:transition spd="med">
     <p:fade/>
   </p:transition>
-  <p:timing>
-    <p:tnLst>
-      <p:par>
-        <p:cTn id="1" dur="indefinite" restart="never" nodeType="tmRoot"/>
-      </p:par>
-    </p:tnLst>
-  </p:timing>
 </p:sld>
 </file>
 
@@ -22878,10 +23186,9 @@
           <a:lstStyle/>
           <a:p>
             <a:r>
-              <a:rPr lang="en-US" dirty="0" smtClean="0"/>
+              <a:rPr lang="en-US" dirty="0"/>
               <a:t>The Node Object</a:t>
             </a:r>
-            <a:endParaRPr lang="en-US" dirty="0"/>
           </a:p>
         </p:txBody>
       </p:sp>
@@ -22956,37 +23263,8 @@
                   <a:lin ang="5400000" scaled="0"/>
                 </a:gradFill>
               </a:rPr>
-              <a:t>node </a:t>
-            </a:r>
-            <a:r>
-              <a:rPr lang="en-US" dirty="0" smtClean="0">
-                <a:gradFill>
-                  <a:gsLst>
-                    <a:gs pos="0">
-                      <a:srgbClr val="FFFFFF"/>
-                    </a:gs>
-                    <a:gs pos="100000">
-                      <a:srgbClr val="FFFFFF"/>
-                    </a:gs>
-                  </a:gsLst>
-                  <a:lin ang="5400000" scaled="0"/>
-                </a:gradFill>
-              </a:rPr>
-              <a:t>object</a:t>
-            </a:r>
-            <a:endParaRPr lang="en-US" dirty="0">
-              <a:gradFill>
-                <a:gsLst>
-                  <a:gs pos="0">
-                    <a:srgbClr val="FFFFFF"/>
-                  </a:gs>
-                  <a:gs pos="100000">
-                    <a:srgbClr val="FFFFFF"/>
-                  </a:gs>
-                </a:gsLst>
-                <a:lin ang="5400000" scaled="0"/>
-              </a:gradFill>
-            </a:endParaRPr>
+              <a:t>node object</a:t>
+            </a:r>
           </a:p>
           <a:p>
             <a:pPr algn="ctr" defTabSz="914099">
@@ -22995,7 +23273,7 @@
               </a:lnSpc>
             </a:pPr>
             <a:r>
-              <a:rPr lang="en-US" sz="5400" dirty="0" smtClean="0">
+              <a:rPr lang="en-US" sz="5400" dirty="0">
                 <a:gradFill>
                   <a:gsLst>
                     <a:gs pos="0">
@@ -23067,7 +23345,7 @@
           <a:p>
             <a:pPr algn="ctr" defTabSz="914099"/>
             <a:r>
-              <a:rPr lang="en-US" b="1" dirty="0" smtClean="0">
+              <a:rPr lang="en-US" b="1" dirty="0">
                 <a:gradFill>
                   <a:gsLst>
                     <a:gs pos="0">
@@ -23082,7 +23360,7 @@
               </a:rPr>
               <a:t>Apply the Run List</a:t>
             </a:r>
-            <a:endParaRPr lang="en-US" sz="2400" b="1" dirty="0" smtClean="0">
+            <a:endParaRPr lang="en-US" sz="2400" b="1" dirty="0">
               <a:gradFill>
                 <a:gsLst>
                   <a:gs pos="0">
@@ -23152,7 +23430,7 @@
           <a:p>
             <a:pPr algn="ctr" defTabSz="914099"/>
             <a:r>
-              <a:rPr lang="en-US" sz="2000" b="1" dirty="0" smtClean="0">
+              <a:rPr lang="en-US" sz="2000" b="1" dirty="0">
                 <a:gradFill>
                   <a:gsLst>
                     <a:gs pos="0">
@@ -23168,7 +23446,7 @@
               <a:t>Build Node (</a:t>
             </a:r>
             <a:r>
-              <a:rPr lang="en-US" sz="2000" b="1" dirty="0" err="1" smtClean="0">
+              <a:rPr lang="en-US" sz="2000" b="1" dirty="0" err="1">
                 <a:gradFill>
                   <a:gsLst>
                     <a:gs pos="0">
@@ -23184,7 +23462,7 @@
               <a:t>ohai</a:t>
             </a:r>
             <a:r>
-              <a:rPr lang="en-US" sz="2000" b="1" dirty="0" smtClean="0">
+              <a:rPr lang="en-US" sz="2000" b="1" dirty="0">
                 <a:gradFill>
                   <a:gsLst>
                     <a:gs pos="0">
@@ -23256,7 +23534,7 @@
           <a:p>
             <a:pPr algn="ctr" defTabSz="914099"/>
             <a:r>
-              <a:rPr lang="en-US" sz="2000" b="1" dirty="0" smtClean="0">
+              <a:rPr lang="en-US" sz="2000" b="1" dirty="0">
                 <a:gradFill>
                   <a:gsLst>
                     <a:gs pos="0">
@@ -23328,7 +23606,7 @@
           <a:p>
             <a:pPr algn="ctr" defTabSz="914099"/>
             <a:r>
-              <a:rPr lang="en-US" sz="2000" b="1" dirty="0" smtClean="0">
+              <a:rPr lang="en-US" sz="2000" b="1" dirty="0">
                 <a:gradFill>
                   <a:gsLst>
                     <a:gs pos="0">
@@ -23400,7 +23678,7 @@
           <a:p>
             <a:pPr algn="ctr" defTabSz="914099"/>
             <a:r>
-              <a:rPr lang="en-US" sz="2000" b="1" dirty="0" smtClean="0">
+              <a:rPr lang="en-US" sz="2000" b="1" dirty="0">
                 <a:gradFill>
                   <a:gsLst>
                     <a:gs pos="0">
@@ -23472,7 +23750,7 @@
           <a:p>
             <a:pPr algn="ctr" defTabSz="914099"/>
             <a:r>
-              <a:rPr lang="en-US" sz="2000" b="1" dirty="0" smtClean="0">
+              <a:rPr lang="en-US" sz="2000" b="1" dirty="0">
                 <a:gradFill>
                   <a:gsLst>
                     <a:gs pos="0">
@@ -23621,7 +23899,7 @@
           <a:p>
             <a:pPr algn="ctr" defTabSz="914099"/>
             <a:r>
-              <a:rPr lang="en-US" sz="2000" dirty="0" smtClean="0">
+              <a:rPr lang="en-US" sz="2000" dirty="0">
                 <a:gradFill>
                   <a:gsLst>
                     <a:gs pos="0">
@@ -23693,7 +23971,7 @@
           <a:p>
             <a:pPr algn="ctr" defTabSz="914099"/>
             <a:r>
-              <a:rPr lang="en-US" sz="2000" dirty="0" smtClean="0">
+              <a:rPr lang="en-US" sz="2000" dirty="0">
                 <a:gradFill>
                   <a:gsLst>
                     <a:gs pos="0">
@@ -23747,14 +24025,14 @@
           <a:p>
             <a:pPr algn="ctr"/>
             <a:r>
-              <a:rPr lang="en-US" sz="1800" smtClean="0">
+              <a:rPr lang="en-US" sz="1800">
                 <a:solidFill>
                   <a:schemeClr val="bg1"/>
                 </a:solidFill>
               </a:rPr>
               <a:t>automatic</a:t>
             </a:r>
-            <a:endParaRPr lang="en-US" sz="1800" dirty="0" smtClean="0">
+            <a:endParaRPr lang="en-US" sz="1800" dirty="0">
               <a:solidFill>
                 <a:schemeClr val="bg1"/>
               </a:solidFill>
@@ -23771,7 +24049,7 @@
         <p:spPr bwMode="white">
           <a:xfrm>
             <a:off x="8026744" y="5860649"/>
-            <a:ext cx="2359645" cy="1051375"/>
+            <a:ext cx="2359645" cy="1666234"/>
           </a:xfrm>
           <a:prstGeom prst="rect">
             <a:avLst/>
@@ -23798,7 +24076,7 @@
           <a:p>
             <a:pPr algn="ctr"/>
             <a:r>
-              <a:rPr lang="en-US" sz="1800" dirty="0" smtClean="0">
+              <a:rPr lang="en-US" sz="1800" dirty="0">
                 <a:solidFill>
                   <a:schemeClr val="bg1"/>
                 </a:solidFill>
@@ -23809,7 +24087,23 @@
           <a:p>
             <a:pPr algn="ctr"/>
             <a:r>
-              <a:rPr lang="en-US" sz="1800" dirty="0" smtClean="0">
+              <a:rPr lang="en-US" sz="1800" dirty="0" err="1">
+                <a:solidFill>
+                  <a:schemeClr val="bg1"/>
+                </a:solidFill>
+              </a:rPr>
+              <a:t>force_default</a:t>
+            </a:r>
+            <a:endParaRPr lang="en-US" sz="1800" dirty="0">
+              <a:solidFill>
+                <a:schemeClr val="bg1"/>
+              </a:solidFill>
+            </a:endParaRPr>
+          </a:p>
+          <a:p>
+            <a:pPr algn="ctr"/>
+            <a:r>
+              <a:rPr lang="en-US" sz="1800" dirty="0">
                 <a:solidFill>
                   <a:schemeClr val="bg1"/>
                 </a:solidFill>
@@ -23820,13 +24114,29 @@
           <a:p>
             <a:pPr algn="ctr"/>
             <a:r>
-              <a:rPr lang="en-US" sz="1800" dirty="0" smtClean="0">
+              <a:rPr lang="en-US" sz="1800" dirty="0">
                 <a:solidFill>
                   <a:schemeClr val="bg1"/>
                 </a:solidFill>
               </a:rPr>
               <a:t>override</a:t>
             </a:r>
+          </a:p>
+          <a:p>
+            <a:pPr algn="ctr"/>
+            <a:r>
+              <a:rPr lang="en-US" sz="1800" dirty="0" err="1">
+                <a:solidFill>
+                  <a:schemeClr val="bg1"/>
+                </a:solidFill>
+              </a:rPr>
+              <a:t>force_override</a:t>
+            </a:r>
+            <a:endParaRPr lang="en-US" sz="1800" dirty="0">
+              <a:solidFill>
+                <a:schemeClr val="bg1"/>
+              </a:solidFill>
+            </a:endParaRPr>
           </a:p>
         </p:txBody>
       </p:sp>
@@ -23853,7 +24163,7 @@
           <a:p>
             <a:pPr algn="ctr"/>
             <a:r>
-              <a:rPr lang="en-US" dirty="0" smtClean="0">
+              <a:rPr lang="en-US" dirty="0">
                 <a:hlinkClick r:id="rId3"/>
               </a:rPr>
               <a:t>https://docs.chef.io/attributes.html - attribute-precedence</a:t>
@@ -23875,13 +24185,6 @@
   <p:transition spd="med">
     <p:fade/>
   </p:transition>
-  <p:timing>
-    <p:tnLst>
-      <p:par>
-        <p:cTn id="1" dur="indefinite" restart="never" nodeType="tmRoot"/>
-      </p:par>
-    </p:tnLst>
-  </p:timing>
 </p:sld>
 </file>
 
@@ -23920,10 +24223,9 @@
           <a:lstStyle/>
           <a:p>
             <a:r>
-              <a:rPr lang="en-US" dirty="0" smtClean="0"/>
+              <a:rPr lang="en-US" dirty="0"/>
               <a:t>Refactor to Use Attributes</a:t>
             </a:r>
-            <a:endParaRPr lang="en-US" dirty="0"/>
           </a:p>
         </p:txBody>
       </p:sp>
@@ -23943,10 +24245,9 @@
           <a:lstStyle/>
           <a:p>
             <a:r>
-              <a:rPr lang="en-US" dirty="0" smtClean="0"/>
+              <a:rPr lang="en-US" dirty="0"/>
               <a:t>Time to remove all the hard-coded values and make them attributes.</a:t>
             </a:r>
-            <a:endParaRPr lang="en-US" dirty="0"/>
           </a:p>
         </p:txBody>
       </p:sp>
@@ -23970,7 +24271,7 @@
               <a:buChar char="q"/>
             </a:pPr>
             <a:r>
-              <a:rPr lang="en-US" dirty="0" smtClean="0"/>
+              <a:rPr lang="en-US" dirty="0"/>
               <a:t>Refactor the Install recipe to use a Node attribute</a:t>
             </a:r>
           </a:p>
@@ -23980,7 +24281,7 @@
               <a:buChar char="q"/>
             </a:pPr>
             <a:r>
-              <a:rPr lang="en-US" dirty="0" smtClean="0"/>
+              <a:rPr lang="en-US" dirty="0"/>
               <a:t>Execute the tests and verify the tests fail</a:t>
             </a:r>
           </a:p>
@@ -23990,7 +24291,7 @@
               <a:buChar char="q"/>
             </a:pPr>
             <a:r>
-              <a:rPr lang="en-US" dirty="0" smtClean="0"/>
+              <a:rPr lang="en-US" dirty="0"/>
               <a:t>Create the attributes file and add the Node attribute</a:t>
             </a:r>
           </a:p>
@@ -24000,10 +24301,9 @@
               <a:buChar char="q"/>
             </a:pPr>
             <a:r>
-              <a:rPr lang="en-US" dirty="0" smtClean="0"/>
+              <a:rPr lang="en-US" dirty="0"/>
               <a:t>Execute the tests and verify the tests pass</a:t>
             </a:r>
-            <a:endParaRPr lang="en-US" dirty="0"/>
           </a:p>
         </p:txBody>
       </p:sp>
@@ -24020,13 +24320,6 @@
   <p:transition spd="med">
     <p:fade/>
   </p:transition>
-  <p:timing>
-    <p:tnLst>
-      <p:par>
-        <p:cTn id="1" dur="indefinite" restart="never" nodeType="tmRoot"/>
-      </p:par>
-    </p:tnLst>
-  </p:timing>
 </p:sld>
 </file>
 
@@ -24063,10 +24356,9 @@
           <a:lstStyle/>
           <a:p>
             <a:r>
-              <a:rPr lang="en-US" dirty="0" smtClean="0"/>
+              <a:rPr lang="en-US" dirty="0"/>
               <a:t>Replace the Value with a Node Attribute</a:t>
             </a:r>
-            <a:endParaRPr lang="en-US" dirty="0"/>
           </a:p>
         </p:txBody>
       </p:sp>
@@ -24093,13 +24385,8 @@
           <a:p>
             <a:r>
               <a:rPr lang="en-US" dirty="0"/>
-              <a:t># Cookbook Name:: </a:t>
-            </a:r>
-            <a:r>
-              <a:rPr lang="en-US" dirty="0" smtClean="0"/>
-              <a:t>apache</a:t>
-            </a:r>
-            <a:endParaRPr lang="en-US" dirty="0"/>
+              <a:t># Cookbook Name:: apache</a:t>
+            </a:r>
           </a:p>
           <a:p>
             <a:r>
@@ -24119,32 +24406,27 @@
               <a:t># Copyright (c) </a:t>
             </a:r>
             <a:r>
-              <a:rPr lang="is-IS" dirty="0" smtClean="0"/>
+              <a:rPr lang="is-IS" dirty="0"/>
               <a:t>2017</a:t>
             </a:r>
             <a:r>
-              <a:rPr lang="en-US" dirty="0" smtClean="0"/>
-              <a:t> </a:t>
-            </a:r>
-            <a:r>
-              <a:rPr lang="en-US" dirty="0"/>
-              <a:t>The Authors, All Rights Reserved.</a:t>
-            </a:r>
-          </a:p>
-          <a:p>
-            <a:r>
-              <a:rPr lang="en-US" dirty="0" smtClean="0"/>
+              <a:rPr lang="en-US" dirty="0"/>
+              <a:t> The Authors, All Rights Reserved.</a:t>
+            </a:r>
+          </a:p>
+          <a:p>
+            <a:r>
+              <a:rPr lang="en-US" dirty="0"/>
               <a:t>package node['apache']['</a:t>
             </a:r>
             <a:r>
-              <a:rPr lang="en-US" dirty="0" err="1" smtClean="0"/>
+              <a:rPr lang="en-US" dirty="0" err="1"/>
               <a:t>package_name</a:t>
             </a:r>
             <a:r>
-              <a:rPr lang="en-US" dirty="0" smtClean="0"/>
+              <a:rPr lang="en-US" dirty="0"/>
               <a:t>']</a:t>
             </a:r>
-            <a:endParaRPr lang="en-US" dirty="0"/>
           </a:p>
         </p:txBody>
       </p:sp>
@@ -24164,11 +24446,11 @@
           <a:lstStyle/>
           <a:p>
             <a:r>
-              <a:rPr lang="en-US" dirty="0" smtClean="0"/>
+              <a:rPr lang="en-US" dirty="0"/>
               <a:t>~/apache/recipes/</a:t>
             </a:r>
             <a:r>
-              <a:rPr lang="en-US" dirty="0" err="1" smtClean="0"/>
+              <a:rPr lang="en-US" dirty="0" err="1"/>
               <a:t>install.rb</a:t>
             </a:r>
             <a:endParaRPr lang="en-US" dirty="0"/>
@@ -24212,13 +24494,6 @@
   <p:transition spd="med">
     <p:fade/>
   </p:transition>
-  <p:timing>
-    <p:tnLst>
-      <p:par>
-        <p:cTn id="1" dur="indefinite" restart="never" nodeType="tmRoot"/>
-      </p:par>
-    </p:tnLst>
-  </p:timing>
 </p:sld>
 </file>
 
@@ -24257,10 +24532,9 @@
           <a:lstStyle/>
           <a:p>
             <a:r>
-              <a:rPr lang="en-US" dirty="0" smtClean="0"/>
+              <a:rPr lang="en-US" dirty="0"/>
               <a:t>Refactor to Use Attributes</a:t>
             </a:r>
-            <a:endParaRPr lang="en-US" dirty="0"/>
           </a:p>
         </p:txBody>
       </p:sp>
@@ -24280,10 +24554,9 @@
           <a:lstStyle/>
           <a:p>
             <a:r>
-              <a:rPr lang="en-US" dirty="0" smtClean="0"/>
+              <a:rPr lang="en-US" dirty="0"/>
               <a:t>A change means a chance for us to run the tests!</a:t>
             </a:r>
-            <a:endParaRPr lang="en-US" dirty="0"/>
           </a:p>
         </p:txBody>
       </p:sp>
@@ -24356,13 +24629,6 @@
   <p:transition spd="med">
     <p:fade/>
   </p:transition>
-  <p:timing>
-    <p:tnLst>
-      <p:par>
-        <p:cTn id="1" dur="indefinite" restart="never" nodeType="tmRoot"/>
-      </p:par>
-    </p:tnLst>
-  </p:timing>
 </p:sld>
 </file>
 
@@ -24399,12 +24665,8 @@
           <a:lstStyle/>
           <a:p>
             <a:r>
-              <a:rPr lang="en-US" dirty="0" smtClean="0"/>
-              <a:t>FFFFFF</a:t>
-            </a:r>
-            <a:r>
-              <a:rPr lang="en-US" dirty="0"/>
-              <a:t>...</a:t>
+              <a:rPr lang="en-US" dirty="0"/>
+              <a:t>..FFFFFF...</a:t>
             </a:r>
           </a:p>
           <a:p>
@@ -24422,23 +24684,7 @@
           <a:p>
             <a:r>
               <a:rPr lang="en-US" dirty="0"/>
-              <a:t>  1) </a:t>
-            </a:r>
-            <a:r>
-              <a:rPr lang="en-US" dirty="0" smtClean="0"/>
-              <a:t>apache::</a:t>
-            </a:r>
-            <a:r>
-              <a:rPr lang="en-US" dirty="0"/>
-              <a:t>default When all attributes are default, on an </a:t>
-            </a:r>
-            <a:r>
-              <a:rPr lang="en-US" dirty="0" smtClean="0"/>
-              <a:t>CentOS 6.7 </a:t>
-            </a:r>
-            <a:r>
-              <a:rPr lang="en-US" dirty="0"/>
-              <a:t>converges successfully</a:t>
+              <a:t>  1) apache::default When all attributes are default, on an Centos 6.9 converges successfully</a:t>
             </a:r>
           </a:p>
           <a:p>
@@ -24469,6 +24715,9 @@
             <a:endParaRPr lang="en-US" dirty="0"/>
           </a:p>
           <a:p>
+            <a:endParaRPr lang="en-US" dirty="0"/>
+          </a:p>
+          <a:p>
             <a:r>
               <a:rPr lang="en-US" dirty="0"/>
               <a:t>       expected no Exception, got #&lt;</a:t>
@@ -24504,58 +24753,37 @@
               <a:t>         # /</a:t>
             </a:r>
             <a:r>
-              <a:rPr lang="en-US" dirty="0" err="1" smtClean="0"/>
+              <a:rPr lang="en-US" dirty="0" err="1"/>
               <a:t>tmp</a:t>
             </a:r>
             <a:r>
-              <a:rPr lang="en-US" dirty="0" smtClean="0"/>
-              <a:t>/d</a:t>
-            </a:r>
-            <a:r>
-              <a:rPr lang="is-IS" dirty="0" smtClean="0"/>
-              <a:t>2017</a:t>
-            </a:r>
-            <a:r>
-              <a:rPr lang="en-US" dirty="0" smtClean="0"/>
-              <a:t>1026-15641-1adgkog/cookbooks/apache/recipes/install.rb:6:in </a:t>
-            </a:r>
-            <a:r>
-              <a:rPr lang="en-US" dirty="0"/>
-              <a:t>`</a:t>
+              <a:rPr lang="en-US" dirty="0"/>
+              <a:t>/chefspec20180313-21260-taxe6tfile_cache_path/cookbooks</a:t>
+            </a:r>
+          </a:p>
+        </p:txBody>
+      </p:sp>
+      <p:sp>
+        <p:nvSpPr>
+          <p:cNvPr id="3" name="Text Placeholder 2"/>
+          <p:cNvSpPr>
+            <a:spLocks noGrp="1"/>
+          </p:cNvSpPr>
+          <p:nvPr>
+            <p:ph type="body" sz="quarter" idx="11"/>
+          </p:nvPr>
+        </p:nvSpPr>
+        <p:spPr/>
+        <p:txBody>
+          <a:bodyPr/>
+          <a:lstStyle/>
+          <a:p>
+            <a:r>
+              <a:rPr lang="en-US" dirty="0"/>
+              <a:t>&gt; chef exec </a:t>
             </a:r>
             <a:r>
               <a:rPr lang="en-US" dirty="0" err="1"/>
-              <a:t>from_file</a:t>
-            </a:r>
-            <a:r>
-              <a:rPr lang="en-US" dirty="0" smtClean="0"/>
-              <a:t>'</a:t>
-            </a:r>
-            <a:endParaRPr lang="en-US" dirty="0"/>
-          </a:p>
-        </p:txBody>
-      </p:sp>
-      <p:sp>
-        <p:nvSpPr>
-          <p:cNvPr id="3" name="Text Placeholder 2"/>
-          <p:cNvSpPr>
-            <a:spLocks noGrp="1"/>
-          </p:cNvSpPr>
-          <p:nvPr>
-            <p:ph type="body" sz="quarter" idx="11"/>
-          </p:nvPr>
-        </p:nvSpPr>
-        <p:spPr/>
-        <p:txBody>
-          <a:bodyPr/>
-          <a:lstStyle/>
-          <a:p>
-            <a:r>
-              <a:rPr lang="en-US" dirty="0" smtClean="0"/>
-              <a:t>&gt; chef exec </a:t>
-            </a:r>
-            <a:r>
-              <a:rPr lang="en-US" dirty="0" err="1" smtClean="0"/>
               <a:t>rspec</a:t>
             </a:r>
             <a:endParaRPr lang="en-US" dirty="0"/>
@@ -24574,7 +24802,7 @@
         </p:nvSpPr>
         <p:spPr>
           <a:xfrm>
-            <a:off x="1127883" y="5927265"/>
+            <a:off x="1121104" y="6419634"/>
             <a:ext cx="14420850" cy="1004818"/>
           </a:xfrm>
         </p:spPr>
@@ -24602,10 +24830,9 @@
           <a:lstStyle/>
           <a:p>
             <a:r>
-              <a:rPr lang="en-US" dirty="0" smtClean="0"/>
+              <a:rPr lang="en-US" dirty="0"/>
               <a:t>Execute the Tests to See it Fail</a:t>
             </a:r>
-            <a:endParaRPr lang="en-US" dirty="0"/>
           </a:p>
         </p:txBody>
       </p:sp>
@@ -24622,13 +24849,6 @@
   <p:transition spd="med">
     <p:fade/>
   </p:transition>
-  <p:timing>
-    <p:tnLst>
-      <p:par>
-        <p:cTn id="1" dur="indefinite" restart="never" nodeType="tmRoot"/>
-      </p:par>
-    </p:tnLst>
-  </p:timing>
 </p:sld>
 </file>
 
@@ -25964,6 +26184,15 @@
 
 <file path=customXml/item1.xml><?xml version="1.0" encoding="utf-8"?>
 <?mso-contentType ?>
+<FormTemplates xmlns="http://schemas.microsoft.com/sharepoint/v3/contenttype/forms">
+  <Display>DocumentLibraryForm</Display>
+  <Edit>DocumentLibraryForm</Edit>
+  <New>DocumentLibraryForm</New>
+</FormTemplates>
+</file>
+
+<file path=customXml/item2.xml><?xml version="1.0" encoding="utf-8"?>
+<?mso-contentType ?>
 <spe:Receivers xmlns:spe="http://schemas.microsoft.com/sharepoint/events">
   <Receiver>
     <Name>Document ID Generator</Name>
@@ -26008,28 +26237,7 @@
 </spe:Receivers>
 </file>
 
-<file path=customXml/item2.xml><?xml version="1.0" encoding="utf-8"?>
-<?mso-contentType ?>
-<FormTemplates xmlns="http://schemas.microsoft.com/sharepoint/v3/contenttype/forms">
-  <Display>DocumentLibraryForm</Display>
-  <Edit>DocumentLibraryForm</Edit>
-  <New>DocumentLibraryForm</New>
-</FormTemplates>
-</file>
-
 <file path=customXml/item3.xml><?xml version="1.0" encoding="utf-8"?>
-<p:properties xmlns:p="http://schemas.microsoft.com/office/2006/metadata/properties" xmlns:xsi="http://www.w3.org/2001/XMLSchema-instance" xmlns:pc="http://schemas.microsoft.com/office/infopath/2007/PartnerControls">
-  <documentManagement>
-    <_dlc_DocId xmlns="7bb5d761-a2ea-4873-95f7-7a6658fb3ef0">M4CWTKMW727E-592-73</_dlc_DocId>
-    <_dlc_DocIdUrl xmlns="7bb5d761-a2ea-4873-95f7-7a6658fb3ef0">
-      <Url>https://kms.vci.local/marketing/team/_layouts/DocIdRedir.aspx?ID=M4CWTKMW727E-592-73</Url>
-      <Description>M4CWTKMW727E-592-73</Description>
-    </_dlc_DocIdUrl>
-  </documentManagement>
-</p:properties>
-</file>
-
-<file path=customXml/item4.xml><?xml version="1.0" encoding="utf-8"?>
 <ct:contentTypeSchema xmlns:ct="http://schemas.microsoft.com/office/2006/metadata/contentType" xmlns:ma="http://schemas.microsoft.com/office/2006/metadata/properties/metaAttributes" ct:_="" ma:_="" ma:contentTypeName="Document" ma:contentTypeID="0x0101000812F700BE7F874999720E88173FE491" ma:contentTypeVersion="0" ma:contentTypeDescription="Create a new document." ma:contentTypeScope="" ma:versionID="3f79f408e2ca720b7aba6e0e32464d0c">
   <xsd:schema xmlns:xsd="http://www.w3.org/2001/XMLSchema" xmlns:xs="http://www.w3.org/2001/XMLSchema" xmlns:p="http://schemas.microsoft.com/office/2006/metadata/properties" xmlns:ns2="7bb5d761-a2ea-4873-95f7-7a6658fb3ef0" targetNamespace="http://schemas.microsoft.com/office/2006/metadata/properties" ma:root="true" ma:fieldsID="1e062cd38ba31e406bfc4340fbc7f87a" ns2:_="">
     <xsd:import namespace="7bb5d761-a2ea-4873-95f7-7a6658fb3ef0"/>
@@ -26174,7 +26382,27 @@
 </ct:contentTypeSchema>
 </file>
 
+<file path=customXml/item4.xml><?xml version="1.0" encoding="utf-8"?>
+<p:properties xmlns:p="http://schemas.microsoft.com/office/2006/metadata/properties" xmlns:xsi="http://www.w3.org/2001/XMLSchema-instance" xmlns:pc="http://schemas.microsoft.com/office/infopath/2007/PartnerControls">
+  <documentManagement>
+    <_dlc_DocId xmlns="7bb5d761-a2ea-4873-95f7-7a6658fb3ef0">M4CWTKMW727E-592-73</_dlc_DocId>
+    <_dlc_DocIdUrl xmlns="7bb5d761-a2ea-4873-95f7-7a6658fb3ef0">
+      <Url>https://kms.vci.local/marketing/team/_layouts/DocIdRedir.aspx?ID=M4CWTKMW727E-592-73</Url>
+      <Description>M4CWTKMW727E-592-73</Description>
+    </_dlc_DocIdUrl>
+  </documentManagement>
+</p:properties>
+</file>
+
 <file path=customXml/itemProps1.xml><?xml version="1.0" encoding="utf-8"?>
+<ds:datastoreItem xmlns:ds="http://schemas.openxmlformats.org/officeDocument/2006/customXml" ds:itemID="{5CDEB364-43EC-4510-9881-539C2A3FCE9E}">
+  <ds:schemaRefs>
+    <ds:schemaRef ds:uri="http://schemas.microsoft.com/sharepoint/v3/contenttype/forms"/>
+  </ds:schemaRefs>
+</ds:datastoreItem>
+</file>
+
+<file path=customXml/itemProps2.xml><?xml version="1.0" encoding="utf-8"?>
 <ds:datastoreItem xmlns:ds="http://schemas.openxmlformats.org/officeDocument/2006/customXml" ds:itemID="{B13EBC30-FE27-4C6A-B723-23FC2188F7DC}">
   <ds:schemaRefs>
     <ds:schemaRef ds:uri="http://schemas.microsoft.com/sharepoint/events"/>
@@ -26182,31 +26410,7 @@
 </ds:datastoreItem>
 </file>
 
-<file path=customXml/itemProps2.xml><?xml version="1.0" encoding="utf-8"?>
-<ds:datastoreItem xmlns:ds="http://schemas.openxmlformats.org/officeDocument/2006/customXml" ds:itemID="{5CDEB364-43EC-4510-9881-539C2A3FCE9E}">
-  <ds:schemaRefs>
-    <ds:schemaRef ds:uri="http://schemas.microsoft.com/sharepoint/v3/contenttype/forms"/>
-  </ds:schemaRefs>
-</ds:datastoreItem>
-</file>
-
 <file path=customXml/itemProps3.xml><?xml version="1.0" encoding="utf-8"?>
-<ds:datastoreItem xmlns:ds="http://schemas.openxmlformats.org/officeDocument/2006/customXml" ds:itemID="{6921749B-AEB7-461B-845F-603CABD25259}">
-  <ds:schemaRefs>
-    <ds:schemaRef ds:uri="7bb5d761-a2ea-4873-95f7-7a6658fb3ef0"/>
-    <ds:schemaRef ds:uri="http://purl.org/dc/terms/"/>
-    <ds:schemaRef ds:uri="http://schemas.openxmlformats.org/package/2006/metadata/core-properties"/>
-    <ds:schemaRef ds:uri="http://purl.org/dc/dcmitype/"/>
-    <ds:schemaRef ds:uri="http://schemas.microsoft.com/office/2006/documentManagement/types"/>
-    <ds:schemaRef ds:uri="http://purl.org/dc/elements/1.1/"/>
-    <ds:schemaRef ds:uri="http://schemas.microsoft.com/office/2006/metadata/properties"/>
-    <ds:schemaRef ds:uri="http://schemas.microsoft.com/office/infopath/2007/PartnerControls"/>
-    <ds:schemaRef ds:uri="http://www.w3.org/XML/1998/namespace"/>
-  </ds:schemaRefs>
-</ds:datastoreItem>
-</file>
-
-<file path=customXml/itemProps4.xml><?xml version="1.0" encoding="utf-8"?>
 <ds:datastoreItem xmlns:ds="http://schemas.openxmlformats.org/officeDocument/2006/customXml" ds:itemID="{164479E5-0B02-49AC-B79E-EC1D6164DDD3}">
   <ds:schemaRefs>
     <ds:schemaRef ds:uri="http://schemas.microsoft.com/office/2006/metadata/contentType"/>
@@ -26222,4 +26426,20 @@
     <ds:schemaRef ds:uri="http://schemas.microsoft.com/internal/obd"/>
   </ds:schemaRefs>
 </ds:datastoreItem>
+</file>
+
+<file path=customXml/itemProps4.xml><?xml version="1.0" encoding="utf-8"?>
+<ds:datastoreItem xmlns:ds="http://schemas.openxmlformats.org/officeDocument/2006/customXml" ds:itemID="{6921749B-AEB7-461B-845F-603CABD25259}">
+  <ds:schemaRefs>
+    <ds:schemaRef ds:uri="7bb5d761-a2ea-4873-95f7-7a6658fb3ef0"/>
+    <ds:schemaRef ds:uri="http://purl.org/dc/terms/"/>
+    <ds:schemaRef ds:uri="http://schemas.openxmlformats.org/package/2006/metadata/core-properties"/>
+    <ds:schemaRef ds:uri="http://purl.org/dc/dcmitype/"/>
+    <ds:schemaRef ds:uri="http://schemas.microsoft.com/office/2006/documentManagement/types"/>
+    <ds:schemaRef ds:uri="http://purl.org/dc/elements/1.1/"/>
+    <ds:schemaRef ds:uri="http://schemas.microsoft.com/office/2006/metadata/properties"/>
+    <ds:schemaRef ds:uri="http://schemas.microsoft.com/office/infopath/2007/PartnerControls"/>
+    <ds:schemaRef ds:uri="http://www.w3.org/XML/1998/namespace"/>
+  </ds:schemaRefs>
+</ds:datastoreItem>
 </file>
--- a/07-refactoring_to_attributes.pptx
+++ b/07-refactoring_to_attributes.pptx
@@ -7238,14 +7238,14 @@
           </a:ln>
           <a:extLst>
             <a:ext uri="{909E8E84-426E-40dd-AFC4-6F175D3DCCD1}">
-              <a14:hiddenFill xmlns="" xmlns:a14="http://schemas.microsoft.com/office/drawing/2010/main">
+              <a14:hiddenFill xmlns:a14="http://schemas.microsoft.com/office/drawing/2010/main" xmlns="">
                 <a:solidFill>
                   <a:srgbClr val="FFFFFF"/>
                 </a:solidFill>
               </a14:hiddenFill>
             </a:ext>
             <a:ext uri="{91240B29-F687-4f45-9708-019B960494DF}">
-              <a14:hiddenLine xmlns="" xmlns:a14="http://schemas.microsoft.com/office/drawing/2010/main" w="9525">
+              <a14:hiddenLine xmlns:a14="http://schemas.microsoft.com/office/drawing/2010/main" xmlns="" w="9525">
                 <a:solidFill>
                   <a:srgbClr val="000000"/>
                 </a:solidFill>
@@ -7393,14 +7393,14 @@
           </a:ln>
           <a:extLst>
             <a:ext uri="{909E8E84-426E-40dd-AFC4-6F175D3DCCD1}">
-              <a14:hiddenFill xmlns="" xmlns:a14="http://schemas.microsoft.com/office/drawing/2010/main">
+              <a14:hiddenFill xmlns:a14="http://schemas.microsoft.com/office/drawing/2010/main" xmlns="">
                 <a:solidFill>
                   <a:srgbClr val="FFFFFF"/>
                 </a:solidFill>
               </a14:hiddenFill>
             </a:ext>
             <a:ext uri="{91240B29-F687-4f45-9708-019B960494DF}">
-              <a14:hiddenLine xmlns="" xmlns:a14="http://schemas.microsoft.com/office/drawing/2010/main" w="9525">
+              <a14:hiddenLine xmlns:a14="http://schemas.microsoft.com/office/drawing/2010/main" xmlns="" w="9525">
                 <a:solidFill>
                   <a:srgbClr val="000000"/>
                 </a:solidFill>
@@ -7891,14 +7891,14 @@
           </a:ln>
           <a:extLst>
             <a:ext uri="{909E8E84-426E-40dd-AFC4-6F175D3DCCD1}">
-              <a14:hiddenFill xmlns="" xmlns:a14="http://schemas.microsoft.com/office/drawing/2010/main">
+              <a14:hiddenFill xmlns:a14="http://schemas.microsoft.com/office/drawing/2010/main" xmlns="">
                 <a:solidFill>
                   <a:srgbClr val="FFFFFF"/>
                 </a:solidFill>
               </a14:hiddenFill>
             </a:ext>
             <a:ext uri="{91240B29-F687-4f45-9708-019B960494DF}">
-              <a14:hiddenLine xmlns="" xmlns:a14="http://schemas.microsoft.com/office/drawing/2010/main" w="9525">
+              <a14:hiddenLine xmlns:a14="http://schemas.microsoft.com/office/drawing/2010/main" xmlns="" w="9525">
                 <a:solidFill>
                   <a:srgbClr val="000000"/>
                 </a:solidFill>
@@ -9325,14 +9325,14 @@
           </a:ln>
           <a:extLst>
             <a:ext uri="{909E8E84-426E-40dd-AFC4-6F175D3DCCD1}">
-              <a14:hiddenFill xmlns="" xmlns:a14="http://schemas.microsoft.com/office/drawing/2010/main">
+              <a14:hiddenFill xmlns:a14="http://schemas.microsoft.com/office/drawing/2010/main" xmlns="">
                 <a:solidFill>
                   <a:srgbClr val="FFFFFF"/>
                 </a:solidFill>
               </a14:hiddenFill>
             </a:ext>
             <a:ext uri="{91240B29-F687-4f45-9708-019B960494DF}">
-              <a14:hiddenLine xmlns="" xmlns:a14="http://schemas.microsoft.com/office/drawing/2010/main" w="9525">
+              <a14:hiddenLine xmlns:a14="http://schemas.microsoft.com/office/drawing/2010/main" xmlns="" w="9525">
                 <a:solidFill>
                   <a:srgbClr val="000000"/>
                 </a:solidFill>
@@ -10666,14 +10666,14 @@
           </a:ln>
           <a:extLst>
             <a:ext uri="{909E8E84-426E-40dd-AFC4-6F175D3DCCD1}">
-              <a14:hiddenFill xmlns="" xmlns:a14="http://schemas.microsoft.com/office/drawing/2010/main">
+              <a14:hiddenFill xmlns:a14="http://schemas.microsoft.com/office/drawing/2010/main" xmlns="">
                 <a:solidFill>
                   <a:srgbClr val="FFFFFF"/>
                 </a:solidFill>
               </a14:hiddenFill>
             </a:ext>
             <a:ext uri="{91240B29-F687-4f45-9708-019B960494DF}">
-              <a14:hiddenLine xmlns="" xmlns:a14="http://schemas.microsoft.com/office/drawing/2010/main" w="9525">
+              <a14:hiddenLine xmlns:a14="http://schemas.microsoft.com/office/drawing/2010/main" xmlns="" w="9525">
                 <a:solidFill>
                   <a:srgbClr val="000000"/>
                 </a:solidFill>
@@ -11231,14 +11231,14 @@
           </a:ln>
           <a:extLst>
             <a:ext uri="{909E8E84-426E-40dd-AFC4-6F175D3DCCD1}">
-              <a14:hiddenFill xmlns="" xmlns:a14="http://schemas.microsoft.com/office/drawing/2010/main">
+              <a14:hiddenFill xmlns:a14="http://schemas.microsoft.com/office/drawing/2010/main" xmlns="">
                 <a:solidFill>
                   <a:srgbClr val="FFFFFF"/>
                 </a:solidFill>
               </a14:hiddenFill>
             </a:ext>
             <a:ext uri="{91240B29-F687-4f45-9708-019B960494DF}">
-              <a14:hiddenLine xmlns="" xmlns:a14="http://schemas.microsoft.com/office/drawing/2010/main" w="9525">
+              <a14:hiddenLine xmlns:a14="http://schemas.microsoft.com/office/drawing/2010/main" xmlns="" w="9525">
                 <a:solidFill>
                   <a:srgbClr val="000000"/>
                 </a:solidFill>
@@ -11805,14 +11805,14 @@
           </a:ln>
           <a:extLst>
             <a:ext uri="{909E8E84-426E-40dd-AFC4-6F175D3DCCD1}">
-              <a14:hiddenFill xmlns="" xmlns:a14="http://schemas.microsoft.com/office/drawing/2010/main">
+              <a14:hiddenFill xmlns:a14="http://schemas.microsoft.com/office/drawing/2010/main" xmlns="">
                 <a:solidFill>
                   <a:srgbClr val="FFFFFF"/>
                 </a:solidFill>
               </a14:hiddenFill>
             </a:ext>
             <a:ext uri="{91240B29-F687-4f45-9708-019B960494DF}">
-              <a14:hiddenLine xmlns="" xmlns:a14="http://schemas.microsoft.com/office/drawing/2010/main" w="9525">
+              <a14:hiddenLine xmlns:a14="http://schemas.microsoft.com/office/drawing/2010/main" xmlns="" w="9525">
                 <a:solidFill>
                   <a:srgbClr val="000000"/>
                 </a:solidFill>
@@ -12752,14 +12752,14 @@
           </a:ln>
           <a:extLst>
             <a:ext uri="{909E8E84-426E-40dd-AFC4-6F175D3DCCD1}">
-              <a14:hiddenFill xmlns="" xmlns:a14="http://schemas.microsoft.com/office/drawing/2010/main">
+              <a14:hiddenFill xmlns:a14="http://schemas.microsoft.com/office/drawing/2010/main" xmlns="">
                 <a:solidFill>
                   <a:srgbClr val="FFFFFF"/>
                 </a:solidFill>
               </a14:hiddenFill>
             </a:ext>
             <a:ext uri="{91240B29-F687-4f45-9708-019B960494DF}">
-              <a14:hiddenLine xmlns="" xmlns:a14="http://schemas.microsoft.com/office/drawing/2010/main" w="9525">
+              <a14:hiddenLine xmlns:a14="http://schemas.microsoft.com/office/drawing/2010/main" xmlns="" w="9525">
                 <a:solidFill>
                   <a:srgbClr val="000000"/>
                 </a:solidFill>
@@ -13514,14 +13514,14 @@
           </a:ln>
           <a:extLst>
             <a:ext uri="{909E8E84-426E-40dd-AFC4-6F175D3DCCD1}">
-              <a14:hiddenFill xmlns="" xmlns:a14="http://schemas.microsoft.com/office/drawing/2010/main">
+              <a14:hiddenFill xmlns:a14="http://schemas.microsoft.com/office/drawing/2010/main" xmlns="">
                 <a:solidFill>
                   <a:srgbClr val="FFFFFF"/>
                 </a:solidFill>
               </a14:hiddenFill>
             </a:ext>
             <a:ext uri="{91240B29-F687-4f45-9708-019B960494DF}">
-              <a14:hiddenLine xmlns="" xmlns:a14="http://schemas.microsoft.com/office/drawing/2010/main" w="9525">
+              <a14:hiddenLine xmlns:a14="http://schemas.microsoft.com/office/drawing/2010/main" xmlns="" w="9525">
                 <a:solidFill>
                   <a:srgbClr val="000000"/>
                 </a:solidFill>
@@ -26184,15 +26184,6 @@
 
 <file path=customXml/item1.xml><?xml version="1.0" encoding="utf-8"?>
 <?mso-contentType ?>
-<FormTemplates xmlns="http://schemas.microsoft.com/sharepoint/v3/contenttype/forms">
-  <Display>DocumentLibraryForm</Display>
-  <Edit>DocumentLibraryForm</Edit>
-  <New>DocumentLibraryForm</New>
-</FormTemplates>
-</file>
-
-<file path=customXml/item2.xml><?xml version="1.0" encoding="utf-8"?>
-<?mso-contentType ?>
 <spe:Receivers xmlns:spe="http://schemas.microsoft.com/sharepoint/events">
   <Receiver>
     <Name>Document ID Generator</Name>
@@ -26237,7 +26228,28 @@
 </spe:Receivers>
 </file>
 
+<file path=customXml/item2.xml><?xml version="1.0" encoding="utf-8"?>
+<?mso-contentType ?>
+<FormTemplates xmlns="http://schemas.microsoft.com/sharepoint/v3/contenttype/forms">
+  <Display>DocumentLibraryForm</Display>
+  <Edit>DocumentLibraryForm</Edit>
+  <New>DocumentLibraryForm</New>
+</FormTemplates>
+</file>
+
 <file path=customXml/item3.xml><?xml version="1.0" encoding="utf-8"?>
+<p:properties xmlns:p="http://schemas.microsoft.com/office/2006/metadata/properties" xmlns:xsi="http://www.w3.org/2001/XMLSchema-instance" xmlns:pc="http://schemas.microsoft.com/office/infopath/2007/PartnerControls">
+  <documentManagement>
+    <_dlc_DocId xmlns="7bb5d761-a2ea-4873-95f7-7a6658fb3ef0">M4CWTKMW727E-592-73</_dlc_DocId>
+    <_dlc_DocIdUrl xmlns="7bb5d761-a2ea-4873-95f7-7a6658fb3ef0">
+      <Url>https://kms.vci.local/marketing/team/_layouts/DocIdRedir.aspx?ID=M4CWTKMW727E-592-73</Url>
+      <Description>M4CWTKMW727E-592-73</Description>
+    </_dlc_DocIdUrl>
+  </documentManagement>
+</p:properties>
+</file>
+
+<file path=customXml/item4.xml><?xml version="1.0" encoding="utf-8"?>
 <ct:contentTypeSchema xmlns:ct="http://schemas.microsoft.com/office/2006/metadata/contentType" xmlns:ma="http://schemas.microsoft.com/office/2006/metadata/properties/metaAttributes" ct:_="" ma:_="" ma:contentTypeName="Document" ma:contentTypeID="0x0101000812F700BE7F874999720E88173FE491" ma:contentTypeVersion="0" ma:contentTypeDescription="Create a new document." ma:contentTypeScope="" ma:versionID="3f79f408e2ca720b7aba6e0e32464d0c">
   <xsd:schema xmlns:xsd="http://www.w3.org/2001/XMLSchema" xmlns:xs="http://www.w3.org/2001/XMLSchema" xmlns:p="http://schemas.microsoft.com/office/2006/metadata/properties" xmlns:ns2="7bb5d761-a2ea-4873-95f7-7a6658fb3ef0" targetNamespace="http://schemas.microsoft.com/office/2006/metadata/properties" ma:root="true" ma:fieldsID="1e062cd38ba31e406bfc4340fbc7f87a" ns2:_="">
     <xsd:import namespace="7bb5d761-a2ea-4873-95f7-7a6658fb3ef0"/>
@@ -26382,19 +26394,15 @@
 </ct:contentTypeSchema>
 </file>
 
-<file path=customXml/item4.xml><?xml version="1.0" encoding="utf-8"?>
-<p:properties xmlns:p="http://schemas.microsoft.com/office/2006/metadata/properties" xmlns:xsi="http://www.w3.org/2001/XMLSchema-instance" xmlns:pc="http://schemas.microsoft.com/office/infopath/2007/PartnerControls">
-  <documentManagement>
-    <_dlc_DocId xmlns="7bb5d761-a2ea-4873-95f7-7a6658fb3ef0">M4CWTKMW727E-592-73</_dlc_DocId>
-    <_dlc_DocIdUrl xmlns="7bb5d761-a2ea-4873-95f7-7a6658fb3ef0">
-      <Url>https://kms.vci.local/marketing/team/_layouts/DocIdRedir.aspx?ID=M4CWTKMW727E-592-73</Url>
-      <Description>M4CWTKMW727E-592-73</Description>
-    </_dlc_DocIdUrl>
-  </documentManagement>
-</p:properties>
+<file path=customXml/itemProps1.xml><?xml version="1.0" encoding="utf-8"?>
+<ds:datastoreItem xmlns:ds="http://schemas.openxmlformats.org/officeDocument/2006/customXml" ds:itemID="{B13EBC30-FE27-4C6A-B723-23FC2188F7DC}">
+  <ds:schemaRefs>
+    <ds:schemaRef ds:uri="http://schemas.microsoft.com/sharepoint/events"/>
+  </ds:schemaRefs>
+</ds:datastoreItem>
 </file>
 
-<file path=customXml/itemProps1.xml><?xml version="1.0" encoding="utf-8"?>
+<file path=customXml/itemProps2.xml><?xml version="1.0" encoding="utf-8"?>
 <ds:datastoreItem xmlns:ds="http://schemas.openxmlformats.org/officeDocument/2006/customXml" ds:itemID="{5CDEB364-43EC-4510-9881-539C2A3FCE9E}">
   <ds:schemaRefs>
     <ds:schemaRef ds:uri="http://schemas.microsoft.com/sharepoint/v3/contenttype/forms"/>
@@ -26402,15 +26410,23 @@
 </ds:datastoreItem>
 </file>
 
-<file path=customXml/itemProps2.xml><?xml version="1.0" encoding="utf-8"?>
-<ds:datastoreItem xmlns:ds="http://schemas.openxmlformats.org/officeDocument/2006/customXml" ds:itemID="{B13EBC30-FE27-4C6A-B723-23FC2188F7DC}">
+<file path=customXml/itemProps3.xml><?xml version="1.0" encoding="utf-8"?>
+<ds:datastoreItem xmlns:ds="http://schemas.openxmlformats.org/officeDocument/2006/customXml" ds:itemID="{6921749B-AEB7-461B-845F-603CABD25259}">
   <ds:schemaRefs>
-    <ds:schemaRef ds:uri="http://schemas.microsoft.com/sharepoint/events"/>
+    <ds:schemaRef ds:uri="7bb5d761-a2ea-4873-95f7-7a6658fb3ef0"/>
+    <ds:schemaRef ds:uri="http://purl.org/dc/terms/"/>
+    <ds:schemaRef ds:uri="http://schemas.openxmlformats.org/package/2006/metadata/core-properties"/>
+    <ds:schemaRef ds:uri="http://purl.org/dc/dcmitype/"/>
+    <ds:schemaRef ds:uri="http://schemas.microsoft.com/office/2006/documentManagement/types"/>
+    <ds:schemaRef ds:uri="http://purl.org/dc/elements/1.1/"/>
+    <ds:schemaRef ds:uri="http://schemas.microsoft.com/office/2006/metadata/properties"/>
+    <ds:schemaRef ds:uri="http://schemas.microsoft.com/office/infopath/2007/PartnerControls"/>
+    <ds:schemaRef ds:uri="http://www.w3.org/XML/1998/namespace"/>
   </ds:schemaRefs>
 </ds:datastoreItem>
 </file>
 
-<file path=customXml/itemProps3.xml><?xml version="1.0" encoding="utf-8"?>
+<file path=customXml/itemProps4.xml><?xml version="1.0" encoding="utf-8"?>
 <ds:datastoreItem xmlns:ds="http://schemas.openxmlformats.org/officeDocument/2006/customXml" ds:itemID="{164479E5-0B02-49AC-B79E-EC1D6164DDD3}">
   <ds:schemaRefs>
     <ds:schemaRef ds:uri="http://schemas.microsoft.com/office/2006/metadata/contentType"/>
@@ -26426,20 +26442,4 @@
     <ds:schemaRef ds:uri="http://schemas.microsoft.com/internal/obd"/>
   </ds:schemaRefs>
 </ds:datastoreItem>
-</file>
-
-<file path=customXml/itemProps4.xml><?xml version="1.0" encoding="utf-8"?>
-<ds:datastoreItem xmlns:ds="http://schemas.openxmlformats.org/officeDocument/2006/customXml" ds:itemID="{6921749B-AEB7-461B-845F-603CABD25259}">
-  <ds:schemaRefs>
-    <ds:schemaRef ds:uri="7bb5d761-a2ea-4873-95f7-7a6658fb3ef0"/>
-    <ds:schemaRef ds:uri="http://purl.org/dc/terms/"/>
-    <ds:schemaRef ds:uri="http://schemas.openxmlformats.org/package/2006/metadata/core-properties"/>
-    <ds:schemaRef ds:uri="http://purl.org/dc/dcmitype/"/>
-    <ds:schemaRef ds:uri="http://schemas.microsoft.com/office/2006/documentManagement/types"/>
-    <ds:schemaRef ds:uri="http://purl.org/dc/elements/1.1/"/>
-    <ds:schemaRef ds:uri="http://schemas.microsoft.com/office/2006/metadata/properties"/>
-    <ds:schemaRef ds:uri="http://schemas.microsoft.com/office/infopath/2007/PartnerControls"/>
-    <ds:schemaRef ds:uri="http://www.w3.org/XML/1998/namespace"/>
-  </ds:schemaRefs>
-</ds:datastoreItem>
 </file>
--- a/07-refactoring_to_attributes.pptx
+++ b/07-refactoring_to_attributes.pptx
@@ -7238,14 +7238,14 @@
           </a:ln>
           <a:extLst>
             <a:ext uri="{909E8E84-426E-40dd-AFC4-6F175D3DCCD1}">
-              <a14:hiddenFill xmlns:a14="http://schemas.microsoft.com/office/drawing/2010/main" xmlns="">
+              <a14:hiddenFill xmlns="" xmlns:a14="http://schemas.microsoft.com/office/drawing/2010/main">
                 <a:solidFill>
                   <a:srgbClr val="FFFFFF"/>
                 </a:solidFill>
               </a14:hiddenFill>
             </a:ext>
             <a:ext uri="{91240B29-F687-4f45-9708-019B960494DF}">
-              <a14:hiddenLine xmlns:a14="http://schemas.microsoft.com/office/drawing/2010/main" xmlns="" w="9525">
+              <a14:hiddenLine xmlns="" xmlns:a14="http://schemas.microsoft.com/office/drawing/2010/main" w="9525">
                 <a:solidFill>
                   <a:srgbClr val="000000"/>
                 </a:solidFill>
@@ -7393,14 +7393,14 @@
           </a:ln>
           <a:extLst>
             <a:ext uri="{909E8E84-426E-40dd-AFC4-6F175D3DCCD1}">
-              <a14:hiddenFill xmlns:a14="http://schemas.microsoft.com/office/drawing/2010/main" xmlns="">
+              <a14:hiddenFill xmlns="" xmlns:a14="http://schemas.microsoft.com/office/drawing/2010/main">
                 <a:solidFill>
                   <a:srgbClr val="FFFFFF"/>
                 </a:solidFill>
               </a14:hiddenFill>
             </a:ext>
             <a:ext uri="{91240B29-F687-4f45-9708-019B960494DF}">
-              <a14:hiddenLine xmlns:a14="http://schemas.microsoft.com/office/drawing/2010/main" xmlns="" w="9525">
+              <a14:hiddenLine xmlns="" xmlns:a14="http://schemas.microsoft.com/office/drawing/2010/main" w="9525">
                 <a:solidFill>
                   <a:srgbClr val="000000"/>
                 </a:solidFill>
@@ -7891,14 +7891,14 @@
           </a:ln>
           <a:extLst>
             <a:ext uri="{909E8E84-426E-40dd-AFC4-6F175D3DCCD1}">
-              <a14:hiddenFill xmlns:a14="http://schemas.microsoft.com/office/drawing/2010/main" xmlns="">
+              <a14:hiddenFill xmlns="" xmlns:a14="http://schemas.microsoft.com/office/drawing/2010/main">
                 <a:solidFill>
                   <a:srgbClr val="FFFFFF"/>
                 </a:solidFill>
               </a14:hiddenFill>
             </a:ext>
             <a:ext uri="{91240B29-F687-4f45-9708-019B960494DF}">
-              <a14:hiddenLine xmlns:a14="http://schemas.microsoft.com/office/drawing/2010/main" xmlns="" w="9525">
+              <a14:hiddenLine xmlns="" xmlns:a14="http://schemas.microsoft.com/office/drawing/2010/main" w="9525">
                 <a:solidFill>
                   <a:srgbClr val="000000"/>
                 </a:solidFill>
@@ -9325,14 +9325,14 @@
           </a:ln>
           <a:extLst>
             <a:ext uri="{909E8E84-426E-40dd-AFC4-6F175D3DCCD1}">
-              <a14:hiddenFill xmlns:a14="http://schemas.microsoft.com/office/drawing/2010/main" xmlns="">
+              <a14:hiddenFill xmlns="" xmlns:a14="http://schemas.microsoft.com/office/drawing/2010/main">
                 <a:solidFill>
                   <a:srgbClr val="FFFFFF"/>
                 </a:solidFill>
               </a14:hiddenFill>
             </a:ext>
             <a:ext uri="{91240B29-F687-4f45-9708-019B960494DF}">
-              <a14:hiddenLine xmlns:a14="http://schemas.microsoft.com/office/drawing/2010/main" xmlns="" w="9525">
+              <a14:hiddenLine xmlns="" xmlns:a14="http://schemas.microsoft.com/office/drawing/2010/main" w="9525">
                 <a:solidFill>
                   <a:srgbClr val="000000"/>
                 </a:solidFill>
@@ -10666,14 +10666,14 @@
           </a:ln>
           <a:extLst>
             <a:ext uri="{909E8E84-426E-40dd-AFC4-6F175D3DCCD1}">
-              <a14:hiddenFill xmlns:a14="http://schemas.microsoft.com/office/drawing/2010/main" xmlns="">
+              <a14:hiddenFill xmlns="" xmlns:a14="http://schemas.microsoft.com/office/drawing/2010/main">
                 <a:solidFill>
                   <a:srgbClr val="FFFFFF"/>
                 </a:solidFill>
               </a14:hiddenFill>
             </a:ext>
             <a:ext uri="{91240B29-F687-4f45-9708-019B960494DF}">
-              <a14:hiddenLine xmlns:a14="http://schemas.microsoft.com/office/drawing/2010/main" xmlns="" w="9525">
+              <a14:hiddenLine xmlns="" xmlns:a14="http://schemas.microsoft.com/office/drawing/2010/main" w="9525">
                 <a:solidFill>
                   <a:srgbClr val="000000"/>
                 </a:solidFill>
@@ -11231,14 +11231,14 @@
           </a:ln>
           <a:extLst>
             <a:ext uri="{909E8E84-426E-40dd-AFC4-6F175D3DCCD1}">
-              <a14:hiddenFill xmlns:a14="http://schemas.microsoft.com/office/drawing/2010/main" xmlns="">
+              <a14:hiddenFill xmlns="" xmlns:a14="http://schemas.microsoft.com/office/drawing/2010/main">
                 <a:solidFill>
                   <a:srgbClr val="FFFFFF"/>
                 </a:solidFill>
               </a14:hiddenFill>
             </a:ext>
             <a:ext uri="{91240B29-F687-4f45-9708-019B960494DF}">
-              <a14:hiddenLine xmlns:a14="http://schemas.microsoft.com/office/drawing/2010/main" xmlns="" w="9525">
+              <a14:hiddenLine xmlns="" xmlns:a14="http://schemas.microsoft.com/office/drawing/2010/main" w="9525">
                 <a:solidFill>
                   <a:srgbClr val="000000"/>
                 </a:solidFill>
@@ -11805,14 +11805,14 @@
           </a:ln>
           <a:extLst>
             <a:ext uri="{909E8E84-426E-40dd-AFC4-6F175D3DCCD1}">
-              <a14:hiddenFill xmlns:a14="http://schemas.microsoft.com/office/drawing/2010/main" xmlns="">
+              <a14:hiddenFill xmlns="" xmlns:a14="http://schemas.microsoft.com/office/drawing/2010/main">
                 <a:solidFill>
                   <a:srgbClr val="FFFFFF"/>
                 </a:solidFill>
               </a14:hiddenFill>
             </a:ext>
             <a:ext uri="{91240B29-F687-4f45-9708-019B960494DF}">
-              <a14:hiddenLine xmlns:a14="http://schemas.microsoft.com/office/drawing/2010/main" xmlns="" w="9525">
+              <a14:hiddenLine xmlns="" xmlns:a14="http://schemas.microsoft.com/office/drawing/2010/main" w="9525">
                 <a:solidFill>
                   <a:srgbClr val="000000"/>
                 </a:solidFill>
@@ -12752,14 +12752,14 @@
           </a:ln>
           <a:extLst>
             <a:ext uri="{909E8E84-426E-40dd-AFC4-6F175D3DCCD1}">
-              <a14:hiddenFill xmlns:a14="http://schemas.microsoft.com/office/drawing/2010/main" xmlns="">
+              <a14:hiddenFill xmlns="" xmlns:a14="http://schemas.microsoft.com/office/drawing/2010/main">
                 <a:solidFill>
                   <a:srgbClr val="FFFFFF"/>
                 </a:solidFill>
               </a14:hiddenFill>
             </a:ext>
             <a:ext uri="{91240B29-F687-4f45-9708-019B960494DF}">
-              <a14:hiddenLine xmlns:a14="http://schemas.microsoft.com/office/drawing/2010/main" xmlns="" w="9525">
+              <a14:hiddenLine xmlns="" xmlns:a14="http://schemas.microsoft.com/office/drawing/2010/main" w="9525">
                 <a:solidFill>
                   <a:srgbClr val="000000"/>
                 </a:solidFill>
@@ -13514,14 +13514,14 @@
           </a:ln>
           <a:extLst>
             <a:ext uri="{909E8E84-426E-40dd-AFC4-6F175D3DCCD1}">
-              <a14:hiddenFill xmlns:a14="http://schemas.microsoft.com/office/drawing/2010/main" xmlns="">
+              <a14:hiddenFill xmlns="" xmlns:a14="http://schemas.microsoft.com/office/drawing/2010/main">
                 <a:solidFill>
                   <a:srgbClr val="FFFFFF"/>
                 </a:solidFill>
               </a14:hiddenFill>
             </a:ext>
             <a:ext uri="{91240B29-F687-4f45-9708-019B960494DF}">
-              <a14:hiddenLine xmlns:a14="http://schemas.microsoft.com/office/drawing/2010/main" xmlns="" w="9525">
+              <a14:hiddenLine xmlns="" xmlns:a14="http://schemas.microsoft.com/office/drawing/2010/main" w="9525">
                 <a:solidFill>
                   <a:srgbClr val="000000"/>
                 </a:solidFill>
@@ -16103,7 +16103,7 @@
           <a:p>
             <a:r>
               <a:rPr lang="en-US" dirty="0"/>
-              <a:t>Pry is a Ruby debugger that allows you to define break points. These breakpoints allow you to pause operation and interact with the current process being able to interrogate the current state of the system.</a:t>
+              <a:t>Pry is a Ruby debugger that allows you to define breakpoints. These breakpoints allow you to pause operation and interact with the current process being able to interrogate the current state of the system.</a:t>
             </a:r>
           </a:p>
         </p:txBody>
@@ -16198,7 +16198,7 @@
           <a:p>
             <a:r>
               <a:rPr lang="en-US" dirty="0"/>
-              <a:t>Setup a Break Point</a:t>
+              <a:t>Setup a Breakpoint</a:t>
             </a:r>
           </a:p>
         </p:txBody>
@@ -26184,6 +26184,15 @@
 
 <file path=customXml/item1.xml><?xml version="1.0" encoding="utf-8"?>
 <?mso-contentType ?>
+<FormTemplates xmlns="http://schemas.microsoft.com/sharepoint/v3/contenttype/forms">
+  <Display>DocumentLibraryForm</Display>
+  <Edit>DocumentLibraryForm</Edit>
+  <New>DocumentLibraryForm</New>
+</FormTemplates>
+</file>
+
+<file path=customXml/item2.xml><?xml version="1.0" encoding="utf-8"?>
+<?mso-contentType ?>
 <spe:Receivers xmlns:spe="http://schemas.microsoft.com/sharepoint/events">
   <Receiver>
     <Name>Document ID Generator</Name>
@@ -26228,28 +26237,7 @@
 </spe:Receivers>
 </file>
 
-<file path=customXml/item2.xml><?xml version="1.0" encoding="utf-8"?>
-<?mso-contentType ?>
-<FormTemplates xmlns="http://schemas.microsoft.com/sharepoint/v3/contenttype/forms">
-  <Display>DocumentLibraryForm</Display>
-  <Edit>DocumentLibraryForm</Edit>
-  <New>DocumentLibraryForm</New>
-</FormTemplates>
-</file>
-
 <file path=customXml/item3.xml><?xml version="1.0" encoding="utf-8"?>
-<p:properties xmlns:p="http://schemas.microsoft.com/office/2006/metadata/properties" xmlns:xsi="http://www.w3.org/2001/XMLSchema-instance" xmlns:pc="http://schemas.microsoft.com/office/infopath/2007/PartnerControls">
-  <documentManagement>
-    <_dlc_DocId xmlns="7bb5d761-a2ea-4873-95f7-7a6658fb3ef0">M4CWTKMW727E-592-73</_dlc_DocId>
-    <_dlc_DocIdUrl xmlns="7bb5d761-a2ea-4873-95f7-7a6658fb3ef0">
-      <Url>https://kms.vci.local/marketing/team/_layouts/DocIdRedir.aspx?ID=M4CWTKMW727E-592-73</Url>
-      <Description>M4CWTKMW727E-592-73</Description>
-    </_dlc_DocIdUrl>
-  </documentManagement>
-</p:properties>
-</file>
-
-<file path=customXml/item4.xml><?xml version="1.0" encoding="utf-8"?>
 <ct:contentTypeSchema xmlns:ct="http://schemas.microsoft.com/office/2006/metadata/contentType" xmlns:ma="http://schemas.microsoft.com/office/2006/metadata/properties/metaAttributes" ct:_="" ma:_="" ma:contentTypeName="Document" ma:contentTypeID="0x0101000812F700BE7F874999720E88173FE491" ma:contentTypeVersion="0" ma:contentTypeDescription="Create a new document." ma:contentTypeScope="" ma:versionID="3f79f408e2ca720b7aba6e0e32464d0c">
   <xsd:schema xmlns:xsd="http://www.w3.org/2001/XMLSchema" xmlns:xs="http://www.w3.org/2001/XMLSchema" xmlns:p="http://schemas.microsoft.com/office/2006/metadata/properties" xmlns:ns2="7bb5d761-a2ea-4873-95f7-7a6658fb3ef0" targetNamespace="http://schemas.microsoft.com/office/2006/metadata/properties" ma:root="true" ma:fieldsID="1e062cd38ba31e406bfc4340fbc7f87a" ns2:_="">
     <xsd:import namespace="7bb5d761-a2ea-4873-95f7-7a6658fb3ef0"/>
@@ -26394,7 +26382,27 @@
 </ct:contentTypeSchema>
 </file>
 
+<file path=customXml/item4.xml><?xml version="1.0" encoding="utf-8"?>
+<p:properties xmlns:p="http://schemas.microsoft.com/office/2006/metadata/properties" xmlns:xsi="http://www.w3.org/2001/XMLSchema-instance" xmlns:pc="http://schemas.microsoft.com/office/infopath/2007/PartnerControls">
+  <documentManagement>
+    <_dlc_DocId xmlns="7bb5d761-a2ea-4873-95f7-7a6658fb3ef0">M4CWTKMW727E-592-73</_dlc_DocId>
+    <_dlc_DocIdUrl xmlns="7bb5d761-a2ea-4873-95f7-7a6658fb3ef0">
+      <Url>https://kms.vci.local/marketing/team/_layouts/DocIdRedir.aspx?ID=M4CWTKMW727E-592-73</Url>
+      <Description>M4CWTKMW727E-592-73</Description>
+    </_dlc_DocIdUrl>
+  </documentManagement>
+</p:properties>
+</file>
+
 <file path=customXml/itemProps1.xml><?xml version="1.0" encoding="utf-8"?>
+<ds:datastoreItem xmlns:ds="http://schemas.openxmlformats.org/officeDocument/2006/customXml" ds:itemID="{5CDEB364-43EC-4510-9881-539C2A3FCE9E}">
+  <ds:schemaRefs>
+    <ds:schemaRef ds:uri="http://schemas.microsoft.com/sharepoint/v3/contenttype/forms"/>
+  </ds:schemaRefs>
+</ds:datastoreItem>
+</file>
+
+<file path=customXml/itemProps2.xml><?xml version="1.0" encoding="utf-8"?>
 <ds:datastoreItem xmlns:ds="http://schemas.openxmlformats.org/officeDocument/2006/customXml" ds:itemID="{B13EBC30-FE27-4C6A-B723-23FC2188F7DC}">
   <ds:schemaRefs>
     <ds:schemaRef ds:uri="http://schemas.microsoft.com/sharepoint/events"/>
@@ -26402,31 +26410,7 @@
 </ds:datastoreItem>
 </file>
 
-<file path=customXml/itemProps2.xml><?xml version="1.0" encoding="utf-8"?>
-<ds:datastoreItem xmlns:ds="http://schemas.openxmlformats.org/officeDocument/2006/customXml" ds:itemID="{5CDEB364-43EC-4510-9881-539C2A3FCE9E}">
-  <ds:schemaRefs>
-    <ds:schemaRef ds:uri="http://schemas.microsoft.com/sharepoint/v3/contenttype/forms"/>
-  </ds:schemaRefs>
-</ds:datastoreItem>
-</file>
-
 <file path=customXml/itemProps3.xml><?xml version="1.0" encoding="utf-8"?>
-<ds:datastoreItem xmlns:ds="http://schemas.openxmlformats.org/officeDocument/2006/customXml" ds:itemID="{6921749B-AEB7-461B-845F-603CABD25259}">
-  <ds:schemaRefs>
-    <ds:schemaRef ds:uri="7bb5d761-a2ea-4873-95f7-7a6658fb3ef0"/>
-    <ds:schemaRef ds:uri="http://purl.org/dc/terms/"/>
-    <ds:schemaRef ds:uri="http://schemas.openxmlformats.org/package/2006/metadata/core-properties"/>
-    <ds:schemaRef ds:uri="http://purl.org/dc/dcmitype/"/>
-    <ds:schemaRef ds:uri="http://schemas.microsoft.com/office/2006/documentManagement/types"/>
-    <ds:schemaRef ds:uri="http://purl.org/dc/elements/1.1/"/>
-    <ds:schemaRef ds:uri="http://schemas.microsoft.com/office/2006/metadata/properties"/>
-    <ds:schemaRef ds:uri="http://schemas.microsoft.com/office/infopath/2007/PartnerControls"/>
-    <ds:schemaRef ds:uri="http://www.w3.org/XML/1998/namespace"/>
-  </ds:schemaRefs>
-</ds:datastoreItem>
-</file>
-
-<file path=customXml/itemProps4.xml><?xml version="1.0" encoding="utf-8"?>
 <ds:datastoreItem xmlns:ds="http://schemas.openxmlformats.org/officeDocument/2006/customXml" ds:itemID="{164479E5-0B02-49AC-B79E-EC1D6164DDD3}">
   <ds:schemaRefs>
     <ds:schemaRef ds:uri="http://schemas.microsoft.com/office/2006/metadata/contentType"/>
@@ -26442,4 +26426,20 @@
     <ds:schemaRef ds:uri="http://schemas.microsoft.com/internal/obd"/>
   </ds:schemaRefs>
 </ds:datastoreItem>
+</file>
+
+<file path=customXml/itemProps4.xml><?xml version="1.0" encoding="utf-8"?>
+<ds:datastoreItem xmlns:ds="http://schemas.openxmlformats.org/officeDocument/2006/customXml" ds:itemID="{6921749B-AEB7-461B-845F-603CABD25259}">
+  <ds:schemaRefs>
+    <ds:schemaRef ds:uri="7bb5d761-a2ea-4873-95f7-7a6658fb3ef0"/>
+    <ds:schemaRef ds:uri="http://purl.org/dc/terms/"/>
+    <ds:schemaRef ds:uri="http://schemas.openxmlformats.org/package/2006/metadata/core-properties"/>
+    <ds:schemaRef ds:uri="http://purl.org/dc/dcmitype/"/>
+    <ds:schemaRef ds:uri="http://schemas.microsoft.com/office/2006/documentManagement/types"/>
+    <ds:schemaRef ds:uri="http://purl.org/dc/elements/1.1/"/>
+    <ds:schemaRef ds:uri="http://schemas.microsoft.com/office/2006/metadata/properties"/>
+    <ds:schemaRef ds:uri="http://schemas.microsoft.com/office/infopath/2007/PartnerControls"/>
+    <ds:schemaRef ds:uri="http://www.w3.org/XML/1998/namespace"/>
+  </ds:schemaRefs>
+</ds:datastoreItem>
 </file>